--- a/docs/project-presentation.pptx
+++ b/docs/project-presentation.pptx
@@ -28,6 +28,8 @@
     <p:sldId id="272" r:id="rId23"/>
     <p:sldId id="273" r:id="rId24"/>
     <p:sldId id="274" r:id="rId25"/>
+    <p:sldId id="275" r:id="rId26"/>
+    <p:sldId id="276" r:id="rId27"/>
   </p:sldIdLst>
   <p:sldSz cx="9144000" cy="6858000"/>
   <p:notesSz cx="7559675" cy="10691812"/>
@@ -85,8 +87,8 @@
         </p:nvSpPr>
         <p:spPr>
           <a:xfrm>
-            <a:off x="457200" y="274680"/>
-            <a:ext cx="8229240" cy="1143000"/>
+            <a:off x="457200" y="273600"/>
+            <a:ext cx="8229240" cy="1145160"/>
           </a:xfrm>
           <a:prstGeom prst="rect">
             <a:avLst/>
@@ -95,6 +97,7 @@
         <p:txBody>
           <a:bodyPr wrap="none" lIns="0" rIns="0" tIns="0" bIns="0" anchor="ctr"/>
           <a:p>
+            <a:pPr algn="ctr"/>
             <a:endParaRPr/>
           </a:p>
         </p:txBody>
@@ -111,8 +114,8 @@
         </p:nvSpPr>
         <p:spPr>
           <a:xfrm>
-            <a:off x="457200" y="1600200"/>
-            <a:ext cx="8229240" cy="2158560"/>
+            <a:off x="457200" y="1604520"/>
+            <a:ext cx="8229240" cy="1896840"/>
           </a:xfrm>
           <a:prstGeom prst="rect">
             <a:avLst/>
@@ -137,8 +140,8 @@
         </p:nvSpPr>
         <p:spPr>
           <a:xfrm>
-            <a:off x="457200" y="3964320"/>
-            <a:ext cx="8229240" cy="2158560"/>
+            <a:off x="457200" y="3682080"/>
+            <a:ext cx="8229240" cy="1896840"/>
           </a:xfrm>
           <a:prstGeom prst="rect">
             <a:avLst/>
@@ -185,8 +188,8 @@
         </p:nvSpPr>
         <p:spPr>
           <a:xfrm>
-            <a:off x="457200" y="274680"/>
-            <a:ext cx="8229240" cy="1143000"/>
+            <a:off x="457200" y="273600"/>
+            <a:ext cx="8229240" cy="1145160"/>
           </a:xfrm>
           <a:prstGeom prst="rect">
             <a:avLst/>
@@ -195,6 +198,7 @@
         <p:txBody>
           <a:bodyPr wrap="none" lIns="0" rIns="0" tIns="0" bIns="0" anchor="ctr"/>
           <a:p>
+            <a:pPr algn="ctr"/>
             <a:endParaRPr/>
           </a:p>
         </p:txBody>
@@ -211,8 +215,8 @@
         </p:nvSpPr>
         <p:spPr>
           <a:xfrm>
-            <a:off x="457200" y="1600200"/>
-            <a:ext cx="4015800" cy="2158560"/>
+            <a:off x="457200" y="1604520"/>
+            <a:ext cx="4015800" cy="1896840"/>
           </a:xfrm>
           <a:prstGeom prst="rect">
             <a:avLst/>
@@ -237,8 +241,8 @@
         </p:nvSpPr>
         <p:spPr>
           <a:xfrm>
-            <a:off x="4674240" y="1600200"/>
-            <a:ext cx="4015800" cy="2158560"/>
+            <a:off x="4674240" y="1604520"/>
+            <a:ext cx="4015800" cy="1896840"/>
           </a:xfrm>
           <a:prstGeom prst="rect">
             <a:avLst/>
@@ -263,8 +267,8 @@
         </p:nvSpPr>
         <p:spPr>
           <a:xfrm>
-            <a:off x="4674240" y="3964320"/>
-            <a:ext cx="4015800" cy="2158560"/>
+            <a:off x="4674240" y="3682080"/>
+            <a:ext cx="4015800" cy="1896840"/>
           </a:xfrm>
           <a:prstGeom prst="rect">
             <a:avLst/>
@@ -289,8 +293,8 @@
         </p:nvSpPr>
         <p:spPr>
           <a:xfrm>
-            <a:off x="457200" y="3964320"/>
-            <a:ext cx="4015800" cy="2158560"/>
+            <a:off x="457200" y="3682080"/>
+            <a:ext cx="4015800" cy="1896840"/>
           </a:xfrm>
           <a:prstGeom prst="rect">
             <a:avLst/>
@@ -337,8 +341,8 @@
         </p:nvSpPr>
         <p:spPr>
           <a:xfrm>
-            <a:off x="457200" y="274680"/>
-            <a:ext cx="8229240" cy="1143000"/>
+            <a:off x="457200" y="273600"/>
+            <a:ext cx="8229240" cy="1145160"/>
           </a:xfrm>
           <a:prstGeom prst="rect">
             <a:avLst/>
@@ -347,6 +351,7 @@
         <p:txBody>
           <a:bodyPr wrap="none" lIns="0" rIns="0" tIns="0" bIns="0" anchor="ctr"/>
           <a:p>
+            <a:pPr algn="ctr"/>
             <a:endParaRPr/>
           </a:p>
         </p:txBody>
@@ -363,8 +368,8 @@
         </p:nvSpPr>
         <p:spPr>
           <a:xfrm>
-            <a:off x="457200" y="1600200"/>
-            <a:ext cx="8229240" cy="4525560"/>
+            <a:off x="457200" y="1604520"/>
+            <a:ext cx="8229240" cy="3976920"/>
           </a:xfrm>
           <a:prstGeom prst="rect">
             <a:avLst/>
@@ -389,8 +394,8 @@
         </p:nvSpPr>
         <p:spPr>
           <a:xfrm>
-            <a:off x="457200" y="1600200"/>
-            <a:ext cx="8229240" cy="4525560"/>
+            <a:off x="457200" y="1604520"/>
+            <a:ext cx="8229240" cy="3976920"/>
           </a:xfrm>
           <a:prstGeom prst="rect">
             <a:avLst/>
@@ -417,8 +422,8 @@
         </p:blipFill>
         <p:spPr>
           <a:xfrm>
-            <a:off x="1735560" y="1599840"/>
-            <a:ext cx="5671800" cy="4525560"/>
+            <a:off x="2079360" y="1604160"/>
+            <a:ext cx="4984200" cy="3976920"/>
           </a:xfrm>
           <a:prstGeom prst="rect">
             <a:avLst/>
@@ -442,8 +447,8 @@
         </p:blipFill>
         <p:spPr>
           <a:xfrm>
-            <a:off x="1735560" y="1599840"/>
-            <a:ext cx="5671800" cy="4525560"/>
+            <a:off x="2079360" y="1604160"/>
+            <a:ext cx="4984200" cy="3976920"/>
           </a:xfrm>
           <a:prstGeom prst="rect">
             <a:avLst/>
@@ -509,8 +514,8 @@
         </p:nvSpPr>
         <p:spPr>
           <a:xfrm>
-            <a:off x="457200" y="274680"/>
-            <a:ext cx="8229240" cy="1143000"/>
+            <a:off x="457200" y="273600"/>
+            <a:ext cx="8229240" cy="1145160"/>
           </a:xfrm>
           <a:prstGeom prst="rect">
             <a:avLst/>
@@ -519,6 +524,7 @@
         <p:txBody>
           <a:bodyPr wrap="none" lIns="0" rIns="0" tIns="0" bIns="0" anchor="ctr"/>
           <a:p>
+            <a:pPr algn="ctr"/>
             <a:endParaRPr/>
           </a:p>
         </p:txBody>
@@ -535,8 +541,8 @@
         </p:nvSpPr>
         <p:spPr>
           <a:xfrm>
-            <a:off x="457200" y="1600200"/>
-            <a:ext cx="8229240" cy="4525920"/>
+            <a:off x="457200" y="1604520"/>
+            <a:ext cx="8229240" cy="3977280"/>
           </a:xfrm>
           <a:prstGeom prst="rect">
             <a:avLst/>
@@ -584,8 +590,8 @@
         </p:nvSpPr>
         <p:spPr>
           <a:xfrm>
-            <a:off x="457200" y="274680"/>
-            <a:ext cx="8229240" cy="1143000"/>
+            <a:off x="457200" y="273600"/>
+            <a:ext cx="8229240" cy="1145160"/>
           </a:xfrm>
           <a:prstGeom prst="rect">
             <a:avLst/>
@@ -594,6 +600,7 @@
         <p:txBody>
           <a:bodyPr wrap="none" lIns="0" rIns="0" tIns="0" bIns="0" anchor="ctr"/>
           <a:p>
+            <a:pPr algn="ctr"/>
             <a:endParaRPr/>
           </a:p>
         </p:txBody>
@@ -610,8 +617,8 @@
         </p:nvSpPr>
         <p:spPr>
           <a:xfrm>
-            <a:off x="457200" y="1600200"/>
-            <a:ext cx="8229240" cy="4525560"/>
+            <a:off x="457200" y="1604520"/>
+            <a:ext cx="8229240" cy="3976920"/>
           </a:xfrm>
           <a:prstGeom prst="rect">
             <a:avLst/>
@@ -658,8 +665,8 @@
         </p:nvSpPr>
         <p:spPr>
           <a:xfrm>
-            <a:off x="457200" y="274680"/>
-            <a:ext cx="8229240" cy="1143000"/>
+            <a:off x="457200" y="273600"/>
+            <a:ext cx="8229240" cy="1145160"/>
           </a:xfrm>
           <a:prstGeom prst="rect">
             <a:avLst/>
@@ -668,6 +675,7 @@
         <p:txBody>
           <a:bodyPr wrap="none" lIns="0" rIns="0" tIns="0" bIns="0" anchor="ctr"/>
           <a:p>
+            <a:pPr algn="ctr"/>
             <a:endParaRPr/>
           </a:p>
         </p:txBody>
@@ -684,8 +692,8 @@
         </p:nvSpPr>
         <p:spPr>
           <a:xfrm>
-            <a:off x="457200" y="1600200"/>
-            <a:ext cx="4015800" cy="4525560"/>
+            <a:off x="457200" y="1604520"/>
+            <a:ext cx="4015800" cy="3976920"/>
           </a:xfrm>
           <a:prstGeom prst="rect">
             <a:avLst/>
@@ -710,8 +718,8 @@
         </p:nvSpPr>
         <p:spPr>
           <a:xfrm>
-            <a:off x="4674240" y="1600200"/>
-            <a:ext cx="4015800" cy="4525560"/>
+            <a:off x="4674240" y="1604520"/>
+            <a:ext cx="4015800" cy="3976920"/>
           </a:xfrm>
           <a:prstGeom prst="rect">
             <a:avLst/>
@@ -758,8 +766,8 @@
         </p:nvSpPr>
         <p:spPr>
           <a:xfrm>
-            <a:off x="457200" y="274680"/>
-            <a:ext cx="8229240" cy="1143000"/>
+            <a:off x="457200" y="273600"/>
+            <a:ext cx="8229240" cy="1145160"/>
           </a:xfrm>
           <a:prstGeom prst="rect">
             <a:avLst/>
@@ -768,6 +776,7 @@
         <p:txBody>
           <a:bodyPr wrap="none" lIns="0" rIns="0" tIns="0" bIns="0" anchor="ctr"/>
           <a:p>
+            <a:pPr algn="ctr"/>
             <a:endParaRPr/>
           </a:p>
         </p:txBody>
@@ -806,8 +815,8 @@
         </p:nvSpPr>
         <p:spPr>
           <a:xfrm>
-            <a:off x="457200" y="274680"/>
-            <a:ext cx="8229240" cy="5298120"/>
+            <a:off x="457200" y="273600"/>
+            <a:ext cx="8229240" cy="5308200"/>
           </a:xfrm>
           <a:prstGeom prst="rect">
             <a:avLst/>
@@ -855,8 +864,8 @@
         </p:nvSpPr>
         <p:spPr>
           <a:xfrm>
-            <a:off x="457200" y="274680"/>
-            <a:ext cx="8229240" cy="1143000"/>
+            <a:off x="457200" y="273600"/>
+            <a:ext cx="8229240" cy="1145160"/>
           </a:xfrm>
           <a:prstGeom prst="rect">
             <a:avLst/>
@@ -865,6 +874,7 @@
         <p:txBody>
           <a:bodyPr wrap="none" lIns="0" rIns="0" tIns="0" bIns="0" anchor="ctr"/>
           <a:p>
+            <a:pPr algn="ctr"/>
             <a:endParaRPr/>
           </a:p>
         </p:txBody>
@@ -881,8 +891,8 @@
         </p:nvSpPr>
         <p:spPr>
           <a:xfrm>
-            <a:off x="457200" y="1600200"/>
-            <a:ext cx="4015800" cy="2158560"/>
+            <a:off x="457200" y="1604520"/>
+            <a:ext cx="4015800" cy="1896840"/>
           </a:xfrm>
           <a:prstGeom prst="rect">
             <a:avLst/>
@@ -907,8 +917,8 @@
         </p:nvSpPr>
         <p:spPr>
           <a:xfrm>
-            <a:off x="457200" y="3964320"/>
-            <a:ext cx="4015800" cy="2158560"/>
+            <a:off x="457200" y="3682080"/>
+            <a:ext cx="4015800" cy="1896840"/>
           </a:xfrm>
           <a:prstGeom prst="rect">
             <a:avLst/>
@@ -933,8 +943,8 @@
         </p:nvSpPr>
         <p:spPr>
           <a:xfrm>
-            <a:off x="4674240" y="1600200"/>
-            <a:ext cx="4015800" cy="4525560"/>
+            <a:off x="4674240" y="1604520"/>
+            <a:ext cx="4015800" cy="3976920"/>
           </a:xfrm>
           <a:prstGeom prst="rect">
             <a:avLst/>
@@ -981,8 +991,8 @@
         </p:nvSpPr>
         <p:spPr>
           <a:xfrm>
-            <a:off x="457200" y="274680"/>
-            <a:ext cx="8229240" cy="1143000"/>
+            <a:off x="457200" y="273600"/>
+            <a:ext cx="8229240" cy="1145160"/>
           </a:xfrm>
           <a:prstGeom prst="rect">
             <a:avLst/>
@@ -991,6 +1001,7 @@
         <p:txBody>
           <a:bodyPr wrap="none" lIns="0" rIns="0" tIns="0" bIns="0" anchor="ctr"/>
           <a:p>
+            <a:pPr algn="ctr"/>
             <a:endParaRPr/>
           </a:p>
         </p:txBody>
@@ -1007,8 +1018,8 @@
         </p:nvSpPr>
         <p:spPr>
           <a:xfrm>
-            <a:off x="457200" y="1600200"/>
-            <a:ext cx="8229240" cy="4525920"/>
+            <a:off x="457200" y="1604520"/>
+            <a:ext cx="8229240" cy="3977280"/>
           </a:xfrm>
           <a:prstGeom prst="rect">
             <a:avLst/>
@@ -1056,8 +1067,8 @@
         </p:nvSpPr>
         <p:spPr>
           <a:xfrm>
-            <a:off x="457200" y="274680"/>
-            <a:ext cx="8229240" cy="1143000"/>
+            <a:off x="457200" y="273600"/>
+            <a:ext cx="8229240" cy="1145160"/>
           </a:xfrm>
           <a:prstGeom prst="rect">
             <a:avLst/>
@@ -1066,6 +1077,7 @@
         <p:txBody>
           <a:bodyPr wrap="none" lIns="0" rIns="0" tIns="0" bIns="0" anchor="ctr"/>
           <a:p>
+            <a:pPr algn="ctr"/>
             <a:endParaRPr/>
           </a:p>
         </p:txBody>
@@ -1082,8 +1094,8 @@
         </p:nvSpPr>
         <p:spPr>
           <a:xfrm>
-            <a:off x="457200" y="1600200"/>
-            <a:ext cx="4015800" cy="4525560"/>
+            <a:off x="457200" y="1604520"/>
+            <a:ext cx="4015800" cy="3976920"/>
           </a:xfrm>
           <a:prstGeom prst="rect">
             <a:avLst/>
@@ -1108,8 +1120,8 @@
         </p:nvSpPr>
         <p:spPr>
           <a:xfrm>
-            <a:off x="4674240" y="1600200"/>
-            <a:ext cx="4015800" cy="2158560"/>
+            <a:off x="4674240" y="1604520"/>
+            <a:ext cx="4015800" cy="1896840"/>
           </a:xfrm>
           <a:prstGeom prst="rect">
             <a:avLst/>
@@ -1134,8 +1146,8 @@
         </p:nvSpPr>
         <p:spPr>
           <a:xfrm>
-            <a:off x="4674240" y="3964320"/>
-            <a:ext cx="4015800" cy="2158560"/>
+            <a:off x="4674240" y="3682080"/>
+            <a:ext cx="4015800" cy="1896840"/>
           </a:xfrm>
           <a:prstGeom prst="rect">
             <a:avLst/>
@@ -1182,8 +1194,8 @@
         </p:nvSpPr>
         <p:spPr>
           <a:xfrm>
-            <a:off x="457200" y="274680"/>
-            <a:ext cx="8229240" cy="1143000"/>
+            <a:off x="457200" y="273600"/>
+            <a:ext cx="8229240" cy="1145160"/>
           </a:xfrm>
           <a:prstGeom prst="rect">
             <a:avLst/>
@@ -1192,6 +1204,7 @@
         <p:txBody>
           <a:bodyPr wrap="none" lIns="0" rIns="0" tIns="0" bIns="0" anchor="ctr"/>
           <a:p>
+            <a:pPr algn="ctr"/>
             <a:endParaRPr/>
           </a:p>
         </p:txBody>
@@ -1208,8 +1221,8 @@
         </p:nvSpPr>
         <p:spPr>
           <a:xfrm>
-            <a:off x="457200" y="1600200"/>
-            <a:ext cx="4015800" cy="2158560"/>
+            <a:off x="457200" y="1604520"/>
+            <a:ext cx="4015800" cy="1896840"/>
           </a:xfrm>
           <a:prstGeom prst="rect">
             <a:avLst/>
@@ -1234,8 +1247,8 @@
         </p:nvSpPr>
         <p:spPr>
           <a:xfrm>
-            <a:off x="4674240" y="1600200"/>
-            <a:ext cx="4015800" cy="2158560"/>
+            <a:off x="4674240" y="1604520"/>
+            <a:ext cx="4015800" cy="1896840"/>
           </a:xfrm>
           <a:prstGeom prst="rect">
             <a:avLst/>
@@ -1260,8 +1273,8 @@
         </p:nvSpPr>
         <p:spPr>
           <a:xfrm>
-            <a:off x="457200" y="3964320"/>
-            <a:ext cx="8229240" cy="2158560"/>
+            <a:off x="457200" y="3682080"/>
+            <a:ext cx="8229240" cy="1896840"/>
           </a:xfrm>
           <a:prstGeom prst="rect">
             <a:avLst/>
@@ -1308,8 +1321,8 @@
         </p:nvSpPr>
         <p:spPr>
           <a:xfrm>
-            <a:off x="457200" y="274680"/>
-            <a:ext cx="8229240" cy="1143000"/>
+            <a:off x="457200" y="273600"/>
+            <a:ext cx="8229240" cy="1145160"/>
           </a:xfrm>
           <a:prstGeom prst="rect">
             <a:avLst/>
@@ -1318,6 +1331,7 @@
         <p:txBody>
           <a:bodyPr wrap="none" lIns="0" rIns="0" tIns="0" bIns="0" anchor="ctr"/>
           <a:p>
+            <a:pPr algn="ctr"/>
             <a:endParaRPr/>
           </a:p>
         </p:txBody>
@@ -1334,8 +1348,8 @@
         </p:nvSpPr>
         <p:spPr>
           <a:xfrm>
-            <a:off x="457200" y="1600200"/>
-            <a:ext cx="8229240" cy="2158560"/>
+            <a:off x="457200" y="1604520"/>
+            <a:ext cx="8229240" cy="1896840"/>
           </a:xfrm>
           <a:prstGeom prst="rect">
             <a:avLst/>
@@ -1360,8 +1374,8 @@
         </p:nvSpPr>
         <p:spPr>
           <a:xfrm>
-            <a:off x="457200" y="3964320"/>
-            <a:ext cx="8229240" cy="2158560"/>
+            <a:off x="457200" y="3682080"/>
+            <a:ext cx="8229240" cy="1896840"/>
           </a:xfrm>
           <a:prstGeom prst="rect">
             <a:avLst/>
@@ -1408,8 +1422,8 @@
         </p:nvSpPr>
         <p:spPr>
           <a:xfrm>
-            <a:off x="457200" y="274680"/>
-            <a:ext cx="8229240" cy="1143000"/>
+            <a:off x="457200" y="273600"/>
+            <a:ext cx="8229240" cy="1145160"/>
           </a:xfrm>
           <a:prstGeom prst="rect">
             <a:avLst/>
@@ -1418,6 +1432,7 @@
         <p:txBody>
           <a:bodyPr wrap="none" lIns="0" rIns="0" tIns="0" bIns="0" anchor="ctr"/>
           <a:p>
+            <a:pPr algn="ctr"/>
             <a:endParaRPr/>
           </a:p>
         </p:txBody>
@@ -1434,8 +1449,8 @@
         </p:nvSpPr>
         <p:spPr>
           <a:xfrm>
-            <a:off x="457200" y="1600200"/>
-            <a:ext cx="4015800" cy="2158560"/>
+            <a:off x="457200" y="1604520"/>
+            <a:ext cx="4015800" cy="1896840"/>
           </a:xfrm>
           <a:prstGeom prst="rect">
             <a:avLst/>
@@ -1460,8 +1475,8 @@
         </p:nvSpPr>
         <p:spPr>
           <a:xfrm>
-            <a:off x="4674240" y="1600200"/>
-            <a:ext cx="4015800" cy="2158560"/>
+            <a:off x="4674240" y="1604520"/>
+            <a:ext cx="4015800" cy="1896840"/>
           </a:xfrm>
           <a:prstGeom prst="rect">
             <a:avLst/>
@@ -1486,8 +1501,8 @@
         </p:nvSpPr>
         <p:spPr>
           <a:xfrm>
-            <a:off x="4674240" y="3964320"/>
-            <a:ext cx="4015800" cy="2158560"/>
+            <a:off x="4674240" y="3682080"/>
+            <a:ext cx="4015800" cy="1896840"/>
           </a:xfrm>
           <a:prstGeom prst="rect">
             <a:avLst/>
@@ -1512,8 +1527,8 @@
         </p:nvSpPr>
         <p:spPr>
           <a:xfrm>
-            <a:off x="457200" y="3964320"/>
-            <a:ext cx="4015800" cy="2158560"/>
+            <a:off x="457200" y="3682080"/>
+            <a:ext cx="4015800" cy="1896840"/>
           </a:xfrm>
           <a:prstGeom prst="rect">
             <a:avLst/>
@@ -1560,8 +1575,8 @@
         </p:nvSpPr>
         <p:spPr>
           <a:xfrm>
-            <a:off x="457200" y="274680"/>
-            <a:ext cx="8229240" cy="1143000"/>
+            <a:off x="457200" y="273600"/>
+            <a:ext cx="8229240" cy="1145160"/>
           </a:xfrm>
           <a:prstGeom prst="rect">
             <a:avLst/>
@@ -1570,6 +1585,7 @@
         <p:txBody>
           <a:bodyPr wrap="none" lIns="0" rIns="0" tIns="0" bIns="0" anchor="ctr"/>
           <a:p>
+            <a:pPr algn="ctr"/>
             <a:endParaRPr/>
           </a:p>
         </p:txBody>
@@ -1586,8 +1602,8 @@
         </p:nvSpPr>
         <p:spPr>
           <a:xfrm>
-            <a:off x="457200" y="1600200"/>
-            <a:ext cx="8229240" cy="4525560"/>
+            <a:off x="457200" y="1604520"/>
+            <a:ext cx="8229240" cy="3976920"/>
           </a:xfrm>
           <a:prstGeom prst="rect">
             <a:avLst/>
@@ -1612,8 +1628,8 @@
         </p:nvSpPr>
         <p:spPr>
           <a:xfrm>
-            <a:off x="457200" y="1600200"/>
-            <a:ext cx="8229240" cy="4525560"/>
+            <a:off x="457200" y="1604520"/>
+            <a:ext cx="8229240" cy="3976920"/>
           </a:xfrm>
           <a:prstGeom prst="rect">
             <a:avLst/>
@@ -1640,8 +1656,8 @@
         </p:blipFill>
         <p:spPr>
           <a:xfrm>
-            <a:off x="1735560" y="1599840"/>
-            <a:ext cx="5671800" cy="4525560"/>
+            <a:off x="2079360" y="1604160"/>
+            <a:ext cx="4984200" cy="3976920"/>
           </a:xfrm>
           <a:prstGeom prst="rect">
             <a:avLst/>
@@ -1665,8 +1681,8 @@
         </p:blipFill>
         <p:spPr>
           <a:xfrm>
-            <a:off x="1735560" y="1599840"/>
-            <a:ext cx="5671800" cy="4525560"/>
+            <a:off x="2079360" y="1604160"/>
+            <a:ext cx="4984200" cy="3976920"/>
           </a:xfrm>
           <a:prstGeom prst="rect">
             <a:avLst/>
@@ -1732,8 +1748,8 @@
         </p:nvSpPr>
         <p:spPr>
           <a:xfrm>
-            <a:off x="457200" y="274680"/>
-            <a:ext cx="8229240" cy="1143000"/>
+            <a:off x="457200" y="273600"/>
+            <a:ext cx="8229240" cy="1145160"/>
           </a:xfrm>
           <a:prstGeom prst="rect">
             <a:avLst/>
@@ -1742,6 +1758,7 @@
         <p:txBody>
           <a:bodyPr wrap="none" lIns="0" rIns="0" tIns="0" bIns="0" anchor="ctr"/>
           <a:p>
+            <a:pPr algn="ctr"/>
             <a:endParaRPr/>
           </a:p>
         </p:txBody>
@@ -1758,8 +1775,8 @@
         </p:nvSpPr>
         <p:spPr>
           <a:xfrm>
-            <a:off x="457200" y="1600200"/>
-            <a:ext cx="8229240" cy="4525920"/>
+            <a:off x="457200" y="1604520"/>
+            <a:ext cx="8229240" cy="3977280"/>
           </a:xfrm>
           <a:prstGeom prst="rect">
             <a:avLst/>
@@ -1807,8 +1824,8 @@
         </p:nvSpPr>
         <p:spPr>
           <a:xfrm>
-            <a:off x="457200" y="274680"/>
-            <a:ext cx="8229240" cy="1143000"/>
+            <a:off x="457200" y="273600"/>
+            <a:ext cx="8229240" cy="1145160"/>
           </a:xfrm>
           <a:prstGeom prst="rect">
             <a:avLst/>
@@ -1817,6 +1834,7 @@
         <p:txBody>
           <a:bodyPr wrap="none" lIns="0" rIns="0" tIns="0" bIns="0" anchor="ctr"/>
           <a:p>
+            <a:pPr algn="ctr"/>
             <a:endParaRPr/>
           </a:p>
         </p:txBody>
@@ -1833,8 +1851,8 @@
         </p:nvSpPr>
         <p:spPr>
           <a:xfrm>
-            <a:off x="457200" y="1600200"/>
-            <a:ext cx="8229240" cy="4525560"/>
+            <a:off x="457200" y="1604520"/>
+            <a:ext cx="8229240" cy="3976920"/>
           </a:xfrm>
           <a:prstGeom prst="rect">
             <a:avLst/>
@@ -1881,8 +1899,8 @@
         </p:nvSpPr>
         <p:spPr>
           <a:xfrm>
-            <a:off x="457200" y="274680"/>
-            <a:ext cx="8229240" cy="1143000"/>
+            <a:off x="457200" y="273600"/>
+            <a:ext cx="8229240" cy="1145160"/>
           </a:xfrm>
           <a:prstGeom prst="rect">
             <a:avLst/>
@@ -1891,6 +1909,7 @@
         <p:txBody>
           <a:bodyPr wrap="none" lIns="0" rIns="0" tIns="0" bIns="0" anchor="ctr"/>
           <a:p>
+            <a:pPr algn="ctr"/>
             <a:endParaRPr/>
           </a:p>
         </p:txBody>
@@ -1907,8 +1926,8 @@
         </p:nvSpPr>
         <p:spPr>
           <a:xfrm>
-            <a:off x="457200" y="1600200"/>
-            <a:ext cx="4015800" cy="4525560"/>
+            <a:off x="457200" y="1604520"/>
+            <a:ext cx="4015800" cy="3976920"/>
           </a:xfrm>
           <a:prstGeom prst="rect">
             <a:avLst/>
@@ -1933,8 +1952,8 @@
         </p:nvSpPr>
         <p:spPr>
           <a:xfrm>
-            <a:off x="4674240" y="1600200"/>
-            <a:ext cx="4015800" cy="4525560"/>
+            <a:off x="4674240" y="1604520"/>
+            <a:ext cx="4015800" cy="3976920"/>
           </a:xfrm>
           <a:prstGeom prst="rect">
             <a:avLst/>
@@ -1981,8 +2000,8 @@
         </p:nvSpPr>
         <p:spPr>
           <a:xfrm>
-            <a:off x="457200" y="274680"/>
-            <a:ext cx="8229240" cy="1143000"/>
+            <a:off x="457200" y="273600"/>
+            <a:ext cx="8229240" cy="1145160"/>
           </a:xfrm>
           <a:prstGeom prst="rect">
             <a:avLst/>
@@ -1991,6 +2010,7 @@
         <p:txBody>
           <a:bodyPr wrap="none" lIns="0" rIns="0" tIns="0" bIns="0" anchor="ctr"/>
           <a:p>
+            <a:pPr algn="ctr"/>
             <a:endParaRPr/>
           </a:p>
         </p:txBody>
@@ -2029,8 +2049,8 @@
         </p:nvSpPr>
         <p:spPr>
           <a:xfrm>
-            <a:off x="457200" y="274680"/>
-            <a:ext cx="8229240" cy="1143000"/>
+            <a:off x="457200" y="273600"/>
+            <a:ext cx="8229240" cy="1145160"/>
           </a:xfrm>
           <a:prstGeom prst="rect">
             <a:avLst/>
@@ -2039,6 +2059,7 @@
         <p:txBody>
           <a:bodyPr wrap="none" lIns="0" rIns="0" tIns="0" bIns="0" anchor="ctr"/>
           <a:p>
+            <a:pPr algn="ctr"/>
             <a:endParaRPr/>
           </a:p>
         </p:txBody>
@@ -2055,8 +2076,8 @@
         </p:nvSpPr>
         <p:spPr>
           <a:xfrm>
-            <a:off x="457200" y="1600200"/>
-            <a:ext cx="8229240" cy="4525560"/>
+            <a:off x="457200" y="1604520"/>
+            <a:ext cx="8229240" cy="3976920"/>
           </a:xfrm>
           <a:prstGeom prst="rect">
             <a:avLst/>
@@ -2103,8 +2124,8 @@
         </p:nvSpPr>
         <p:spPr>
           <a:xfrm>
-            <a:off x="457200" y="274680"/>
-            <a:ext cx="8229240" cy="5298120"/>
+            <a:off x="457200" y="273600"/>
+            <a:ext cx="8229240" cy="5308200"/>
           </a:xfrm>
           <a:prstGeom prst="rect">
             <a:avLst/>
@@ -2152,8 +2173,8 @@
         </p:nvSpPr>
         <p:spPr>
           <a:xfrm>
-            <a:off x="457200" y="274680"/>
-            <a:ext cx="8229240" cy="1143000"/>
+            <a:off x="457200" y="273600"/>
+            <a:ext cx="8229240" cy="1145160"/>
           </a:xfrm>
           <a:prstGeom prst="rect">
             <a:avLst/>
@@ -2162,6 +2183,7 @@
         <p:txBody>
           <a:bodyPr wrap="none" lIns="0" rIns="0" tIns="0" bIns="0" anchor="ctr"/>
           <a:p>
+            <a:pPr algn="ctr"/>
             <a:endParaRPr/>
           </a:p>
         </p:txBody>
@@ -2178,8 +2200,8 @@
         </p:nvSpPr>
         <p:spPr>
           <a:xfrm>
-            <a:off x="457200" y="1600200"/>
-            <a:ext cx="4015800" cy="2158560"/>
+            <a:off x="457200" y="1604520"/>
+            <a:ext cx="4015800" cy="1896840"/>
           </a:xfrm>
           <a:prstGeom prst="rect">
             <a:avLst/>
@@ -2204,8 +2226,8 @@
         </p:nvSpPr>
         <p:spPr>
           <a:xfrm>
-            <a:off x="457200" y="3964320"/>
-            <a:ext cx="4015800" cy="2158560"/>
+            <a:off x="457200" y="3682080"/>
+            <a:ext cx="4015800" cy="1896840"/>
           </a:xfrm>
           <a:prstGeom prst="rect">
             <a:avLst/>
@@ -2230,8 +2252,8 @@
         </p:nvSpPr>
         <p:spPr>
           <a:xfrm>
-            <a:off x="4674240" y="1600200"/>
-            <a:ext cx="4015800" cy="4525560"/>
+            <a:off x="4674240" y="1604520"/>
+            <a:ext cx="4015800" cy="3976920"/>
           </a:xfrm>
           <a:prstGeom prst="rect">
             <a:avLst/>
@@ -2278,8 +2300,8 @@
         </p:nvSpPr>
         <p:spPr>
           <a:xfrm>
-            <a:off x="457200" y="274680"/>
-            <a:ext cx="8229240" cy="1143000"/>
+            <a:off x="457200" y="273600"/>
+            <a:ext cx="8229240" cy="1145160"/>
           </a:xfrm>
           <a:prstGeom prst="rect">
             <a:avLst/>
@@ -2288,6 +2310,7 @@
         <p:txBody>
           <a:bodyPr wrap="none" lIns="0" rIns="0" tIns="0" bIns="0" anchor="ctr"/>
           <a:p>
+            <a:pPr algn="ctr"/>
             <a:endParaRPr/>
           </a:p>
         </p:txBody>
@@ -2304,8 +2327,8 @@
         </p:nvSpPr>
         <p:spPr>
           <a:xfrm>
-            <a:off x="457200" y="1600200"/>
-            <a:ext cx="4015800" cy="4525560"/>
+            <a:off x="457200" y="1604520"/>
+            <a:ext cx="4015800" cy="3976920"/>
           </a:xfrm>
           <a:prstGeom prst="rect">
             <a:avLst/>
@@ -2330,8 +2353,8 @@
         </p:nvSpPr>
         <p:spPr>
           <a:xfrm>
-            <a:off x="4674240" y="1600200"/>
-            <a:ext cx="4015800" cy="2158560"/>
+            <a:off x="4674240" y="1604520"/>
+            <a:ext cx="4015800" cy="1896840"/>
           </a:xfrm>
           <a:prstGeom prst="rect">
             <a:avLst/>
@@ -2356,8 +2379,8 @@
         </p:nvSpPr>
         <p:spPr>
           <a:xfrm>
-            <a:off x="4674240" y="3964320"/>
-            <a:ext cx="4015800" cy="2158560"/>
+            <a:off x="4674240" y="3682080"/>
+            <a:ext cx="4015800" cy="1896840"/>
           </a:xfrm>
           <a:prstGeom prst="rect">
             <a:avLst/>
@@ -2404,8 +2427,8 @@
         </p:nvSpPr>
         <p:spPr>
           <a:xfrm>
-            <a:off x="457200" y="274680"/>
-            <a:ext cx="8229240" cy="1143000"/>
+            <a:off x="457200" y="273600"/>
+            <a:ext cx="8229240" cy="1145160"/>
           </a:xfrm>
           <a:prstGeom prst="rect">
             <a:avLst/>
@@ -2414,6 +2437,7 @@
         <p:txBody>
           <a:bodyPr wrap="none" lIns="0" rIns="0" tIns="0" bIns="0" anchor="ctr"/>
           <a:p>
+            <a:pPr algn="ctr"/>
             <a:endParaRPr/>
           </a:p>
         </p:txBody>
@@ -2430,8 +2454,8 @@
         </p:nvSpPr>
         <p:spPr>
           <a:xfrm>
-            <a:off x="457200" y="1600200"/>
-            <a:ext cx="4015800" cy="2158560"/>
+            <a:off x="457200" y="1604520"/>
+            <a:ext cx="4015800" cy="1896840"/>
           </a:xfrm>
           <a:prstGeom prst="rect">
             <a:avLst/>
@@ -2456,8 +2480,8 @@
         </p:nvSpPr>
         <p:spPr>
           <a:xfrm>
-            <a:off x="4674240" y="1600200"/>
-            <a:ext cx="4015800" cy="2158560"/>
+            <a:off x="4674240" y="1604520"/>
+            <a:ext cx="4015800" cy="1896840"/>
           </a:xfrm>
           <a:prstGeom prst="rect">
             <a:avLst/>
@@ -2482,8 +2506,8 @@
         </p:nvSpPr>
         <p:spPr>
           <a:xfrm>
-            <a:off x="457200" y="3964320"/>
-            <a:ext cx="8229240" cy="2158560"/>
+            <a:off x="457200" y="3682080"/>
+            <a:ext cx="8229240" cy="1896840"/>
           </a:xfrm>
           <a:prstGeom prst="rect">
             <a:avLst/>
@@ -2530,8 +2554,8 @@
         </p:nvSpPr>
         <p:spPr>
           <a:xfrm>
-            <a:off x="457200" y="274680"/>
-            <a:ext cx="8229240" cy="1143000"/>
+            <a:off x="457200" y="273600"/>
+            <a:ext cx="8229240" cy="1145160"/>
           </a:xfrm>
           <a:prstGeom prst="rect">
             <a:avLst/>
@@ -2540,6 +2564,7 @@
         <p:txBody>
           <a:bodyPr wrap="none" lIns="0" rIns="0" tIns="0" bIns="0" anchor="ctr"/>
           <a:p>
+            <a:pPr algn="ctr"/>
             <a:endParaRPr/>
           </a:p>
         </p:txBody>
@@ -2556,8 +2581,8 @@
         </p:nvSpPr>
         <p:spPr>
           <a:xfrm>
-            <a:off x="457200" y="1600200"/>
-            <a:ext cx="8229240" cy="2158560"/>
+            <a:off x="457200" y="1604520"/>
+            <a:ext cx="8229240" cy="1896840"/>
           </a:xfrm>
           <a:prstGeom prst="rect">
             <a:avLst/>
@@ -2582,8 +2607,8 @@
         </p:nvSpPr>
         <p:spPr>
           <a:xfrm>
-            <a:off x="457200" y="3964320"/>
-            <a:ext cx="8229240" cy="2158560"/>
+            <a:off x="457200" y="3682080"/>
+            <a:ext cx="8229240" cy="1896840"/>
           </a:xfrm>
           <a:prstGeom prst="rect">
             <a:avLst/>
@@ -2630,8 +2655,8 @@
         </p:nvSpPr>
         <p:spPr>
           <a:xfrm>
-            <a:off x="457200" y="274680"/>
-            <a:ext cx="8229240" cy="1143000"/>
+            <a:off x="457200" y="273600"/>
+            <a:ext cx="8229240" cy="1145160"/>
           </a:xfrm>
           <a:prstGeom prst="rect">
             <a:avLst/>
@@ -2640,6 +2665,7 @@
         <p:txBody>
           <a:bodyPr wrap="none" lIns="0" rIns="0" tIns="0" bIns="0" anchor="ctr"/>
           <a:p>
+            <a:pPr algn="ctr"/>
             <a:endParaRPr/>
           </a:p>
         </p:txBody>
@@ -2656,8 +2682,8 @@
         </p:nvSpPr>
         <p:spPr>
           <a:xfrm>
-            <a:off x="457200" y="1600200"/>
-            <a:ext cx="4015800" cy="2158560"/>
+            <a:off x="457200" y="1604520"/>
+            <a:ext cx="4015800" cy="1896840"/>
           </a:xfrm>
           <a:prstGeom prst="rect">
             <a:avLst/>
@@ -2682,8 +2708,8 @@
         </p:nvSpPr>
         <p:spPr>
           <a:xfrm>
-            <a:off x="4674240" y="1600200"/>
-            <a:ext cx="4015800" cy="2158560"/>
+            <a:off x="4674240" y="1604520"/>
+            <a:ext cx="4015800" cy="1896840"/>
           </a:xfrm>
           <a:prstGeom prst="rect">
             <a:avLst/>
@@ -2708,8 +2734,8 @@
         </p:nvSpPr>
         <p:spPr>
           <a:xfrm>
-            <a:off x="4674240" y="3964320"/>
-            <a:ext cx="4015800" cy="2158560"/>
+            <a:off x="4674240" y="3682080"/>
+            <a:ext cx="4015800" cy="1896840"/>
           </a:xfrm>
           <a:prstGeom prst="rect">
             <a:avLst/>
@@ -2734,8 +2760,8 @@
         </p:nvSpPr>
         <p:spPr>
           <a:xfrm>
-            <a:off x="457200" y="3964320"/>
-            <a:ext cx="4015800" cy="2158560"/>
+            <a:off x="457200" y="3682080"/>
+            <a:ext cx="4015800" cy="1896840"/>
           </a:xfrm>
           <a:prstGeom prst="rect">
             <a:avLst/>
@@ -2782,8 +2808,8 @@
         </p:nvSpPr>
         <p:spPr>
           <a:xfrm>
-            <a:off x="457200" y="274680"/>
-            <a:ext cx="8229240" cy="1143000"/>
+            <a:off x="457200" y="273600"/>
+            <a:ext cx="8229240" cy="1145160"/>
           </a:xfrm>
           <a:prstGeom prst="rect">
             <a:avLst/>
@@ -2792,6 +2818,7 @@
         <p:txBody>
           <a:bodyPr wrap="none" lIns="0" rIns="0" tIns="0" bIns="0" anchor="ctr"/>
           <a:p>
+            <a:pPr algn="ctr"/>
             <a:endParaRPr/>
           </a:p>
         </p:txBody>
@@ -2808,8 +2835,8 @@
         </p:nvSpPr>
         <p:spPr>
           <a:xfrm>
-            <a:off x="457200" y="1600200"/>
-            <a:ext cx="8229240" cy="4525560"/>
+            <a:off x="457200" y="1604520"/>
+            <a:ext cx="8229240" cy="3976920"/>
           </a:xfrm>
           <a:prstGeom prst="rect">
             <a:avLst/>
@@ -2834,8 +2861,8 @@
         </p:nvSpPr>
         <p:spPr>
           <a:xfrm>
-            <a:off x="457200" y="1600200"/>
-            <a:ext cx="8229240" cy="4525560"/>
+            <a:off x="457200" y="1604520"/>
+            <a:ext cx="8229240" cy="3976920"/>
           </a:xfrm>
           <a:prstGeom prst="rect">
             <a:avLst/>
@@ -2862,8 +2889,8 @@
         </p:blipFill>
         <p:spPr>
           <a:xfrm>
-            <a:off x="1735560" y="1599840"/>
-            <a:ext cx="5671800" cy="4525560"/>
+            <a:off x="2079360" y="1604160"/>
+            <a:ext cx="4984200" cy="3976920"/>
           </a:xfrm>
           <a:prstGeom prst="rect">
             <a:avLst/>
@@ -2887,8 +2914,8 @@
         </p:blipFill>
         <p:spPr>
           <a:xfrm>
-            <a:off x="1735560" y="1599840"/>
-            <a:ext cx="5671800" cy="4525560"/>
+            <a:off x="2079360" y="1604160"/>
+            <a:ext cx="4984200" cy="3976920"/>
           </a:xfrm>
           <a:prstGeom prst="rect">
             <a:avLst/>
@@ -2944,7 +2971,7 @@
       </p:grpSpPr>
       <p:sp>
         <p:nvSpPr>
-          <p:cNvPr id="113" name="PlaceHolder 1"/>
+          <p:cNvPr id="110" name="PlaceHolder 1"/>
           <p:cNvSpPr>
             <a:spLocks noGrp="1"/>
           </p:cNvSpPr>
@@ -2954,8 +2981,8 @@
         </p:nvSpPr>
         <p:spPr>
           <a:xfrm>
-            <a:off x="457200" y="274680"/>
-            <a:ext cx="8229240" cy="1143000"/>
+            <a:off x="457200" y="273600"/>
+            <a:ext cx="8229240" cy="1145160"/>
           </a:xfrm>
           <a:prstGeom prst="rect">
             <a:avLst/>
@@ -2964,13 +2991,14 @@
         <p:txBody>
           <a:bodyPr wrap="none" lIns="0" rIns="0" tIns="0" bIns="0" anchor="ctr"/>
           <a:p>
-            <a:endParaRPr/>
-          </a:p>
-        </p:txBody>
-      </p:sp>
-      <p:sp>
-        <p:nvSpPr>
-          <p:cNvPr id="114" name="PlaceHolder 2"/>
+            <a:pPr algn="ctr"/>
+            <a:endParaRPr/>
+          </a:p>
+        </p:txBody>
+      </p:sp>
+      <p:sp>
+        <p:nvSpPr>
+          <p:cNvPr id="111" name="PlaceHolder 2"/>
           <p:cNvSpPr>
             <a:spLocks noGrp="1"/>
           </p:cNvSpPr>
@@ -2980,8 +3008,8 @@
         </p:nvSpPr>
         <p:spPr>
           <a:xfrm>
-            <a:off x="457200" y="1600200"/>
-            <a:ext cx="8229240" cy="4525920"/>
+            <a:off x="457200" y="1604520"/>
+            <a:ext cx="8229240" cy="3977280"/>
           </a:xfrm>
           <a:prstGeom prst="rect">
             <a:avLst/>
@@ -3019,7 +3047,7 @@
       </p:grpSpPr>
       <p:sp>
         <p:nvSpPr>
-          <p:cNvPr id="115" name="PlaceHolder 1"/>
+          <p:cNvPr id="112" name="PlaceHolder 1"/>
           <p:cNvSpPr>
             <a:spLocks noGrp="1"/>
           </p:cNvSpPr>
@@ -3029,8 +3057,8 @@
         </p:nvSpPr>
         <p:spPr>
           <a:xfrm>
-            <a:off x="457200" y="274680"/>
-            <a:ext cx="8229240" cy="1143000"/>
+            <a:off x="457200" y="273600"/>
+            <a:ext cx="8229240" cy="1145160"/>
           </a:xfrm>
           <a:prstGeom prst="rect">
             <a:avLst/>
@@ -3039,13 +3067,14 @@
         <p:txBody>
           <a:bodyPr wrap="none" lIns="0" rIns="0" tIns="0" bIns="0" anchor="ctr"/>
           <a:p>
-            <a:endParaRPr/>
-          </a:p>
-        </p:txBody>
-      </p:sp>
-      <p:sp>
-        <p:nvSpPr>
-          <p:cNvPr id="116" name="PlaceHolder 2"/>
+            <a:pPr algn="ctr"/>
+            <a:endParaRPr/>
+          </a:p>
+        </p:txBody>
+      </p:sp>
+      <p:sp>
+        <p:nvSpPr>
+          <p:cNvPr id="113" name="PlaceHolder 2"/>
           <p:cNvSpPr>
             <a:spLocks noGrp="1"/>
           </p:cNvSpPr>
@@ -3055,8 +3084,8 @@
         </p:nvSpPr>
         <p:spPr>
           <a:xfrm>
-            <a:off x="457200" y="1600200"/>
-            <a:ext cx="8229240" cy="4525560"/>
+            <a:off x="457200" y="1604520"/>
+            <a:ext cx="8229240" cy="3976920"/>
           </a:xfrm>
           <a:prstGeom prst="rect">
             <a:avLst/>
@@ -3103,8 +3132,8 @@
         </p:nvSpPr>
         <p:spPr>
           <a:xfrm>
-            <a:off x="457200" y="274680"/>
-            <a:ext cx="8229240" cy="1143000"/>
+            <a:off x="457200" y="273600"/>
+            <a:ext cx="8229240" cy="1145160"/>
           </a:xfrm>
           <a:prstGeom prst="rect">
             <a:avLst/>
@@ -3113,6 +3142,7 @@
         <p:txBody>
           <a:bodyPr wrap="none" lIns="0" rIns="0" tIns="0" bIns="0" anchor="ctr"/>
           <a:p>
+            <a:pPr algn="ctr"/>
             <a:endParaRPr/>
           </a:p>
         </p:txBody>
@@ -3129,8 +3159,8 @@
         </p:nvSpPr>
         <p:spPr>
           <a:xfrm>
-            <a:off x="457200" y="1600200"/>
-            <a:ext cx="4015800" cy="4525560"/>
+            <a:off x="457200" y="1604520"/>
+            <a:ext cx="4015800" cy="3976920"/>
           </a:xfrm>
           <a:prstGeom prst="rect">
             <a:avLst/>
@@ -3155,8 +3185,8 @@
         </p:nvSpPr>
         <p:spPr>
           <a:xfrm>
-            <a:off x="4674240" y="1600200"/>
-            <a:ext cx="4015800" cy="4525560"/>
+            <a:off x="4674240" y="1604520"/>
+            <a:ext cx="4015800" cy="3976920"/>
           </a:xfrm>
           <a:prstGeom prst="rect">
             <a:avLst/>
@@ -3193,7 +3223,7 @@
       </p:grpSpPr>
       <p:sp>
         <p:nvSpPr>
-          <p:cNvPr id="117" name="PlaceHolder 1"/>
+          <p:cNvPr id="114" name="PlaceHolder 1"/>
           <p:cNvSpPr>
             <a:spLocks noGrp="1"/>
           </p:cNvSpPr>
@@ -3203,8 +3233,8 @@
         </p:nvSpPr>
         <p:spPr>
           <a:xfrm>
-            <a:off x="457200" y="274680"/>
-            <a:ext cx="8229240" cy="1143000"/>
+            <a:off x="457200" y="273600"/>
+            <a:ext cx="8229240" cy="1145160"/>
           </a:xfrm>
           <a:prstGeom prst="rect">
             <a:avLst/>
@@ -3213,13 +3243,14 @@
         <p:txBody>
           <a:bodyPr wrap="none" lIns="0" rIns="0" tIns="0" bIns="0" anchor="ctr"/>
           <a:p>
-            <a:endParaRPr/>
-          </a:p>
-        </p:txBody>
-      </p:sp>
-      <p:sp>
-        <p:nvSpPr>
-          <p:cNvPr id="118" name="PlaceHolder 2"/>
+            <a:pPr algn="ctr"/>
+            <a:endParaRPr/>
+          </a:p>
+        </p:txBody>
+      </p:sp>
+      <p:sp>
+        <p:nvSpPr>
+          <p:cNvPr id="115" name="PlaceHolder 2"/>
           <p:cNvSpPr>
             <a:spLocks noGrp="1"/>
           </p:cNvSpPr>
@@ -3229,8 +3260,8 @@
         </p:nvSpPr>
         <p:spPr>
           <a:xfrm>
-            <a:off x="457200" y="1600200"/>
-            <a:ext cx="4015800" cy="4525560"/>
+            <a:off x="457200" y="1604520"/>
+            <a:ext cx="4015800" cy="3976920"/>
           </a:xfrm>
           <a:prstGeom prst="rect">
             <a:avLst/>
@@ -3245,7 +3276,7 @@
       </p:sp>
       <p:sp>
         <p:nvSpPr>
-          <p:cNvPr id="119" name="PlaceHolder 3"/>
+          <p:cNvPr id="116" name="PlaceHolder 3"/>
           <p:cNvSpPr>
             <a:spLocks noGrp="1"/>
           </p:cNvSpPr>
@@ -3255,8 +3286,8 @@
         </p:nvSpPr>
         <p:spPr>
           <a:xfrm>
-            <a:off x="4674240" y="1600200"/>
-            <a:ext cx="4015800" cy="4525560"/>
+            <a:off x="4674240" y="1604520"/>
+            <a:ext cx="4015800" cy="3976920"/>
           </a:xfrm>
           <a:prstGeom prst="rect">
             <a:avLst/>
@@ -3293,7 +3324,7 @@
       </p:grpSpPr>
       <p:sp>
         <p:nvSpPr>
-          <p:cNvPr id="120" name="PlaceHolder 1"/>
+          <p:cNvPr id="117" name="PlaceHolder 1"/>
           <p:cNvSpPr>
             <a:spLocks noGrp="1"/>
           </p:cNvSpPr>
@@ -3303,8 +3334,8 @@
         </p:nvSpPr>
         <p:spPr>
           <a:xfrm>
-            <a:off x="457200" y="274680"/>
-            <a:ext cx="8229240" cy="1143000"/>
+            <a:off x="457200" y="273600"/>
+            <a:ext cx="8229240" cy="1145160"/>
           </a:xfrm>
           <a:prstGeom prst="rect">
             <a:avLst/>
@@ -3313,6 +3344,7 @@
         <p:txBody>
           <a:bodyPr wrap="none" lIns="0" rIns="0" tIns="0" bIns="0" anchor="ctr"/>
           <a:p>
+            <a:pPr algn="ctr"/>
             <a:endParaRPr/>
           </a:p>
         </p:txBody>
@@ -3341,7 +3373,7 @@
       </p:grpSpPr>
       <p:sp>
         <p:nvSpPr>
-          <p:cNvPr id="121" name="PlaceHolder 1"/>
+          <p:cNvPr id="118" name="PlaceHolder 1"/>
           <p:cNvSpPr>
             <a:spLocks noGrp="1"/>
           </p:cNvSpPr>
@@ -3351,8 +3383,8 @@
         </p:nvSpPr>
         <p:spPr>
           <a:xfrm>
-            <a:off x="457200" y="274680"/>
-            <a:ext cx="8229240" cy="5298120"/>
+            <a:off x="457200" y="273600"/>
+            <a:ext cx="8229240" cy="5308200"/>
           </a:xfrm>
           <a:prstGeom prst="rect">
             <a:avLst/>
@@ -3390,7 +3422,7 @@
       </p:grpSpPr>
       <p:sp>
         <p:nvSpPr>
-          <p:cNvPr id="122" name="PlaceHolder 1"/>
+          <p:cNvPr id="119" name="PlaceHolder 1"/>
           <p:cNvSpPr>
             <a:spLocks noGrp="1"/>
           </p:cNvSpPr>
@@ -3400,8 +3432,8 @@
         </p:nvSpPr>
         <p:spPr>
           <a:xfrm>
-            <a:off x="457200" y="274680"/>
-            <a:ext cx="8229240" cy="1143000"/>
+            <a:off x="457200" y="273600"/>
+            <a:ext cx="8229240" cy="1145160"/>
           </a:xfrm>
           <a:prstGeom prst="rect">
             <a:avLst/>
@@ -3410,13 +3442,14 @@
         <p:txBody>
           <a:bodyPr wrap="none" lIns="0" rIns="0" tIns="0" bIns="0" anchor="ctr"/>
           <a:p>
-            <a:endParaRPr/>
-          </a:p>
-        </p:txBody>
-      </p:sp>
-      <p:sp>
-        <p:nvSpPr>
-          <p:cNvPr id="123" name="PlaceHolder 2"/>
+            <a:pPr algn="ctr"/>
+            <a:endParaRPr/>
+          </a:p>
+        </p:txBody>
+      </p:sp>
+      <p:sp>
+        <p:nvSpPr>
+          <p:cNvPr id="120" name="PlaceHolder 2"/>
           <p:cNvSpPr>
             <a:spLocks noGrp="1"/>
           </p:cNvSpPr>
@@ -3426,8 +3459,8 @@
         </p:nvSpPr>
         <p:spPr>
           <a:xfrm>
-            <a:off x="457200" y="1600200"/>
-            <a:ext cx="4015800" cy="2158560"/>
+            <a:off x="457200" y="1604520"/>
+            <a:ext cx="4015800" cy="1896840"/>
           </a:xfrm>
           <a:prstGeom prst="rect">
             <a:avLst/>
@@ -3442,7 +3475,7 @@
       </p:sp>
       <p:sp>
         <p:nvSpPr>
-          <p:cNvPr id="124" name="PlaceHolder 3"/>
+          <p:cNvPr id="121" name="PlaceHolder 3"/>
           <p:cNvSpPr>
             <a:spLocks noGrp="1"/>
           </p:cNvSpPr>
@@ -3452,8 +3485,8 @@
         </p:nvSpPr>
         <p:spPr>
           <a:xfrm>
-            <a:off x="457200" y="3964320"/>
-            <a:ext cx="4015800" cy="2158560"/>
+            <a:off x="457200" y="3682080"/>
+            <a:ext cx="4015800" cy="1896840"/>
           </a:xfrm>
           <a:prstGeom prst="rect">
             <a:avLst/>
@@ -3468,7 +3501,7 @@
       </p:sp>
       <p:sp>
         <p:nvSpPr>
-          <p:cNvPr id="125" name="PlaceHolder 4"/>
+          <p:cNvPr id="122" name="PlaceHolder 4"/>
           <p:cNvSpPr>
             <a:spLocks noGrp="1"/>
           </p:cNvSpPr>
@@ -3478,8 +3511,8 @@
         </p:nvSpPr>
         <p:spPr>
           <a:xfrm>
-            <a:off x="4674240" y="1600200"/>
-            <a:ext cx="4015800" cy="4525560"/>
+            <a:off x="4674240" y="1604520"/>
+            <a:ext cx="4015800" cy="3976920"/>
           </a:xfrm>
           <a:prstGeom prst="rect">
             <a:avLst/>
@@ -3516,7 +3549,7 @@
       </p:grpSpPr>
       <p:sp>
         <p:nvSpPr>
-          <p:cNvPr id="126" name="PlaceHolder 1"/>
+          <p:cNvPr id="123" name="PlaceHolder 1"/>
           <p:cNvSpPr>
             <a:spLocks noGrp="1"/>
           </p:cNvSpPr>
@@ -3526,8 +3559,8 @@
         </p:nvSpPr>
         <p:spPr>
           <a:xfrm>
-            <a:off x="457200" y="274680"/>
-            <a:ext cx="8229240" cy="1143000"/>
+            <a:off x="457200" y="273600"/>
+            <a:ext cx="8229240" cy="1145160"/>
           </a:xfrm>
           <a:prstGeom prst="rect">
             <a:avLst/>
@@ -3536,13 +3569,14 @@
         <p:txBody>
           <a:bodyPr wrap="none" lIns="0" rIns="0" tIns="0" bIns="0" anchor="ctr"/>
           <a:p>
-            <a:endParaRPr/>
-          </a:p>
-        </p:txBody>
-      </p:sp>
-      <p:sp>
-        <p:nvSpPr>
-          <p:cNvPr id="127" name="PlaceHolder 2"/>
+            <a:pPr algn="ctr"/>
+            <a:endParaRPr/>
+          </a:p>
+        </p:txBody>
+      </p:sp>
+      <p:sp>
+        <p:nvSpPr>
+          <p:cNvPr id="124" name="PlaceHolder 2"/>
           <p:cNvSpPr>
             <a:spLocks noGrp="1"/>
           </p:cNvSpPr>
@@ -3552,8 +3586,8 @@
         </p:nvSpPr>
         <p:spPr>
           <a:xfrm>
-            <a:off x="457200" y="1600200"/>
-            <a:ext cx="4015800" cy="4525560"/>
+            <a:off x="457200" y="1604520"/>
+            <a:ext cx="4015800" cy="3976920"/>
           </a:xfrm>
           <a:prstGeom prst="rect">
             <a:avLst/>
@@ -3568,7 +3602,7 @@
       </p:sp>
       <p:sp>
         <p:nvSpPr>
-          <p:cNvPr id="128" name="PlaceHolder 3"/>
+          <p:cNvPr id="125" name="PlaceHolder 3"/>
           <p:cNvSpPr>
             <a:spLocks noGrp="1"/>
           </p:cNvSpPr>
@@ -3578,8 +3612,8 @@
         </p:nvSpPr>
         <p:spPr>
           <a:xfrm>
-            <a:off x="4674240" y="1600200"/>
-            <a:ext cx="4015800" cy="2158560"/>
+            <a:off x="4674240" y="1604520"/>
+            <a:ext cx="4015800" cy="1896840"/>
           </a:xfrm>
           <a:prstGeom prst="rect">
             <a:avLst/>
@@ -3594,7 +3628,7 @@
       </p:sp>
       <p:sp>
         <p:nvSpPr>
-          <p:cNvPr id="129" name="PlaceHolder 4"/>
+          <p:cNvPr id="126" name="PlaceHolder 4"/>
           <p:cNvSpPr>
             <a:spLocks noGrp="1"/>
           </p:cNvSpPr>
@@ -3604,8 +3638,8 @@
         </p:nvSpPr>
         <p:spPr>
           <a:xfrm>
-            <a:off x="4674240" y="3964320"/>
-            <a:ext cx="4015800" cy="2158560"/>
+            <a:off x="4674240" y="3682080"/>
+            <a:ext cx="4015800" cy="1896840"/>
           </a:xfrm>
           <a:prstGeom prst="rect">
             <a:avLst/>
@@ -3642,7 +3676,7 @@
       </p:grpSpPr>
       <p:sp>
         <p:nvSpPr>
-          <p:cNvPr id="130" name="PlaceHolder 1"/>
+          <p:cNvPr id="127" name="PlaceHolder 1"/>
           <p:cNvSpPr>
             <a:spLocks noGrp="1"/>
           </p:cNvSpPr>
@@ -3652,8 +3686,8 @@
         </p:nvSpPr>
         <p:spPr>
           <a:xfrm>
-            <a:off x="457200" y="274680"/>
-            <a:ext cx="8229240" cy="1143000"/>
+            <a:off x="457200" y="273600"/>
+            <a:ext cx="8229240" cy="1145160"/>
           </a:xfrm>
           <a:prstGeom prst="rect">
             <a:avLst/>
@@ -3662,13 +3696,14 @@
         <p:txBody>
           <a:bodyPr wrap="none" lIns="0" rIns="0" tIns="0" bIns="0" anchor="ctr"/>
           <a:p>
-            <a:endParaRPr/>
-          </a:p>
-        </p:txBody>
-      </p:sp>
-      <p:sp>
-        <p:nvSpPr>
-          <p:cNvPr id="131" name="PlaceHolder 2"/>
+            <a:pPr algn="ctr"/>
+            <a:endParaRPr/>
+          </a:p>
+        </p:txBody>
+      </p:sp>
+      <p:sp>
+        <p:nvSpPr>
+          <p:cNvPr id="128" name="PlaceHolder 2"/>
           <p:cNvSpPr>
             <a:spLocks noGrp="1"/>
           </p:cNvSpPr>
@@ -3678,8 +3713,8 @@
         </p:nvSpPr>
         <p:spPr>
           <a:xfrm>
-            <a:off x="457200" y="1600200"/>
-            <a:ext cx="4015800" cy="2158560"/>
+            <a:off x="457200" y="1604520"/>
+            <a:ext cx="4015800" cy="1896840"/>
           </a:xfrm>
           <a:prstGeom prst="rect">
             <a:avLst/>
@@ -3694,7 +3729,7 @@
       </p:sp>
       <p:sp>
         <p:nvSpPr>
-          <p:cNvPr id="132" name="PlaceHolder 3"/>
+          <p:cNvPr id="129" name="PlaceHolder 3"/>
           <p:cNvSpPr>
             <a:spLocks noGrp="1"/>
           </p:cNvSpPr>
@@ -3704,8 +3739,8 @@
         </p:nvSpPr>
         <p:spPr>
           <a:xfrm>
-            <a:off x="4674240" y="1600200"/>
-            <a:ext cx="4015800" cy="2158560"/>
+            <a:off x="4674240" y="1604520"/>
+            <a:ext cx="4015800" cy="1896840"/>
           </a:xfrm>
           <a:prstGeom prst="rect">
             <a:avLst/>
@@ -3720,7 +3755,7 @@
       </p:sp>
       <p:sp>
         <p:nvSpPr>
-          <p:cNvPr id="133" name="PlaceHolder 4"/>
+          <p:cNvPr id="130" name="PlaceHolder 4"/>
           <p:cNvSpPr>
             <a:spLocks noGrp="1"/>
           </p:cNvSpPr>
@@ -3730,8 +3765,8 @@
         </p:nvSpPr>
         <p:spPr>
           <a:xfrm>
-            <a:off x="457200" y="3964320"/>
-            <a:ext cx="8229240" cy="2158560"/>
+            <a:off x="457200" y="3682080"/>
+            <a:ext cx="8229240" cy="1896840"/>
           </a:xfrm>
           <a:prstGeom prst="rect">
             <a:avLst/>
@@ -3768,7 +3803,7 @@
       </p:grpSpPr>
       <p:sp>
         <p:nvSpPr>
-          <p:cNvPr id="134" name="PlaceHolder 1"/>
+          <p:cNvPr id="131" name="PlaceHolder 1"/>
           <p:cNvSpPr>
             <a:spLocks noGrp="1"/>
           </p:cNvSpPr>
@@ -3778,8 +3813,8 @@
         </p:nvSpPr>
         <p:spPr>
           <a:xfrm>
-            <a:off x="457200" y="274680"/>
-            <a:ext cx="8229240" cy="1143000"/>
+            <a:off x="457200" y="273600"/>
+            <a:ext cx="8229240" cy="1145160"/>
           </a:xfrm>
           <a:prstGeom prst="rect">
             <a:avLst/>
@@ -3788,13 +3823,14 @@
         <p:txBody>
           <a:bodyPr wrap="none" lIns="0" rIns="0" tIns="0" bIns="0" anchor="ctr"/>
           <a:p>
-            <a:endParaRPr/>
-          </a:p>
-        </p:txBody>
-      </p:sp>
-      <p:sp>
-        <p:nvSpPr>
-          <p:cNvPr id="135" name="PlaceHolder 2"/>
+            <a:pPr algn="ctr"/>
+            <a:endParaRPr/>
+          </a:p>
+        </p:txBody>
+      </p:sp>
+      <p:sp>
+        <p:nvSpPr>
+          <p:cNvPr id="132" name="PlaceHolder 2"/>
           <p:cNvSpPr>
             <a:spLocks noGrp="1"/>
           </p:cNvSpPr>
@@ -3804,8 +3840,8 @@
         </p:nvSpPr>
         <p:spPr>
           <a:xfrm>
-            <a:off x="457200" y="1600200"/>
-            <a:ext cx="8229240" cy="2158560"/>
+            <a:off x="457200" y="1604520"/>
+            <a:ext cx="8229240" cy="1896840"/>
           </a:xfrm>
           <a:prstGeom prst="rect">
             <a:avLst/>
@@ -3820,7 +3856,7 @@
       </p:sp>
       <p:sp>
         <p:nvSpPr>
-          <p:cNvPr id="136" name="PlaceHolder 3"/>
+          <p:cNvPr id="133" name="PlaceHolder 3"/>
           <p:cNvSpPr>
             <a:spLocks noGrp="1"/>
           </p:cNvSpPr>
@@ -3830,8 +3866,8 @@
         </p:nvSpPr>
         <p:spPr>
           <a:xfrm>
-            <a:off x="457200" y="3964320"/>
-            <a:ext cx="8229240" cy="2158560"/>
+            <a:off x="457200" y="3682080"/>
+            <a:ext cx="8229240" cy="1896840"/>
           </a:xfrm>
           <a:prstGeom prst="rect">
             <a:avLst/>
@@ -3868,7 +3904,7 @@
       </p:grpSpPr>
       <p:sp>
         <p:nvSpPr>
-          <p:cNvPr id="137" name="PlaceHolder 1"/>
+          <p:cNvPr id="134" name="PlaceHolder 1"/>
           <p:cNvSpPr>
             <a:spLocks noGrp="1"/>
           </p:cNvSpPr>
@@ -3878,8 +3914,8 @@
         </p:nvSpPr>
         <p:spPr>
           <a:xfrm>
-            <a:off x="457200" y="274680"/>
-            <a:ext cx="8229240" cy="1143000"/>
+            <a:off x="457200" y="273600"/>
+            <a:ext cx="8229240" cy="1145160"/>
           </a:xfrm>
           <a:prstGeom prst="rect">
             <a:avLst/>
@@ -3888,13 +3924,14 @@
         <p:txBody>
           <a:bodyPr wrap="none" lIns="0" rIns="0" tIns="0" bIns="0" anchor="ctr"/>
           <a:p>
-            <a:endParaRPr/>
-          </a:p>
-        </p:txBody>
-      </p:sp>
-      <p:sp>
-        <p:nvSpPr>
-          <p:cNvPr id="138" name="PlaceHolder 2"/>
+            <a:pPr algn="ctr"/>
+            <a:endParaRPr/>
+          </a:p>
+        </p:txBody>
+      </p:sp>
+      <p:sp>
+        <p:nvSpPr>
+          <p:cNvPr id="135" name="PlaceHolder 2"/>
           <p:cNvSpPr>
             <a:spLocks noGrp="1"/>
           </p:cNvSpPr>
@@ -3904,8 +3941,8 @@
         </p:nvSpPr>
         <p:spPr>
           <a:xfrm>
-            <a:off x="457200" y="1600200"/>
-            <a:ext cx="4015800" cy="2158560"/>
+            <a:off x="457200" y="1604520"/>
+            <a:ext cx="4015800" cy="1896840"/>
           </a:xfrm>
           <a:prstGeom prst="rect">
             <a:avLst/>
@@ -3920,7 +3957,7 @@
       </p:sp>
       <p:sp>
         <p:nvSpPr>
-          <p:cNvPr id="139" name="PlaceHolder 3"/>
+          <p:cNvPr id="136" name="PlaceHolder 3"/>
           <p:cNvSpPr>
             <a:spLocks noGrp="1"/>
           </p:cNvSpPr>
@@ -3930,8 +3967,8 @@
         </p:nvSpPr>
         <p:spPr>
           <a:xfrm>
-            <a:off x="4674240" y="1600200"/>
-            <a:ext cx="4015800" cy="2158560"/>
+            <a:off x="4674240" y="1604520"/>
+            <a:ext cx="4015800" cy="1896840"/>
           </a:xfrm>
           <a:prstGeom prst="rect">
             <a:avLst/>
@@ -3946,7 +3983,7 @@
       </p:sp>
       <p:sp>
         <p:nvSpPr>
-          <p:cNvPr id="140" name="PlaceHolder 4"/>
+          <p:cNvPr id="137" name="PlaceHolder 4"/>
           <p:cNvSpPr>
             <a:spLocks noGrp="1"/>
           </p:cNvSpPr>
@@ -3956,8 +3993,8 @@
         </p:nvSpPr>
         <p:spPr>
           <a:xfrm>
-            <a:off x="4674240" y="3964320"/>
-            <a:ext cx="4015800" cy="2158560"/>
+            <a:off x="4674240" y="3682080"/>
+            <a:ext cx="4015800" cy="1896840"/>
           </a:xfrm>
           <a:prstGeom prst="rect">
             <a:avLst/>
@@ -3972,7 +4009,7 @@
       </p:sp>
       <p:sp>
         <p:nvSpPr>
-          <p:cNvPr id="141" name="PlaceHolder 5"/>
+          <p:cNvPr id="138" name="PlaceHolder 5"/>
           <p:cNvSpPr>
             <a:spLocks noGrp="1"/>
           </p:cNvSpPr>
@@ -3982,8 +4019,8 @@
         </p:nvSpPr>
         <p:spPr>
           <a:xfrm>
-            <a:off x="457200" y="3964320"/>
-            <a:ext cx="4015800" cy="2158560"/>
+            <a:off x="457200" y="3682080"/>
+            <a:ext cx="4015800" cy="1896840"/>
           </a:xfrm>
           <a:prstGeom prst="rect">
             <a:avLst/>
@@ -4020,7 +4057,7 @@
       </p:grpSpPr>
       <p:sp>
         <p:nvSpPr>
-          <p:cNvPr id="142" name="PlaceHolder 1"/>
+          <p:cNvPr id="139" name="PlaceHolder 1"/>
           <p:cNvSpPr>
             <a:spLocks noGrp="1"/>
           </p:cNvSpPr>
@@ -4030,8 +4067,8 @@
         </p:nvSpPr>
         <p:spPr>
           <a:xfrm>
-            <a:off x="457200" y="274680"/>
-            <a:ext cx="8229240" cy="1143000"/>
+            <a:off x="457200" y="273600"/>
+            <a:ext cx="8229240" cy="1145160"/>
           </a:xfrm>
           <a:prstGeom prst="rect">
             <a:avLst/>
@@ -4040,13 +4077,14 @@
         <p:txBody>
           <a:bodyPr wrap="none" lIns="0" rIns="0" tIns="0" bIns="0" anchor="ctr"/>
           <a:p>
-            <a:endParaRPr/>
-          </a:p>
-        </p:txBody>
-      </p:sp>
-      <p:sp>
-        <p:nvSpPr>
-          <p:cNvPr id="143" name="PlaceHolder 2"/>
+            <a:pPr algn="ctr"/>
+            <a:endParaRPr/>
+          </a:p>
+        </p:txBody>
+      </p:sp>
+      <p:sp>
+        <p:nvSpPr>
+          <p:cNvPr id="140" name="PlaceHolder 2"/>
           <p:cNvSpPr>
             <a:spLocks noGrp="1"/>
           </p:cNvSpPr>
@@ -4056,8 +4094,8 @@
         </p:nvSpPr>
         <p:spPr>
           <a:xfrm>
-            <a:off x="457200" y="1600200"/>
-            <a:ext cx="8229240" cy="4525560"/>
+            <a:off x="457200" y="1604520"/>
+            <a:ext cx="8229240" cy="3976920"/>
           </a:xfrm>
           <a:prstGeom prst="rect">
             <a:avLst/>
@@ -4072,7 +4110,7 @@
       </p:sp>
       <p:sp>
         <p:nvSpPr>
-          <p:cNvPr id="144" name="PlaceHolder 3"/>
+          <p:cNvPr id="141" name="PlaceHolder 3"/>
           <p:cNvSpPr>
             <a:spLocks noGrp="1"/>
           </p:cNvSpPr>
@@ -4082,8 +4120,8 @@
         </p:nvSpPr>
         <p:spPr>
           <a:xfrm>
-            <a:off x="457200" y="1600200"/>
-            <a:ext cx="8229240" cy="4525560"/>
+            <a:off x="457200" y="1604520"/>
+            <a:ext cx="8229240" cy="3976920"/>
           </a:xfrm>
           <a:prstGeom prst="rect">
             <a:avLst/>
@@ -4098,7 +4136,7 @@
       </p:sp>
       <p:pic>
         <p:nvPicPr>
-          <p:cNvPr id="145" name="" descr=""/>
+          <p:cNvPr id="142" name="" descr=""/>
           <p:cNvPicPr/>
           <p:nvPr/>
         </p:nvPicPr>
@@ -4110,8 +4148,8 @@
         </p:blipFill>
         <p:spPr>
           <a:xfrm>
-            <a:off x="1735560" y="1599840"/>
-            <a:ext cx="5671800" cy="4525560"/>
+            <a:off x="2079360" y="1604160"/>
+            <a:ext cx="4984200" cy="3976920"/>
           </a:xfrm>
           <a:prstGeom prst="rect">
             <a:avLst/>
@@ -4123,7 +4161,7 @@
       </p:pic>
       <p:pic>
         <p:nvPicPr>
-          <p:cNvPr id="146" name="" descr=""/>
+          <p:cNvPr id="143" name="" descr=""/>
           <p:cNvPicPr/>
           <p:nvPr/>
         </p:nvPicPr>
@@ -4135,8 +4173,8 @@
         </p:blipFill>
         <p:spPr>
           <a:xfrm>
-            <a:off x="1735560" y="1599840"/>
-            <a:ext cx="5671800" cy="4525560"/>
+            <a:off x="2079360" y="1604160"/>
+            <a:ext cx="4984200" cy="3976920"/>
           </a:xfrm>
           <a:prstGeom prst="rect">
             <a:avLst/>
@@ -4202,8 +4240,8 @@
         </p:nvSpPr>
         <p:spPr>
           <a:xfrm>
-            <a:off x="457200" y="274680"/>
-            <a:ext cx="8229240" cy="1143000"/>
+            <a:off x="457200" y="273600"/>
+            <a:ext cx="8229240" cy="1145160"/>
           </a:xfrm>
           <a:prstGeom prst="rect">
             <a:avLst/>
@@ -4212,6 +4250,7 @@
         <p:txBody>
           <a:bodyPr wrap="none" lIns="0" rIns="0" tIns="0" bIns="0" anchor="ctr"/>
           <a:p>
+            <a:pPr algn="ctr"/>
             <a:endParaRPr/>
           </a:p>
         </p:txBody>
@@ -4240,7 +4279,7 @@
       </p:grpSpPr>
       <p:sp>
         <p:nvSpPr>
-          <p:cNvPr id="152" name="PlaceHolder 1"/>
+          <p:cNvPr id="146" name="PlaceHolder 1"/>
           <p:cNvSpPr>
             <a:spLocks noGrp="1"/>
           </p:cNvSpPr>
@@ -4250,8 +4289,8 @@
         </p:nvSpPr>
         <p:spPr>
           <a:xfrm>
-            <a:off x="457200" y="274680"/>
-            <a:ext cx="8229240" cy="1143000"/>
+            <a:off x="457200" y="273600"/>
+            <a:ext cx="8229240" cy="1145160"/>
           </a:xfrm>
           <a:prstGeom prst="rect">
             <a:avLst/>
@@ -4260,13 +4299,14 @@
         <p:txBody>
           <a:bodyPr wrap="none" lIns="0" rIns="0" tIns="0" bIns="0" anchor="ctr"/>
           <a:p>
-            <a:endParaRPr/>
-          </a:p>
-        </p:txBody>
-      </p:sp>
-      <p:sp>
-        <p:nvSpPr>
-          <p:cNvPr id="153" name="PlaceHolder 2"/>
+            <a:pPr algn="ctr"/>
+            <a:endParaRPr/>
+          </a:p>
+        </p:txBody>
+      </p:sp>
+      <p:sp>
+        <p:nvSpPr>
+          <p:cNvPr id="147" name="PlaceHolder 2"/>
           <p:cNvSpPr>
             <a:spLocks noGrp="1"/>
           </p:cNvSpPr>
@@ -4276,8 +4316,8 @@
         </p:nvSpPr>
         <p:spPr>
           <a:xfrm>
-            <a:off x="457200" y="1600200"/>
-            <a:ext cx="8229240" cy="4525920"/>
+            <a:off x="457200" y="1604520"/>
+            <a:ext cx="8229240" cy="3977280"/>
           </a:xfrm>
           <a:prstGeom prst="rect">
             <a:avLst/>
@@ -4315,7 +4355,7 @@
       </p:grpSpPr>
       <p:sp>
         <p:nvSpPr>
-          <p:cNvPr id="154" name="PlaceHolder 1"/>
+          <p:cNvPr id="148" name="PlaceHolder 1"/>
           <p:cNvSpPr>
             <a:spLocks noGrp="1"/>
           </p:cNvSpPr>
@@ -4325,8 +4365,8 @@
         </p:nvSpPr>
         <p:spPr>
           <a:xfrm>
-            <a:off x="457200" y="274680"/>
-            <a:ext cx="8229240" cy="1143000"/>
+            <a:off x="457200" y="273600"/>
+            <a:ext cx="8229240" cy="1145160"/>
           </a:xfrm>
           <a:prstGeom prst="rect">
             <a:avLst/>
@@ -4335,13 +4375,14 @@
         <p:txBody>
           <a:bodyPr wrap="none" lIns="0" rIns="0" tIns="0" bIns="0" anchor="ctr"/>
           <a:p>
-            <a:endParaRPr/>
-          </a:p>
-        </p:txBody>
-      </p:sp>
-      <p:sp>
-        <p:nvSpPr>
-          <p:cNvPr id="155" name="PlaceHolder 2"/>
+            <a:pPr algn="ctr"/>
+            <a:endParaRPr/>
+          </a:p>
+        </p:txBody>
+      </p:sp>
+      <p:sp>
+        <p:nvSpPr>
+          <p:cNvPr id="149" name="PlaceHolder 2"/>
           <p:cNvSpPr>
             <a:spLocks noGrp="1"/>
           </p:cNvSpPr>
@@ -4351,8 +4392,8 @@
         </p:nvSpPr>
         <p:spPr>
           <a:xfrm>
-            <a:off x="457200" y="1600200"/>
-            <a:ext cx="8229240" cy="4525560"/>
+            <a:off x="457200" y="1604520"/>
+            <a:ext cx="8229240" cy="3976920"/>
           </a:xfrm>
           <a:prstGeom prst="rect">
             <a:avLst/>
@@ -4389,7 +4430,7 @@
       </p:grpSpPr>
       <p:sp>
         <p:nvSpPr>
-          <p:cNvPr id="156" name="PlaceHolder 1"/>
+          <p:cNvPr id="150" name="PlaceHolder 1"/>
           <p:cNvSpPr>
             <a:spLocks noGrp="1"/>
           </p:cNvSpPr>
@@ -4399,8 +4440,8 @@
         </p:nvSpPr>
         <p:spPr>
           <a:xfrm>
-            <a:off x="457200" y="274680"/>
-            <a:ext cx="8229240" cy="1143000"/>
+            <a:off x="457200" y="273600"/>
+            <a:ext cx="8229240" cy="1145160"/>
           </a:xfrm>
           <a:prstGeom prst="rect">
             <a:avLst/>
@@ -4409,13 +4450,14 @@
         <p:txBody>
           <a:bodyPr wrap="none" lIns="0" rIns="0" tIns="0" bIns="0" anchor="ctr"/>
           <a:p>
-            <a:endParaRPr/>
-          </a:p>
-        </p:txBody>
-      </p:sp>
-      <p:sp>
-        <p:nvSpPr>
-          <p:cNvPr id="157" name="PlaceHolder 2"/>
+            <a:pPr algn="ctr"/>
+            <a:endParaRPr/>
+          </a:p>
+        </p:txBody>
+      </p:sp>
+      <p:sp>
+        <p:nvSpPr>
+          <p:cNvPr id="151" name="PlaceHolder 2"/>
           <p:cNvSpPr>
             <a:spLocks noGrp="1"/>
           </p:cNvSpPr>
@@ -4425,8 +4467,8 @@
         </p:nvSpPr>
         <p:spPr>
           <a:xfrm>
-            <a:off x="457200" y="1600200"/>
-            <a:ext cx="4015800" cy="4525560"/>
+            <a:off x="457200" y="1604520"/>
+            <a:ext cx="4015800" cy="3976920"/>
           </a:xfrm>
           <a:prstGeom prst="rect">
             <a:avLst/>
@@ -4441,7 +4483,7 @@
       </p:sp>
       <p:sp>
         <p:nvSpPr>
-          <p:cNvPr id="158" name="PlaceHolder 3"/>
+          <p:cNvPr id="152" name="PlaceHolder 3"/>
           <p:cNvSpPr>
             <a:spLocks noGrp="1"/>
           </p:cNvSpPr>
@@ -4451,8 +4493,8 @@
         </p:nvSpPr>
         <p:spPr>
           <a:xfrm>
-            <a:off x="4674240" y="1600200"/>
-            <a:ext cx="4015800" cy="4525560"/>
+            <a:off x="4674240" y="1604520"/>
+            <a:ext cx="4015800" cy="3976920"/>
           </a:xfrm>
           <a:prstGeom prst="rect">
             <a:avLst/>
@@ -4489,7 +4531,7 @@
       </p:grpSpPr>
       <p:sp>
         <p:nvSpPr>
-          <p:cNvPr id="159" name="PlaceHolder 1"/>
+          <p:cNvPr id="153" name="PlaceHolder 1"/>
           <p:cNvSpPr>
             <a:spLocks noGrp="1"/>
           </p:cNvSpPr>
@@ -4499,8 +4541,8 @@
         </p:nvSpPr>
         <p:spPr>
           <a:xfrm>
-            <a:off x="457200" y="274680"/>
-            <a:ext cx="8229240" cy="1143000"/>
+            <a:off x="457200" y="273600"/>
+            <a:ext cx="8229240" cy="1145160"/>
           </a:xfrm>
           <a:prstGeom prst="rect">
             <a:avLst/>
@@ -4509,6 +4551,7 @@
         <p:txBody>
           <a:bodyPr wrap="none" lIns="0" rIns="0" tIns="0" bIns="0" anchor="ctr"/>
           <a:p>
+            <a:pPr algn="ctr"/>
             <a:endParaRPr/>
           </a:p>
         </p:txBody>
@@ -4537,7 +4580,7 @@
       </p:grpSpPr>
       <p:sp>
         <p:nvSpPr>
-          <p:cNvPr id="160" name="PlaceHolder 1"/>
+          <p:cNvPr id="154" name="PlaceHolder 1"/>
           <p:cNvSpPr>
             <a:spLocks noGrp="1"/>
           </p:cNvSpPr>
@@ -4547,8 +4590,8 @@
         </p:nvSpPr>
         <p:spPr>
           <a:xfrm>
-            <a:off x="457200" y="274680"/>
-            <a:ext cx="8229240" cy="5298120"/>
+            <a:off x="457200" y="273600"/>
+            <a:ext cx="8229240" cy="5308200"/>
           </a:xfrm>
           <a:prstGeom prst="rect">
             <a:avLst/>
@@ -4586,7 +4629,7 @@
       </p:grpSpPr>
       <p:sp>
         <p:nvSpPr>
-          <p:cNvPr id="161" name="PlaceHolder 1"/>
+          <p:cNvPr id="155" name="PlaceHolder 1"/>
           <p:cNvSpPr>
             <a:spLocks noGrp="1"/>
           </p:cNvSpPr>
@@ -4596,8 +4639,8 @@
         </p:nvSpPr>
         <p:spPr>
           <a:xfrm>
-            <a:off x="457200" y="274680"/>
-            <a:ext cx="8229240" cy="1143000"/>
+            <a:off x="457200" y="273600"/>
+            <a:ext cx="8229240" cy="1145160"/>
           </a:xfrm>
           <a:prstGeom prst="rect">
             <a:avLst/>
@@ -4606,13 +4649,14 @@
         <p:txBody>
           <a:bodyPr wrap="none" lIns="0" rIns="0" tIns="0" bIns="0" anchor="ctr"/>
           <a:p>
-            <a:endParaRPr/>
-          </a:p>
-        </p:txBody>
-      </p:sp>
-      <p:sp>
-        <p:nvSpPr>
-          <p:cNvPr id="162" name="PlaceHolder 2"/>
+            <a:pPr algn="ctr"/>
+            <a:endParaRPr/>
+          </a:p>
+        </p:txBody>
+      </p:sp>
+      <p:sp>
+        <p:nvSpPr>
+          <p:cNvPr id="156" name="PlaceHolder 2"/>
           <p:cNvSpPr>
             <a:spLocks noGrp="1"/>
           </p:cNvSpPr>
@@ -4622,8 +4666,8 @@
         </p:nvSpPr>
         <p:spPr>
           <a:xfrm>
-            <a:off x="457200" y="1600200"/>
-            <a:ext cx="4015800" cy="2158560"/>
+            <a:off x="457200" y="1604520"/>
+            <a:ext cx="4015800" cy="1896840"/>
           </a:xfrm>
           <a:prstGeom prst="rect">
             <a:avLst/>
@@ -4638,7 +4682,7 @@
       </p:sp>
       <p:sp>
         <p:nvSpPr>
-          <p:cNvPr id="163" name="PlaceHolder 3"/>
+          <p:cNvPr id="157" name="PlaceHolder 3"/>
           <p:cNvSpPr>
             <a:spLocks noGrp="1"/>
           </p:cNvSpPr>
@@ -4648,8 +4692,8 @@
         </p:nvSpPr>
         <p:spPr>
           <a:xfrm>
-            <a:off x="457200" y="3964320"/>
-            <a:ext cx="4015800" cy="2158560"/>
+            <a:off x="457200" y="3682080"/>
+            <a:ext cx="4015800" cy="1896840"/>
           </a:xfrm>
           <a:prstGeom prst="rect">
             <a:avLst/>
@@ -4664,7 +4708,7 @@
       </p:sp>
       <p:sp>
         <p:nvSpPr>
-          <p:cNvPr id="164" name="PlaceHolder 4"/>
+          <p:cNvPr id="158" name="PlaceHolder 4"/>
           <p:cNvSpPr>
             <a:spLocks noGrp="1"/>
           </p:cNvSpPr>
@@ -4674,8 +4718,8 @@
         </p:nvSpPr>
         <p:spPr>
           <a:xfrm>
-            <a:off x="4674240" y="1600200"/>
-            <a:ext cx="4015800" cy="4525560"/>
+            <a:off x="4674240" y="1604520"/>
+            <a:ext cx="4015800" cy="3976920"/>
           </a:xfrm>
           <a:prstGeom prst="rect">
             <a:avLst/>
@@ -4712,7 +4756,7 @@
       </p:grpSpPr>
       <p:sp>
         <p:nvSpPr>
-          <p:cNvPr id="165" name="PlaceHolder 1"/>
+          <p:cNvPr id="159" name="PlaceHolder 1"/>
           <p:cNvSpPr>
             <a:spLocks noGrp="1"/>
           </p:cNvSpPr>
@@ -4722,8 +4766,8 @@
         </p:nvSpPr>
         <p:spPr>
           <a:xfrm>
-            <a:off x="457200" y="274680"/>
-            <a:ext cx="8229240" cy="1143000"/>
+            <a:off x="457200" y="273600"/>
+            <a:ext cx="8229240" cy="1145160"/>
           </a:xfrm>
           <a:prstGeom prst="rect">
             <a:avLst/>
@@ -4732,13 +4776,14 @@
         <p:txBody>
           <a:bodyPr wrap="none" lIns="0" rIns="0" tIns="0" bIns="0" anchor="ctr"/>
           <a:p>
-            <a:endParaRPr/>
-          </a:p>
-        </p:txBody>
-      </p:sp>
-      <p:sp>
-        <p:nvSpPr>
-          <p:cNvPr id="166" name="PlaceHolder 2"/>
+            <a:pPr algn="ctr"/>
+            <a:endParaRPr/>
+          </a:p>
+        </p:txBody>
+      </p:sp>
+      <p:sp>
+        <p:nvSpPr>
+          <p:cNvPr id="160" name="PlaceHolder 2"/>
           <p:cNvSpPr>
             <a:spLocks noGrp="1"/>
           </p:cNvSpPr>
@@ -4748,8 +4793,8 @@
         </p:nvSpPr>
         <p:spPr>
           <a:xfrm>
-            <a:off x="457200" y="1600200"/>
-            <a:ext cx="4015800" cy="4525560"/>
+            <a:off x="457200" y="1604520"/>
+            <a:ext cx="4015800" cy="3976920"/>
           </a:xfrm>
           <a:prstGeom prst="rect">
             <a:avLst/>
@@ -4764,7 +4809,7 @@
       </p:sp>
       <p:sp>
         <p:nvSpPr>
-          <p:cNvPr id="167" name="PlaceHolder 3"/>
+          <p:cNvPr id="161" name="PlaceHolder 3"/>
           <p:cNvSpPr>
             <a:spLocks noGrp="1"/>
           </p:cNvSpPr>
@@ -4774,8 +4819,8 @@
         </p:nvSpPr>
         <p:spPr>
           <a:xfrm>
-            <a:off x="4674240" y="1600200"/>
-            <a:ext cx="4015800" cy="2158560"/>
+            <a:off x="4674240" y="1604520"/>
+            <a:ext cx="4015800" cy="1896840"/>
           </a:xfrm>
           <a:prstGeom prst="rect">
             <a:avLst/>
@@ -4790,7 +4835,7 @@
       </p:sp>
       <p:sp>
         <p:nvSpPr>
-          <p:cNvPr id="168" name="PlaceHolder 4"/>
+          <p:cNvPr id="162" name="PlaceHolder 4"/>
           <p:cNvSpPr>
             <a:spLocks noGrp="1"/>
           </p:cNvSpPr>
@@ -4800,8 +4845,8 @@
         </p:nvSpPr>
         <p:spPr>
           <a:xfrm>
-            <a:off x="4674240" y="3964320"/>
-            <a:ext cx="4015800" cy="2158560"/>
+            <a:off x="4674240" y="3682080"/>
+            <a:ext cx="4015800" cy="1896840"/>
           </a:xfrm>
           <a:prstGeom prst="rect">
             <a:avLst/>
@@ -4838,7 +4883,7 @@
       </p:grpSpPr>
       <p:sp>
         <p:nvSpPr>
-          <p:cNvPr id="169" name="PlaceHolder 1"/>
+          <p:cNvPr id="163" name="PlaceHolder 1"/>
           <p:cNvSpPr>
             <a:spLocks noGrp="1"/>
           </p:cNvSpPr>
@@ -4848,8 +4893,8 @@
         </p:nvSpPr>
         <p:spPr>
           <a:xfrm>
-            <a:off x="457200" y="274680"/>
-            <a:ext cx="8229240" cy="1143000"/>
+            <a:off x="457200" y="273600"/>
+            <a:ext cx="8229240" cy="1145160"/>
           </a:xfrm>
           <a:prstGeom prst="rect">
             <a:avLst/>
@@ -4858,13 +4903,14 @@
         <p:txBody>
           <a:bodyPr wrap="none" lIns="0" rIns="0" tIns="0" bIns="0" anchor="ctr"/>
           <a:p>
-            <a:endParaRPr/>
-          </a:p>
-        </p:txBody>
-      </p:sp>
-      <p:sp>
-        <p:nvSpPr>
-          <p:cNvPr id="170" name="PlaceHolder 2"/>
+            <a:pPr algn="ctr"/>
+            <a:endParaRPr/>
+          </a:p>
+        </p:txBody>
+      </p:sp>
+      <p:sp>
+        <p:nvSpPr>
+          <p:cNvPr id="164" name="PlaceHolder 2"/>
           <p:cNvSpPr>
             <a:spLocks noGrp="1"/>
           </p:cNvSpPr>
@@ -4874,8 +4920,8 @@
         </p:nvSpPr>
         <p:spPr>
           <a:xfrm>
-            <a:off x="457200" y="1600200"/>
-            <a:ext cx="4015800" cy="2158560"/>
+            <a:off x="457200" y="1604520"/>
+            <a:ext cx="4015800" cy="1896840"/>
           </a:xfrm>
           <a:prstGeom prst="rect">
             <a:avLst/>
@@ -4890,7 +4936,7 @@
       </p:sp>
       <p:sp>
         <p:nvSpPr>
-          <p:cNvPr id="171" name="PlaceHolder 3"/>
+          <p:cNvPr id="165" name="PlaceHolder 3"/>
           <p:cNvSpPr>
             <a:spLocks noGrp="1"/>
           </p:cNvSpPr>
@@ -4900,8 +4946,8 @@
         </p:nvSpPr>
         <p:spPr>
           <a:xfrm>
-            <a:off x="4674240" y="1600200"/>
-            <a:ext cx="4015800" cy="2158560"/>
+            <a:off x="4674240" y="1604520"/>
+            <a:ext cx="4015800" cy="1896840"/>
           </a:xfrm>
           <a:prstGeom prst="rect">
             <a:avLst/>
@@ -4916,7 +4962,7 @@
       </p:sp>
       <p:sp>
         <p:nvSpPr>
-          <p:cNvPr id="172" name="PlaceHolder 4"/>
+          <p:cNvPr id="166" name="PlaceHolder 4"/>
           <p:cNvSpPr>
             <a:spLocks noGrp="1"/>
           </p:cNvSpPr>
@@ -4926,8 +4972,8 @@
         </p:nvSpPr>
         <p:spPr>
           <a:xfrm>
-            <a:off x="457200" y="3964320"/>
-            <a:ext cx="8229240" cy="2158560"/>
+            <a:off x="457200" y="3682080"/>
+            <a:ext cx="8229240" cy="1896840"/>
           </a:xfrm>
           <a:prstGeom prst="rect">
             <a:avLst/>
@@ -4964,7 +5010,7 @@
       </p:grpSpPr>
       <p:sp>
         <p:nvSpPr>
-          <p:cNvPr id="173" name="PlaceHolder 1"/>
+          <p:cNvPr id="167" name="PlaceHolder 1"/>
           <p:cNvSpPr>
             <a:spLocks noGrp="1"/>
           </p:cNvSpPr>
@@ -4974,8 +5020,8 @@
         </p:nvSpPr>
         <p:spPr>
           <a:xfrm>
-            <a:off x="457200" y="274680"/>
-            <a:ext cx="8229240" cy="1143000"/>
+            <a:off x="457200" y="273600"/>
+            <a:ext cx="8229240" cy="1145160"/>
           </a:xfrm>
           <a:prstGeom prst="rect">
             <a:avLst/>
@@ -4984,13 +5030,14 @@
         <p:txBody>
           <a:bodyPr wrap="none" lIns="0" rIns="0" tIns="0" bIns="0" anchor="ctr"/>
           <a:p>
-            <a:endParaRPr/>
-          </a:p>
-        </p:txBody>
-      </p:sp>
-      <p:sp>
-        <p:nvSpPr>
-          <p:cNvPr id="174" name="PlaceHolder 2"/>
+            <a:pPr algn="ctr"/>
+            <a:endParaRPr/>
+          </a:p>
+        </p:txBody>
+      </p:sp>
+      <p:sp>
+        <p:nvSpPr>
+          <p:cNvPr id="168" name="PlaceHolder 2"/>
           <p:cNvSpPr>
             <a:spLocks noGrp="1"/>
           </p:cNvSpPr>
@@ -5000,8 +5047,8 @@
         </p:nvSpPr>
         <p:spPr>
           <a:xfrm>
-            <a:off x="457200" y="1600200"/>
-            <a:ext cx="8229240" cy="2158560"/>
+            <a:off x="457200" y="1604520"/>
+            <a:ext cx="8229240" cy="1896840"/>
           </a:xfrm>
           <a:prstGeom prst="rect">
             <a:avLst/>
@@ -5016,7 +5063,7 @@
       </p:sp>
       <p:sp>
         <p:nvSpPr>
-          <p:cNvPr id="175" name="PlaceHolder 3"/>
+          <p:cNvPr id="169" name="PlaceHolder 3"/>
           <p:cNvSpPr>
             <a:spLocks noGrp="1"/>
           </p:cNvSpPr>
@@ -5026,8 +5073,8 @@
         </p:nvSpPr>
         <p:spPr>
           <a:xfrm>
-            <a:off x="457200" y="3964320"/>
-            <a:ext cx="8229240" cy="2158560"/>
+            <a:off x="457200" y="3682080"/>
+            <a:ext cx="8229240" cy="1896840"/>
           </a:xfrm>
           <a:prstGeom prst="rect">
             <a:avLst/>
@@ -5064,7 +5111,7 @@
       </p:grpSpPr>
       <p:sp>
         <p:nvSpPr>
-          <p:cNvPr id="176" name="PlaceHolder 1"/>
+          <p:cNvPr id="170" name="PlaceHolder 1"/>
           <p:cNvSpPr>
             <a:spLocks noGrp="1"/>
           </p:cNvSpPr>
@@ -5074,8 +5121,8 @@
         </p:nvSpPr>
         <p:spPr>
           <a:xfrm>
-            <a:off x="457200" y="274680"/>
-            <a:ext cx="8229240" cy="1143000"/>
+            <a:off x="457200" y="273600"/>
+            <a:ext cx="8229240" cy="1145160"/>
           </a:xfrm>
           <a:prstGeom prst="rect">
             <a:avLst/>
@@ -5084,13 +5131,14 @@
         <p:txBody>
           <a:bodyPr wrap="none" lIns="0" rIns="0" tIns="0" bIns="0" anchor="ctr"/>
           <a:p>
-            <a:endParaRPr/>
-          </a:p>
-        </p:txBody>
-      </p:sp>
-      <p:sp>
-        <p:nvSpPr>
-          <p:cNvPr id="177" name="PlaceHolder 2"/>
+            <a:pPr algn="ctr"/>
+            <a:endParaRPr/>
+          </a:p>
+        </p:txBody>
+      </p:sp>
+      <p:sp>
+        <p:nvSpPr>
+          <p:cNvPr id="171" name="PlaceHolder 2"/>
           <p:cNvSpPr>
             <a:spLocks noGrp="1"/>
           </p:cNvSpPr>
@@ -5100,8 +5148,8 @@
         </p:nvSpPr>
         <p:spPr>
           <a:xfrm>
-            <a:off x="457200" y="1600200"/>
-            <a:ext cx="4015800" cy="2158560"/>
+            <a:off x="457200" y="1604520"/>
+            <a:ext cx="4015800" cy="1896840"/>
           </a:xfrm>
           <a:prstGeom prst="rect">
             <a:avLst/>
@@ -5116,7 +5164,7 @@
       </p:sp>
       <p:sp>
         <p:nvSpPr>
-          <p:cNvPr id="178" name="PlaceHolder 3"/>
+          <p:cNvPr id="172" name="PlaceHolder 3"/>
           <p:cNvSpPr>
             <a:spLocks noGrp="1"/>
           </p:cNvSpPr>
@@ -5126,8 +5174,8 @@
         </p:nvSpPr>
         <p:spPr>
           <a:xfrm>
-            <a:off x="4674240" y="1600200"/>
-            <a:ext cx="4015800" cy="2158560"/>
+            <a:off x="4674240" y="1604520"/>
+            <a:ext cx="4015800" cy="1896840"/>
           </a:xfrm>
           <a:prstGeom prst="rect">
             <a:avLst/>
@@ -5142,7 +5190,7 @@
       </p:sp>
       <p:sp>
         <p:nvSpPr>
-          <p:cNvPr id="179" name="PlaceHolder 4"/>
+          <p:cNvPr id="173" name="PlaceHolder 4"/>
           <p:cNvSpPr>
             <a:spLocks noGrp="1"/>
           </p:cNvSpPr>
@@ -5152,8 +5200,8 @@
         </p:nvSpPr>
         <p:spPr>
           <a:xfrm>
-            <a:off x="4674240" y="3964320"/>
-            <a:ext cx="4015800" cy="2158560"/>
+            <a:off x="4674240" y="3682080"/>
+            <a:ext cx="4015800" cy="1896840"/>
           </a:xfrm>
           <a:prstGeom prst="rect">
             <a:avLst/>
@@ -5168,7 +5216,7 @@
       </p:sp>
       <p:sp>
         <p:nvSpPr>
-          <p:cNvPr id="180" name="PlaceHolder 5"/>
+          <p:cNvPr id="174" name="PlaceHolder 5"/>
           <p:cNvSpPr>
             <a:spLocks noGrp="1"/>
           </p:cNvSpPr>
@@ -5178,8 +5226,8 @@
         </p:nvSpPr>
         <p:spPr>
           <a:xfrm>
-            <a:off x="457200" y="3964320"/>
-            <a:ext cx="4015800" cy="2158560"/>
+            <a:off x="457200" y="3682080"/>
+            <a:ext cx="4015800" cy="1896840"/>
           </a:xfrm>
           <a:prstGeom prst="rect">
             <a:avLst/>
@@ -5226,8 +5274,8 @@
         </p:nvSpPr>
         <p:spPr>
           <a:xfrm>
-            <a:off x="457200" y="274680"/>
-            <a:ext cx="8229240" cy="5298120"/>
+            <a:off x="457200" y="273600"/>
+            <a:ext cx="8229240" cy="5308200"/>
           </a:xfrm>
           <a:prstGeom prst="rect">
             <a:avLst/>
@@ -5265,7 +5313,7 @@
       </p:grpSpPr>
       <p:sp>
         <p:nvSpPr>
-          <p:cNvPr id="181" name="PlaceHolder 1"/>
+          <p:cNvPr id="175" name="PlaceHolder 1"/>
           <p:cNvSpPr>
             <a:spLocks noGrp="1"/>
           </p:cNvSpPr>
@@ -5275,8 +5323,8 @@
         </p:nvSpPr>
         <p:spPr>
           <a:xfrm>
-            <a:off x="457200" y="274680"/>
-            <a:ext cx="8229240" cy="1143000"/>
+            <a:off x="457200" y="273600"/>
+            <a:ext cx="8229240" cy="1145160"/>
           </a:xfrm>
           <a:prstGeom prst="rect">
             <a:avLst/>
@@ -5285,13 +5333,14 @@
         <p:txBody>
           <a:bodyPr wrap="none" lIns="0" rIns="0" tIns="0" bIns="0" anchor="ctr"/>
           <a:p>
-            <a:endParaRPr/>
-          </a:p>
-        </p:txBody>
-      </p:sp>
-      <p:sp>
-        <p:nvSpPr>
-          <p:cNvPr id="182" name="PlaceHolder 2"/>
+            <a:pPr algn="ctr"/>
+            <a:endParaRPr/>
+          </a:p>
+        </p:txBody>
+      </p:sp>
+      <p:sp>
+        <p:nvSpPr>
+          <p:cNvPr id="176" name="PlaceHolder 2"/>
           <p:cNvSpPr>
             <a:spLocks noGrp="1"/>
           </p:cNvSpPr>
@@ -5301,8 +5350,8 @@
         </p:nvSpPr>
         <p:spPr>
           <a:xfrm>
-            <a:off x="457200" y="1600200"/>
-            <a:ext cx="8229240" cy="4525560"/>
+            <a:off x="457200" y="1604520"/>
+            <a:ext cx="8229240" cy="3976920"/>
           </a:xfrm>
           <a:prstGeom prst="rect">
             <a:avLst/>
@@ -5317,7 +5366,7 @@
       </p:sp>
       <p:sp>
         <p:nvSpPr>
-          <p:cNvPr id="183" name="PlaceHolder 3"/>
+          <p:cNvPr id="177" name="PlaceHolder 3"/>
           <p:cNvSpPr>
             <a:spLocks noGrp="1"/>
           </p:cNvSpPr>
@@ -5327,8 +5376,8 @@
         </p:nvSpPr>
         <p:spPr>
           <a:xfrm>
-            <a:off x="457200" y="1600200"/>
-            <a:ext cx="8229240" cy="4525560"/>
+            <a:off x="457200" y="1604520"/>
+            <a:ext cx="8229240" cy="3976920"/>
           </a:xfrm>
           <a:prstGeom prst="rect">
             <a:avLst/>
@@ -5343,7 +5392,7 @@
       </p:sp>
       <p:pic>
         <p:nvPicPr>
-          <p:cNvPr id="184" name="" descr=""/>
+          <p:cNvPr id="178" name="" descr=""/>
           <p:cNvPicPr/>
           <p:nvPr/>
         </p:nvPicPr>
@@ -5355,8 +5404,8 @@
         </p:blipFill>
         <p:spPr>
           <a:xfrm>
-            <a:off x="1735560" y="1599840"/>
-            <a:ext cx="5671800" cy="4525560"/>
+            <a:off x="2079360" y="1604160"/>
+            <a:ext cx="4984200" cy="3976920"/>
           </a:xfrm>
           <a:prstGeom prst="rect">
             <a:avLst/>
@@ -5368,7 +5417,7 @@
       </p:pic>
       <p:pic>
         <p:nvPicPr>
-          <p:cNvPr id="185" name="" descr=""/>
+          <p:cNvPr id="179" name="" descr=""/>
           <p:cNvPicPr/>
           <p:nvPr/>
         </p:nvPicPr>
@@ -5380,8 +5429,8 @@
         </p:blipFill>
         <p:spPr>
           <a:xfrm>
-            <a:off x="1735560" y="1599840"/>
-            <a:ext cx="5671800" cy="4525560"/>
+            <a:off x="2079360" y="1604160"/>
+            <a:ext cx="4984200" cy="3976920"/>
           </a:xfrm>
           <a:prstGeom prst="rect">
             <a:avLst/>
@@ -5425,8 +5474,8 @@
         </p:nvSpPr>
         <p:spPr>
           <a:xfrm>
-            <a:off x="457200" y="274680"/>
-            <a:ext cx="8229240" cy="1143000"/>
+            <a:off x="457200" y="273600"/>
+            <a:ext cx="8229240" cy="1145160"/>
           </a:xfrm>
           <a:prstGeom prst="rect">
             <a:avLst/>
@@ -5435,6 +5484,7 @@
         <p:txBody>
           <a:bodyPr wrap="none" lIns="0" rIns="0" tIns="0" bIns="0" anchor="ctr"/>
           <a:p>
+            <a:pPr algn="ctr"/>
             <a:endParaRPr/>
           </a:p>
         </p:txBody>
@@ -5451,8 +5501,8 @@
         </p:nvSpPr>
         <p:spPr>
           <a:xfrm>
-            <a:off x="457200" y="1600200"/>
-            <a:ext cx="4015800" cy="2158560"/>
+            <a:off x="457200" y="1604520"/>
+            <a:ext cx="4015800" cy="1896840"/>
           </a:xfrm>
           <a:prstGeom prst="rect">
             <a:avLst/>
@@ -5477,8 +5527,8 @@
         </p:nvSpPr>
         <p:spPr>
           <a:xfrm>
-            <a:off x="457200" y="3964320"/>
-            <a:ext cx="4015800" cy="2158560"/>
+            <a:off x="457200" y="3682080"/>
+            <a:ext cx="4015800" cy="1896840"/>
           </a:xfrm>
           <a:prstGeom prst="rect">
             <a:avLst/>
@@ -5503,8 +5553,8 @@
         </p:nvSpPr>
         <p:spPr>
           <a:xfrm>
-            <a:off x="4674240" y="1600200"/>
-            <a:ext cx="4015800" cy="4525560"/>
+            <a:off x="4674240" y="1604520"/>
+            <a:ext cx="4015800" cy="3976920"/>
           </a:xfrm>
           <a:prstGeom prst="rect">
             <a:avLst/>
@@ -5551,8 +5601,8 @@
         </p:nvSpPr>
         <p:spPr>
           <a:xfrm>
-            <a:off x="457200" y="274680"/>
-            <a:ext cx="8229240" cy="1143000"/>
+            <a:off x="457200" y="273600"/>
+            <a:ext cx="8229240" cy="1145160"/>
           </a:xfrm>
           <a:prstGeom prst="rect">
             <a:avLst/>
@@ -5561,6 +5611,7 @@
         <p:txBody>
           <a:bodyPr wrap="none" lIns="0" rIns="0" tIns="0" bIns="0" anchor="ctr"/>
           <a:p>
+            <a:pPr algn="ctr"/>
             <a:endParaRPr/>
           </a:p>
         </p:txBody>
@@ -5577,8 +5628,8 @@
         </p:nvSpPr>
         <p:spPr>
           <a:xfrm>
-            <a:off x="457200" y="1600200"/>
-            <a:ext cx="4015800" cy="4525560"/>
+            <a:off x="457200" y="1604520"/>
+            <a:ext cx="4015800" cy="3976920"/>
           </a:xfrm>
           <a:prstGeom prst="rect">
             <a:avLst/>
@@ -5603,8 +5654,8 @@
         </p:nvSpPr>
         <p:spPr>
           <a:xfrm>
-            <a:off x="4674240" y="1600200"/>
-            <a:ext cx="4015800" cy="2158560"/>
+            <a:off x="4674240" y="1604520"/>
+            <a:ext cx="4015800" cy="1896840"/>
           </a:xfrm>
           <a:prstGeom prst="rect">
             <a:avLst/>
@@ -5629,8 +5680,8 @@
         </p:nvSpPr>
         <p:spPr>
           <a:xfrm>
-            <a:off x="4674240" y="3964320"/>
-            <a:ext cx="4015800" cy="2158560"/>
+            <a:off x="4674240" y="3682080"/>
+            <a:ext cx="4015800" cy="1896840"/>
           </a:xfrm>
           <a:prstGeom prst="rect">
             <a:avLst/>
@@ -5677,8 +5728,8 @@
         </p:nvSpPr>
         <p:spPr>
           <a:xfrm>
-            <a:off x="457200" y="274680"/>
-            <a:ext cx="8229240" cy="1143000"/>
+            <a:off x="457200" y="273600"/>
+            <a:ext cx="8229240" cy="1145160"/>
           </a:xfrm>
           <a:prstGeom prst="rect">
             <a:avLst/>
@@ -5687,6 +5738,7 @@
         <p:txBody>
           <a:bodyPr wrap="none" lIns="0" rIns="0" tIns="0" bIns="0" anchor="ctr"/>
           <a:p>
+            <a:pPr algn="ctr"/>
             <a:endParaRPr/>
           </a:p>
         </p:txBody>
@@ -5703,8 +5755,8 @@
         </p:nvSpPr>
         <p:spPr>
           <a:xfrm>
-            <a:off x="457200" y="1600200"/>
-            <a:ext cx="4015800" cy="2158560"/>
+            <a:off x="457200" y="1604520"/>
+            <a:ext cx="4015800" cy="1896840"/>
           </a:xfrm>
           <a:prstGeom prst="rect">
             <a:avLst/>
@@ -5729,8 +5781,8 @@
         </p:nvSpPr>
         <p:spPr>
           <a:xfrm>
-            <a:off x="4674240" y="1600200"/>
-            <a:ext cx="4015800" cy="2158560"/>
+            <a:off x="4674240" y="1604520"/>
+            <a:ext cx="4015800" cy="1896840"/>
           </a:xfrm>
           <a:prstGeom prst="rect">
             <a:avLst/>
@@ -5755,8 +5807,8 @@
         </p:nvSpPr>
         <p:spPr>
           <a:xfrm>
-            <a:off x="457200" y="3964320"/>
-            <a:ext cx="8229240" cy="2158560"/>
+            <a:off x="457200" y="3682080"/>
+            <a:ext cx="8229240" cy="1896840"/>
           </a:xfrm>
           <a:prstGeom prst="rect">
             <a:avLst/>
@@ -5811,7 +5863,7 @@
         <p:spPr>
           <a:xfrm>
             <a:off x="457200" y="273600"/>
-            <a:ext cx="8229240" cy="1144800"/>
+            <a:ext cx="8228880" cy="1144800"/>
           </a:xfrm>
           <a:prstGeom prst="rect">
             <a:avLst/>
@@ -5820,7 +5872,6 @@
         <p:txBody>
           <a:bodyPr wrap="none" lIns="0" rIns="0" tIns="0" bIns="0" anchor="ctr"/>
           <a:p>
-            <a:pPr algn="ctr"/>
             <a:r>
               <a:rPr lang="en-IN"/>
               <a:t>Click to edit the title text format</a:t>
@@ -5842,7 +5893,7 @@
         <p:spPr>
           <a:xfrm>
             <a:off x="457200" y="1604520"/>
-            <a:ext cx="8229240" cy="3976920"/>
+            <a:ext cx="8228880" cy="3976560"/>
           </a:xfrm>
           <a:prstGeom prst="rect">
             <a:avLst/>
@@ -6175,7 +6226,7 @@
         <p:spPr>
           <a:xfrm>
             <a:off x="457200" y="273600"/>
-            <a:ext cx="8228880" cy="1144800"/>
+            <a:ext cx="8229240" cy="1144800"/>
           </a:xfrm>
           <a:prstGeom prst="rect">
             <a:avLst/>
@@ -6184,6 +6235,7 @@
         <p:txBody>
           <a:bodyPr wrap="none" lIns="0" rIns="0" tIns="0" bIns="0" anchor="ctr"/>
           <a:p>
+            <a:pPr algn="ctr"/>
             <a:r>
               <a:rPr lang="en-IN"/>
               <a:t>Click to edit the title text format</a:t>
@@ -6205,7 +6257,7 @@
         <p:spPr>
           <a:xfrm>
             <a:off x="457200" y="1604520"/>
-            <a:ext cx="8228880" cy="3976560"/>
+            <a:ext cx="8229240" cy="3976920"/>
           </a:xfrm>
           <a:prstGeom prst="rect">
             <a:avLst/>
@@ -6355,29 +6407,20 @@
         </p:nvSpPr>
         <p:spPr>
           <a:xfrm>
-            <a:off x="685800" y="2130480"/>
-            <a:ext cx="7772040" cy="1469520"/>
-          </a:xfrm>
-          <a:prstGeom prst="rect">
-            <a:avLst/>
-          </a:prstGeom>
-        </p:spPr>
-        <p:txBody>
-          <a:bodyPr anchor="ctr"/>
-          <a:p>
-            <a:pPr algn="ctr">
-              <a:lnSpc>
-                <a:spcPct val="100000"/>
-              </a:lnSpc>
-            </a:pPr>
-            <a:r>
-              <a:rPr lang="en-US" sz="4400">
-                <a:solidFill>
-                  <a:srgbClr val="000000"/>
-                </a:solidFill>
-                <a:latin typeface="Calibri"/>
-              </a:rPr>
-              <a:t>Click to edit the title text formatClick to edit Master title style</a:t>
+            <a:off x="457200" y="273600"/>
+            <a:ext cx="8229240" cy="1144800"/>
+          </a:xfrm>
+          <a:prstGeom prst="rect">
+            <a:avLst/>
+          </a:prstGeom>
+        </p:spPr>
+        <p:txBody>
+          <a:bodyPr wrap="none" lIns="0" rIns="0" tIns="0" bIns="0" anchor="ctr"/>
+          <a:p>
+            <a:pPr algn="ctr"/>
+            <a:r>
+              <a:rPr lang="en-IN"/>
+              <a:t>Click to edit the title text format</a:t>
             </a:r>
             <a:endParaRPr/>
           </a:p>
@@ -6386,112 +6429,6 @@
       <p:sp>
         <p:nvSpPr>
           <p:cNvPr id="109" name="PlaceHolder 2"/>
-          <p:cNvSpPr>
-            <a:spLocks noGrp="1"/>
-          </p:cNvSpPr>
-          <p:nvPr>
-            <p:ph type="dt"/>
-          </p:nvPr>
-        </p:nvSpPr>
-        <p:spPr>
-          <a:xfrm>
-            <a:off x="457200" y="6356520"/>
-            <a:ext cx="2133360" cy="364680"/>
-          </a:xfrm>
-          <a:prstGeom prst="rect">
-            <a:avLst/>
-          </a:prstGeom>
-        </p:spPr>
-        <p:txBody>
-          <a:bodyPr anchor="ctr"/>
-          <a:p>
-            <a:pPr>
-              <a:lnSpc>
-                <a:spcPct val="100000"/>
-              </a:lnSpc>
-            </a:pPr>
-            <a:r>
-              <a:rPr lang="en-IN" sz="1200">
-                <a:solidFill>
-                  <a:srgbClr val="8b8b8b"/>
-                </a:solidFill>
-                <a:latin typeface="Calibri"/>
-              </a:rPr>
-              <a:t>02/10/15</a:t>
-            </a:r>
-            <a:endParaRPr/>
-          </a:p>
-        </p:txBody>
-      </p:sp>
-      <p:sp>
-        <p:nvSpPr>
-          <p:cNvPr id="110" name="PlaceHolder 3"/>
-          <p:cNvSpPr>
-            <a:spLocks noGrp="1"/>
-          </p:cNvSpPr>
-          <p:nvPr>
-            <p:ph type="ftr"/>
-          </p:nvPr>
-        </p:nvSpPr>
-        <p:spPr>
-          <a:xfrm>
-            <a:off x="3124080" y="6356520"/>
-            <a:ext cx="2895120" cy="364680"/>
-          </a:xfrm>
-          <a:prstGeom prst="rect">
-            <a:avLst/>
-          </a:prstGeom>
-        </p:spPr>
-        <p:txBody>
-          <a:bodyPr anchor="ctr"/>
-          <a:p>
-            <a:endParaRPr/>
-          </a:p>
-        </p:txBody>
-      </p:sp>
-      <p:sp>
-        <p:nvSpPr>
-          <p:cNvPr id="111" name="PlaceHolder 4"/>
-          <p:cNvSpPr>
-            <a:spLocks noGrp="1"/>
-          </p:cNvSpPr>
-          <p:nvPr>
-            <p:ph type="sldNum"/>
-          </p:nvPr>
-        </p:nvSpPr>
-        <p:spPr>
-          <a:xfrm>
-            <a:off x="6553080" y="6356520"/>
-            <a:ext cx="2133360" cy="364680"/>
-          </a:xfrm>
-          <a:prstGeom prst="rect">
-            <a:avLst/>
-          </a:prstGeom>
-        </p:spPr>
-        <p:txBody>
-          <a:bodyPr anchor="ctr"/>
-          <a:p>
-            <a:pPr algn="r">
-              <a:lnSpc>
-                <a:spcPct val="100000"/>
-              </a:lnSpc>
-            </a:pPr>
-            <a:fld id="{EBB06037-C7B5-467D-BFDF-DB888934135D}" type="slidenum">
-              <a:rPr lang="en-IN" sz="1200">
-                <a:solidFill>
-                  <a:srgbClr val="8b8b8b"/>
-                </a:solidFill>
-                <a:latin typeface="Calibri"/>
-              </a:rPr>
-              <a:t>&lt;number&gt;</a:t>
-            </a:fld>
-            <a:endParaRPr/>
-          </a:p>
-        </p:txBody>
-      </p:sp>
-      <p:sp>
-        <p:nvSpPr>
-          <p:cNvPr id="112" name="PlaceHolder 5"/>
           <p:cNvSpPr>
             <a:spLocks noGrp="1"/>
           </p:cNvSpPr>
@@ -6517,7 +6454,7 @@
               <a:buChar char=""/>
             </a:pPr>
             <a:r>
-              <a:rPr lang="en-US"/>
+              <a:rPr lang="en-IN"/>
               <a:t>Click to edit the outline text format</a:t>
             </a:r>
             <a:endParaRPr/>
@@ -6529,7 +6466,7 @@
               <a:buChar char=""/>
             </a:pPr>
             <a:r>
-              <a:rPr lang="en-US"/>
+              <a:rPr lang="en-IN"/>
               <a:t>Second Outline Level</a:t>
             </a:r>
             <a:endParaRPr/>
@@ -6541,7 +6478,7 @@
               <a:buChar char=""/>
             </a:pPr>
             <a:r>
-              <a:rPr lang="en-US"/>
+              <a:rPr lang="en-IN"/>
               <a:t>Third Outline Level</a:t>
             </a:r>
             <a:endParaRPr/>
@@ -6553,7 +6490,7 @@
               <a:buChar char=""/>
             </a:pPr>
             <a:r>
-              <a:rPr lang="en-US"/>
+              <a:rPr lang="en-IN"/>
               <a:t>Fourth Outline Level</a:t>
             </a:r>
             <a:endParaRPr/>
@@ -6565,7 +6502,7 @@
               <a:buChar char=""/>
             </a:pPr>
             <a:r>
-              <a:rPr lang="en-US"/>
+              <a:rPr lang="en-IN"/>
               <a:t>Fifth Outline Level</a:t>
             </a:r>
             <a:endParaRPr/>
@@ -6577,7 +6514,7 @@
               <a:buChar char=""/>
             </a:pPr>
             <a:r>
-              <a:rPr lang="en-US"/>
+              <a:rPr lang="en-IN"/>
               <a:t>Sixth Outline Level</a:t>
             </a:r>
             <a:endParaRPr/>
@@ -6589,7 +6526,7 @@
               <a:buChar char=""/>
             </a:pPr>
             <a:r>
-              <a:rPr lang="en-US"/>
+              <a:rPr lang="en-IN"/>
               <a:t>Seventh Outline Level</a:t>
             </a:r>
             <a:endParaRPr/>
@@ -6642,7 +6579,7 @@
       </p:grpSpPr>
       <p:sp>
         <p:nvSpPr>
-          <p:cNvPr id="147" name="PlaceHolder 1"/>
+          <p:cNvPr id="144" name="PlaceHolder 1"/>
           <p:cNvSpPr>
             <a:spLocks noGrp="1"/>
           </p:cNvSpPr>
@@ -6652,37 +6589,28 @@
         </p:nvSpPr>
         <p:spPr>
           <a:xfrm>
-            <a:off x="457200" y="274680"/>
-            <a:ext cx="8229240" cy="1142640"/>
-          </a:xfrm>
-          <a:prstGeom prst="rect">
-            <a:avLst/>
-          </a:prstGeom>
-        </p:spPr>
-        <p:txBody>
-          <a:bodyPr anchor="ctr"/>
-          <a:p>
-            <a:pPr algn="ctr">
-              <a:lnSpc>
-                <a:spcPct val="100000"/>
-              </a:lnSpc>
-            </a:pPr>
-            <a:r>
-              <a:rPr lang="en-US" sz="4400">
-                <a:solidFill>
-                  <a:srgbClr val="000000"/>
-                </a:solidFill>
-                <a:latin typeface="Calibri"/>
-              </a:rPr>
-              <a:t>Click to edit the title text formatClick to edit Master title style</a:t>
-            </a:r>
-            <a:endParaRPr/>
-          </a:p>
-        </p:txBody>
-      </p:sp>
-      <p:sp>
-        <p:nvSpPr>
-          <p:cNvPr id="148" name="PlaceHolder 2"/>
+            <a:off x="457200" y="273600"/>
+            <a:ext cx="8229240" cy="1144800"/>
+          </a:xfrm>
+          <a:prstGeom prst="rect">
+            <a:avLst/>
+          </a:prstGeom>
+        </p:spPr>
+        <p:txBody>
+          <a:bodyPr wrap="none" lIns="0" rIns="0" tIns="0" bIns="0" anchor="ctr"/>
+          <a:p>
+            <a:pPr algn="ctr"/>
+            <a:r>
+              <a:rPr lang="en-IN"/>
+              <a:t>Click to edit the title text format</a:t>
+            </a:r>
+            <a:endParaRPr/>
+          </a:p>
+        </p:txBody>
+      </p:sp>
+      <p:sp>
+        <p:nvSpPr>
+          <p:cNvPr id="145" name="PlaceHolder 2"/>
           <p:cNvSpPr>
             <a:spLocks noGrp="1"/>
           </p:cNvSpPr>
@@ -6692,15 +6620,15 @@
         </p:nvSpPr>
         <p:spPr>
           <a:xfrm>
-            <a:off x="457200" y="1600200"/>
-            <a:ext cx="8229240" cy="4525560"/>
-          </a:xfrm>
-          <a:prstGeom prst="rect">
-            <a:avLst/>
-          </a:prstGeom>
-        </p:spPr>
-        <p:txBody>
-          <a:bodyPr/>
+            <a:off x="457200" y="1604520"/>
+            <a:ext cx="8229240" cy="3976920"/>
+          </a:xfrm>
+          <a:prstGeom prst="rect">
+            <a:avLst/>
+          </a:prstGeom>
+        </p:spPr>
+        <p:txBody>
+          <a:bodyPr wrap="none" lIns="0" rIns="0" tIns="0" bIns="0"/>
           <a:p>
             <a:pPr>
               <a:buSzPct val="25000"/>
@@ -6708,12 +6636,7 @@
               <a:buChar char=""/>
             </a:pPr>
             <a:r>
-              <a:rPr lang="en-US" sz="3200">
-                <a:solidFill>
-                  <a:srgbClr val="000000"/>
-                </a:solidFill>
-                <a:latin typeface="Calibri"/>
-              </a:rPr>
+              <a:rPr lang="en-IN"/>
               <a:t>Click to edit the outline text format</a:t>
             </a:r>
             <a:endParaRPr/>
@@ -6725,12 +6648,7 @@
               <a:buChar char=""/>
             </a:pPr>
             <a:r>
-              <a:rPr lang="en-US" sz="3200">
-                <a:solidFill>
-                  <a:srgbClr val="000000"/>
-                </a:solidFill>
-                <a:latin typeface="Calibri"/>
-              </a:rPr>
+              <a:rPr lang="en-IN"/>
               <a:t>Second Outline Level</a:t>
             </a:r>
             <a:endParaRPr/>
@@ -6742,12 +6660,7 @@
               <a:buChar char=""/>
             </a:pPr>
             <a:r>
-              <a:rPr lang="en-US" sz="3200">
-                <a:solidFill>
-                  <a:srgbClr val="000000"/>
-                </a:solidFill>
-                <a:latin typeface="Calibri"/>
-              </a:rPr>
+              <a:rPr lang="en-IN"/>
               <a:t>Third Outline Level</a:t>
             </a:r>
             <a:endParaRPr/>
@@ -6759,12 +6672,7 @@
               <a:buChar char=""/>
             </a:pPr>
             <a:r>
-              <a:rPr lang="en-US" sz="3200">
-                <a:solidFill>
-                  <a:srgbClr val="000000"/>
-                </a:solidFill>
-                <a:latin typeface="Calibri"/>
-              </a:rPr>
+              <a:rPr lang="en-IN"/>
               <a:t>Fourth Outline Level</a:t>
             </a:r>
             <a:endParaRPr/>
@@ -6776,12 +6684,7 @@
               <a:buChar char=""/>
             </a:pPr>
             <a:r>
-              <a:rPr lang="en-US" sz="3200">
-                <a:solidFill>
-                  <a:srgbClr val="000000"/>
-                </a:solidFill>
-                <a:latin typeface="Calibri"/>
-              </a:rPr>
+              <a:rPr lang="en-IN"/>
               <a:t>Fifth Outline Level</a:t>
             </a:r>
             <a:endParaRPr/>
@@ -6793,215 +6696,21 @@
               <a:buChar char=""/>
             </a:pPr>
             <a:r>
-              <a:rPr lang="en-US" sz="3200">
-                <a:solidFill>
-                  <a:srgbClr val="000000"/>
-                </a:solidFill>
-                <a:latin typeface="Calibri"/>
-              </a:rPr>
+              <a:rPr lang="en-IN"/>
               <a:t>Sixth Outline Level</a:t>
             </a:r>
             <a:endParaRPr/>
           </a:p>
           <a:p>
-            <a:pPr>
-              <a:lnSpc>
-                <a:spcPct val="100000"/>
-              </a:lnSpc>
-              <a:buFont typeface="Arial"/>
-              <a:buChar char="•"/>
-            </a:pPr>
-            <a:r>
-              <a:rPr lang="en-US" sz="3200">
-                <a:solidFill>
-                  <a:srgbClr val="000000"/>
-                </a:solidFill>
-                <a:latin typeface="Calibri"/>
-              </a:rPr>
-              <a:t>Seventh Outline LevelClick to edit Master text styles</a:t>
-            </a:r>
-            <a:endParaRPr/>
-          </a:p>
-          <a:p>
-            <a:pPr lvl="1">
-              <a:lnSpc>
-                <a:spcPct val="100000"/>
-              </a:lnSpc>
-              <a:buFont typeface="Arial"/>
-              <a:buChar char="–"/>
-            </a:pPr>
-            <a:r>
-              <a:rPr lang="en-US" sz="2800">
-                <a:solidFill>
-                  <a:srgbClr val="000000"/>
-                </a:solidFill>
-                <a:latin typeface="Calibri"/>
-              </a:rPr>
-              <a:t>Second level</a:t>
-            </a:r>
-            <a:endParaRPr/>
-          </a:p>
-          <a:p>
-            <a:pPr lvl="2">
-              <a:lnSpc>
-                <a:spcPct val="100000"/>
-              </a:lnSpc>
-              <a:buFont typeface="Arial"/>
-              <a:buChar char="•"/>
-            </a:pPr>
-            <a:r>
-              <a:rPr lang="en-US" sz="2400">
-                <a:solidFill>
-                  <a:srgbClr val="000000"/>
-                </a:solidFill>
-                <a:latin typeface="Calibri"/>
-              </a:rPr>
-              <a:t>Third level</a:t>
-            </a:r>
-            <a:endParaRPr/>
-          </a:p>
-          <a:p>
-            <a:pPr lvl="3">
-              <a:lnSpc>
-                <a:spcPct val="100000"/>
-              </a:lnSpc>
-              <a:buFont typeface="Arial"/>
-              <a:buChar char="–"/>
-            </a:pPr>
-            <a:r>
-              <a:rPr lang="en-US" sz="2000">
-                <a:solidFill>
-                  <a:srgbClr val="000000"/>
-                </a:solidFill>
-                <a:latin typeface="Calibri"/>
-              </a:rPr>
-              <a:t>Fourth level</a:t>
-            </a:r>
-            <a:endParaRPr/>
-          </a:p>
-          <a:p>
-            <a:pPr lvl="4">
-              <a:lnSpc>
-                <a:spcPct val="100000"/>
-              </a:lnSpc>
-              <a:buFont typeface="Arial"/>
-              <a:buChar char="»"/>
-            </a:pPr>
-            <a:r>
-              <a:rPr lang="en-US" sz="2000">
-                <a:solidFill>
-                  <a:srgbClr val="000000"/>
-                </a:solidFill>
-                <a:latin typeface="Calibri"/>
-              </a:rPr>
-              <a:t>Fifth level</a:t>
-            </a:r>
-            <a:endParaRPr/>
-          </a:p>
-        </p:txBody>
-      </p:sp>
-      <p:sp>
-        <p:nvSpPr>
-          <p:cNvPr id="149" name="PlaceHolder 3"/>
-          <p:cNvSpPr>
-            <a:spLocks noGrp="1"/>
-          </p:cNvSpPr>
-          <p:nvPr>
-            <p:ph type="dt"/>
-          </p:nvPr>
-        </p:nvSpPr>
-        <p:spPr>
-          <a:xfrm>
-            <a:off x="457200" y="6356520"/>
-            <a:ext cx="2133360" cy="364680"/>
-          </a:xfrm>
-          <a:prstGeom prst="rect">
-            <a:avLst/>
-          </a:prstGeom>
-        </p:spPr>
-        <p:txBody>
-          <a:bodyPr anchor="ctr"/>
-          <a:p>
-            <a:pPr>
-              <a:lnSpc>
-                <a:spcPct val="100000"/>
-              </a:lnSpc>
-            </a:pPr>
-            <a:r>
-              <a:rPr lang="en-IN" sz="1200">
-                <a:solidFill>
-                  <a:srgbClr val="8b8b8b"/>
-                </a:solidFill>
-                <a:latin typeface="Calibri"/>
-              </a:rPr>
-              <a:t>02/10/15</a:t>
-            </a:r>
-            <a:endParaRPr/>
-          </a:p>
-        </p:txBody>
-      </p:sp>
-      <p:sp>
-        <p:nvSpPr>
-          <p:cNvPr id="150" name="PlaceHolder 4"/>
-          <p:cNvSpPr>
-            <a:spLocks noGrp="1"/>
-          </p:cNvSpPr>
-          <p:nvPr>
-            <p:ph type="ftr"/>
-          </p:nvPr>
-        </p:nvSpPr>
-        <p:spPr>
-          <a:xfrm>
-            <a:off x="3124080" y="6356520"/>
-            <a:ext cx="2895120" cy="364680"/>
-          </a:xfrm>
-          <a:prstGeom prst="rect">
-            <a:avLst/>
-          </a:prstGeom>
-        </p:spPr>
-        <p:txBody>
-          <a:bodyPr anchor="ctr"/>
-          <a:p>
-            <a:endParaRPr/>
-          </a:p>
-        </p:txBody>
-      </p:sp>
-      <p:sp>
-        <p:nvSpPr>
-          <p:cNvPr id="151" name="PlaceHolder 5"/>
-          <p:cNvSpPr>
-            <a:spLocks noGrp="1"/>
-          </p:cNvSpPr>
-          <p:nvPr>
-            <p:ph type="sldNum"/>
-          </p:nvPr>
-        </p:nvSpPr>
-        <p:spPr>
-          <a:xfrm>
-            <a:off x="6553080" y="6356520"/>
-            <a:ext cx="2133360" cy="364680"/>
-          </a:xfrm>
-          <a:prstGeom prst="rect">
-            <a:avLst/>
-          </a:prstGeom>
-        </p:spPr>
-        <p:txBody>
-          <a:bodyPr anchor="ctr"/>
-          <a:p>
-            <a:pPr algn="r">
-              <a:lnSpc>
-                <a:spcPct val="100000"/>
-              </a:lnSpc>
-            </a:pPr>
-            <a:fld id="{3ECF3025-7B48-49A3-B34D-E057B60EA070}" type="slidenum">
-              <a:rPr lang="en-IN" sz="1200">
-                <a:solidFill>
-                  <a:srgbClr val="8b8b8b"/>
-                </a:solidFill>
-                <a:latin typeface="Calibri"/>
-              </a:rPr>
-              <a:t>&lt;number&gt;</a:t>
-            </a:fld>
+            <a:pPr lvl="6">
+              <a:buSzPct val="25000"/>
+              <a:buFont typeface="StarSymbol"/>
+              <a:buChar char=""/>
+            </a:pPr>
+            <a:r>
+              <a:rPr lang="en-IN"/>
+              <a:t>Seventh Outline Level</a:t>
+            </a:r>
             <a:endParaRPr/>
           </a:p>
         </p:txBody>
@@ -7045,34 +6754,45 @@
       </p:grpSpPr>
       <p:sp>
         <p:nvSpPr>
-          <p:cNvPr id="186" name="TextShape 1"/>
-          <p:cNvSpPr txBox="1"/>
+          <p:cNvPr id="180" name="CustomShape 1"/>
+          <p:cNvSpPr/>
           <p:nvPr/>
         </p:nvSpPr>
         <p:spPr>
           <a:xfrm>
             <a:off x="864000" y="258480"/>
-            <a:ext cx="7772040" cy="1469520"/>
-          </a:xfrm>
-          <a:prstGeom prst="rect">
-            <a:avLst/>
-          </a:prstGeom>
-        </p:spPr>
-        <p:txBody>
-          <a:bodyPr anchor="ctr"/>
-          <a:p>
-            <a:pPr algn="ctr"/>
-            <a:r>
-              <a:rPr lang="en-US" sz="3200"/>
+            <a:ext cx="7771320" cy="1468800"/>
+          </a:xfrm>
+          <a:prstGeom prst="rect">
+            <a:avLst/>
+          </a:prstGeom>
+          <a:noFill/>
+          <a:ln>
+            <a:noFill/>
+          </a:ln>
+        </p:spPr>
+        <p:txBody>
+          <a:bodyPr lIns="90000" rIns="90000" tIns="45000" bIns="45000" anchor="ctr"/>
+          <a:p>
+            <a:pPr algn="ctr">
+              <a:lnSpc>
+                <a:spcPct val="100000"/>
+              </a:lnSpc>
+            </a:pPr>
+            <a:r>
+              <a:rPr lang="en-IN" sz="3200"/>
               <a:t>PROJECT PHASE 1</a:t>
             </a:r>
-            <a:r>
-              <a:rPr lang="en-US" sz="3200"/>
-              <a:t>
-</a:t>
-            </a:r>
-            <a:r>
-              <a:rPr lang="en-US" sz="3200"/>
+            <a:endParaRPr/>
+          </a:p>
+          <a:p>
+            <a:pPr algn="ctr">
+              <a:lnSpc>
+                <a:spcPct val="100000"/>
+              </a:lnSpc>
+            </a:pPr>
+            <a:r>
+              <a:rPr lang="en-IN" sz="3200"/>
               <a:t>CO-4441</a:t>
             </a:r>
             <a:endParaRPr/>
@@ -7081,21 +6801,25 @@
       </p:sp>
       <p:sp>
         <p:nvSpPr>
-          <p:cNvPr id="187" name="TextShape 2"/>
-          <p:cNvSpPr txBox="1"/>
+          <p:cNvPr id="181" name="CustomShape 2"/>
+          <p:cNvSpPr/>
           <p:nvPr/>
         </p:nvSpPr>
         <p:spPr>
           <a:xfrm>
             <a:off x="288000" y="4680000"/>
-            <a:ext cx="6400440" cy="2016000"/>
-          </a:xfrm>
-          <a:prstGeom prst="rect">
-            <a:avLst/>
-          </a:prstGeom>
-        </p:spPr>
-        <p:txBody>
-          <a:bodyPr/>
+            <a:ext cx="6399720" cy="2015280"/>
+          </a:xfrm>
+          <a:prstGeom prst="rect">
+            <a:avLst/>
+          </a:prstGeom>
+          <a:noFill/>
+          <a:ln>
+            <a:noFill/>
+          </a:ln>
+        </p:spPr>
+        <p:txBody>
+          <a:bodyPr lIns="90000" rIns="90000" tIns="45000" bIns="45000"/>
           <a:p>
             <a:r>
               <a:rPr lang="en-IN" sz="2400"/>
@@ -7131,21 +6855,25 @@
       </p:sp>
       <p:sp>
         <p:nvSpPr>
-          <p:cNvPr id="188" name="TextShape 3"/>
-          <p:cNvSpPr txBox="1"/>
+          <p:cNvPr id="182" name="CustomShape 3"/>
+          <p:cNvSpPr/>
           <p:nvPr/>
         </p:nvSpPr>
         <p:spPr>
           <a:xfrm>
             <a:off x="5760000" y="4583880"/>
-            <a:ext cx="6400440" cy="1752120"/>
-          </a:xfrm>
-          <a:prstGeom prst="rect">
-            <a:avLst/>
-          </a:prstGeom>
-        </p:spPr>
-        <p:txBody>
-          <a:bodyPr/>
+            <a:ext cx="6399720" cy="1751400"/>
+          </a:xfrm>
+          <a:prstGeom prst="rect">
+            <a:avLst/>
+          </a:prstGeom>
+          <a:noFill/>
+          <a:ln>
+            <a:noFill/>
+          </a:ln>
+        </p:spPr>
+        <p:txBody>
+          <a:bodyPr lIns="90000" rIns="90000" tIns="45000" bIns="45000"/>
           <a:p>
             <a:r>
               <a:rPr lang="en-IN" sz="2400"/>
@@ -7185,23 +6913,31 @@
       </p:sp>
       <p:sp>
         <p:nvSpPr>
-          <p:cNvPr id="189" name="TextShape 4"/>
-          <p:cNvSpPr txBox="1"/>
+          <p:cNvPr id="183" name="CustomShape 4"/>
+          <p:cNvSpPr/>
           <p:nvPr/>
         </p:nvSpPr>
         <p:spPr>
           <a:xfrm>
             <a:off x="1440000" y="2160000"/>
-            <a:ext cx="6400440" cy="1752120"/>
-          </a:xfrm>
-          <a:prstGeom prst="rect">
-            <a:avLst/>
-          </a:prstGeom>
-        </p:spPr>
-        <p:txBody>
-          <a:bodyPr/>
-          <a:p>
-            <a:pPr algn="ctr"/>
+            <a:ext cx="6399720" cy="1751400"/>
+          </a:xfrm>
+          <a:prstGeom prst="rect">
+            <a:avLst/>
+          </a:prstGeom>
+          <a:noFill/>
+          <a:ln>
+            <a:noFill/>
+          </a:ln>
+        </p:spPr>
+        <p:txBody>
+          <a:bodyPr lIns="90000" rIns="90000" tIns="45000" bIns="45000"/>
+          <a:p>
+            <a:pPr algn="ctr">
+              <a:lnSpc>
+                <a:spcPct val="100000"/>
+              </a:lnSpc>
+            </a:pPr>
             <a:r>
               <a:rPr lang="en-IN" sz="4000"/>
               <a:t>Network Mapper</a:t>
@@ -7261,14 +6997,14 @@
       </p:grpSpPr>
       <p:sp>
         <p:nvSpPr>
-          <p:cNvPr id="207" name="CustomShape 1"/>
+          <p:cNvPr id="201" name="CustomShape 1"/>
           <p:cNvSpPr/>
           <p:nvPr/>
         </p:nvSpPr>
         <p:spPr>
           <a:xfrm>
             <a:off x="457200" y="274680"/>
-            <a:ext cx="8228160" cy="1141560"/>
+            <a:ext cx="8227440" cy="1140840"/>
           </a:xfrm>
           <a:prstGeom prst="rect">
             <a:avLst/>
@@ -7301,14 +7037,14 @@
       </p:sp>
       <p:sp>
         <p:nvSpPr>
-          <p:cNvPr id="208" name="CustomShape 2"/>
+          <p:cNvPr id="202" name="CustomShape 2"/>
           <p:cNvSpPr/>
           <p:nvPr/>
         </p:nvSpPr>
         <p:spPr>
           <a:xfrm>
             <a:off x="457200" y="1600200"/>
-            <a:ext cx="8228160" cy="4524480"/>
+            <a:ext cx="8227440" cy="4523760"/>
           </a:xfrm>
           <a:prstGeom prst="rect">
             <a:avLst/>
@@ -7584,14 +7320,14 @@
       </p:grpSpPr>
       <p:sp>
         <p:nvSpPr>
-          <p:cNvPr id="209" name="CustomShape 1"/>
+          <p:cNvPr id="203" name="CustomShape 1"/>
           <p:cNvSpPr/>
           <p:nvPr/>
         </p:nvSpPr>
         <p:spPr>
           <a:xfrm>
             <a:off x="457200" y="274680"/>
-            <a:ext cx="8228160" cy="1141560"/>
+            <a:ext cx="8227440" cy="1140840"/>
           </a:xfrm>
           <a:prstGeom prst="rect">
             <a:avLst/>
@@ -7624,14 +7360,14 @@
       </p:sp>
       <p:sp>
         <p:nvSpPr>
-          <p:cNvPr id="210" name="CustomShape 2"/>
+          <p:cNvPr id="204" name="CustomShape 2"/>
           <p:cNvSpPr/>
           <p:nvPr/>
         </p:nvSpPr>
         <p:spPr>
           <a:xfrm>
             <a:off x="457200" y="1600200"/>
-            <a:ext cx="8228160" cy="4524480"/>
+            <a:ext cx="8227440" cy="4523760"/>
           </a:xfrm>
           <a:prstGeom prst="rect">
             <a:avLst/>
@@ -7685,7 +7421,7 @@
                 </a:solidFill>
                 <a:latin typeface="Calibri"/>
               </a:rPr>
-              <a:t>By combining these paths one can infer router level topology for a given POP.</a:t>
+              <a:t>By combining these paths one can infer router level topology.</a:t>
             </a:r>
             <a:endParaRPr/>
           </a:p>
@@ -7750,14 +7486,14 @@
       </p:grpSpPr>
       <p:sp>
         <p:nvSpPr>
-          <p:cNvPr id="211" name="CustomShape 1"/>
+          <p:cNvPr id="205" name="CustomShape 1"/>
           <p:cNvSpPr/>
           <p:nvPr/>
         </p:nvSpPr>
         <p:spPr>
           <a:xfrm>
             <a:off x="457200" y="274680"/>
-            <a:ext cx="8228160" cy="1141560"/>
+            <a:ext cx="8227440" cy="1140840"/>
           </a:xfrm>
           <a:prstGeom prst="rect">
             <a:avLst/>
@@ -7790,14 +7526,14 @@
       </p:sp>
       <p:sp>
         <p:nvSpPr>
-          <p:cNvPr id="212" name="CustomShape 2"/>
+          <p:cNvPr id="206" name="CustomShape 2"/>
           <p:cNvSpPr/>
           <p:nvPr/>
         </p:nvSpPr>
         <p:spPr>
           <a:xfrm>
             <a:off x="457200" y="1600200"/>
-            <a:ext cx="8228160" cy="4524480"/>
+            <a:ext cx="8227440" cy="4523760"/>
           </a:xfrm>
           <a:prstGeom prst="rect">
             <a:avLst/>
@@ -7927,14 +7663,14 @@
       </p:grpSpPr>
       <p:sp>
         <p:nvSpPr>
-          <p:cNvPr id="213" name="CustomShape 1"/>
+          <p:cNvPr id="207" name="CustomShape 1"/>
           <p:cNvSpPr/>
           <p:nvPr/>
         </p:nvSpPr>
         <p:spPr>
           <a:xfrm>
             <a:off x="457200" y="274680"/>
-            <a:ext cx="8228160" cy="1141560"/>
+            <a:ext cx="8227440" cy="1140840"/>
           </a:xfrm>
           <a:prstGeom prst="rect">
             <a:avLst/>
@@ -7967,14 +7703,14 @@
       </p:sp>
       <p:sp>
         <p:nvSpPr>
-          <p:cNvPr id="214" name="CustomShape 2"/>
+          <p:cNvPr id="208" name="CustomShape 2"/>
           <p:cNvSpPr/>
           <p:nvPr/>
         </p:nvSpPr>
         <p:spPr>
           <a:xfrm>
             <a:off x="457200" y="1600200"/>
-            <a:ext cx="8228160" cy="4524480"/>
+            <a:ext cx="8227440" cy="4523760"/>
           </a:xfrm>
           <a:prstGeom prst="rect">
             <a:avLst/>
@@ -8029,8 +7765,18 @@
                 </a:solidFill>
                 <a:latin typeface="Calibri"/>
               </a:rPr>
-              <a:t> </a:t>
-            </a:r>
+              <a:t>tool.</a:t>
+            </a:r>
+            <a:endParaRPr/>
+          </a:p>
+          <a:p>
+            <a:pPr>
+              <a:lnSpc>
+                <a:spcPct val="100000"/>
+              </a:lnSpc>
+              <a:buFont typeface="Arial"/>
+              <a:buChar char="•"/>
+            </a:pPr>
             <a:r>
               <a:rPr lang="en-IN" sz="2800">
                 <a:solidFill>
@@ -8038,18 +7784,8 @@
                 </a:solidFill>
                 <a:latin typeface="Calibri"/>
               </a:rPr>
-              <a:t>tool.</a:t>
-            </a:r>
-            <a:endParaRPr/>
-          </a:p>
-          <a:p>
-            <a:pPr>
-              <a:lnSpc>
-                <a:spcPct val="100000"/>
-              </a:lnSpc>
-              <a:buFont typeface="Arial"/>
-              <a:buChar char="•"/>
-            </a:pPr>
+              <a:t> </a:t>
+            </a:r>
             <a:r>
               <a:rPr lang="en-IN" sz="2800">
                 <a:solidFill>
@@ -8057,44 +7793,7 @@
                 </a:solidFill>
                 <a:latin typeface="Calibri"/>
               </a:rPr>
-              <a:t> </a:t>
-            </a:r>
-            <a:r>
-              <a:rPr lang="en-IN" sz="2800">
-                <a:solidFill>
-                  <a:srgbClr val="000000"/>
-                </a:solidFill>
-                <a:latin typeface="Calibri"/>
-              </a:rPr>
-              <a:t>Network Admin can add and delete nodes </a:t>
-            </a:r>
-            <a:endParaRPr/>
-          </a:p>
-          <a:p>
-            <a:pPr>
-              <a:lnSpc>
-                <a:spcPct val="100000"/>
-              </a:lnSpc>
-              <a:buFont typeface="Arial"/>
-              <a:buChar char="•"/>
-            </a:pPr>
-            <a:r>
-              <a:rPr lang="en-IN" sz="2800">
-                <a:solidFill>
-                  <a:srgbClr val="000000"/>
-                </a:solidFill>
-                <a:latin typeface="Calibri"/>
-              </a:rPr>
-              <a:t> </a:t>
-            </a:r>
-            <a:r>
-              <a:rPr lang="en-IN" sz="2800">
-                <a:solidFill>
-                  <a:srgbClr val="000000"/>
-                </a:solidFill>
-                <a:latin typeface="Calibri"/>
-              </a:rPr>
-              <a:t>from the network.</a:t>
+              <a:t>Network Admin can add and delete nodes from the network.</a:t>
             </a:r>
             <a:endParaRPr/>
           </a:p>
@@ -8132,7 +7831,7 @@
                 </a:solidFill>
                 <a:latin typeface="Calibri"/>
               </a:rPr>
-              <a:t>   </a:t>
+              <a:t> </a:t>
             </a:r>
             <a:r>
               <a:rPr lang="en-IN" sz="2500">
@@ -8341,14 +8040,14 @@
       </p:grpSpPr>
       <p:sp>
         <p:nvSpPr>
-          <p:cNvPr id="215" name="CustomShape 1"/>
+          <p:cNvPr id="209" name="CustomShape 1"/>
           <p:cNvSpPr/>
           <p:nvPr/>
         </p:nvSpPr>
         <p:spPr>
           <a:xfrm>
             <a:off x="456480" y="504000"/>
-            <a:ext cx="8326800" cy="7969320"/>
+            <a:ext cx="8326080" cy="7968600"/>
           </a:xfrm>
           <a:prstGeom prst="rect">
             <a:avLst/>
@@ -8750,14 +8449,14 @@
       </p:grpSpPr>
       <p:sp>
         <p:nvSpPr>
-          <p:cNvPr id="216" name="CustomShape 1"/>
+          <p:cNvPr id="210" name="CustomShape 1"/>
           <p:cNvSpPr/>
           <p:nvPr/>
         </p:nvSpPr>
         <p:spPr>
           <a:xfrm>
             <a:off x="0" y="70200"/>
-            <a:ext cx="9143280" cy="5473080"/>
+            <a:ext cx="9142560" cy="5472360"/>
           </a:xfrm>
           <a:prstGeom prst="rect">
             <a:avLst/>
@@ -9125,181 +8824,181 @@
       </p:grpSpPr>
       <p:sp>
         <p:nvSpPr>
-          <p:cNvPr id="217" name="TextShape 1"/>
-          <p:cNvSpPr txBox="1"/>
+          <p:cNvPr id="211" name="CustomShape 1"/>
+          <p:cNvSpPr/>
           <p:nvPr/>
         </p:nvSpPr>
         <p:spPr>
           <a:xfrm>
-            <a:off x="457200" y="274680"/>
-            <a:ext cx="8229240" cy="1142640"/>
-          </a:xfrm>
-          <a:prstGeom prst="rect">
-            <a:avLst/>
-          </a:prstGeom>
-        </p:spPr>
-        <p:txBody>
-          <a:bodyPr wrap="none" lIns="0" rIns="0" tIns="0" bIns="0" anchor="ctr"/>
-          <a:p>
-            <a:pPr algn="ctr"/>
-            <a:r>
-              <a:rPr lang="en-US" sz="3200"/>
-              <a:t>Demo Network – with broken links</a:t>
-            </a:r>
-            <a:endParaRPr/>
-          </a:p>
-        </p:txBody>
-      </p:sp>
-      <p:pic>
-        <p:nvPicPr>
-          <p:cNvPr id="218" name="" descr=""/>
-          <p:cNvPicPr/>
-          <p:nvPr/>
-        </p:nvPicPr>
-        <p:blipFill>
-          <a:blip r:embed="rId1"/>
-          <a:stretch>
-            <a:fillRect/>
-          </a:stretch>
-        </p:blipFill>
-        <p:spPr>
-          <a:xfrm>
-            <a:off x="1080000" y="1368000"/>
-            <a:ext cx="7056000" cy="5256000"/>
-          </a:xfrm>
-          <a:prstGeom prst="rect">
-            <a:avLst/>
-          </a:prstGeom>
+            <a:off x="504000" y="360000"/>
+            <a:ext cx="8228880" cy="1142280"/>
+          </a:xfrm>
+          <a:prstGeom prst="rect">
+            <a:avLst/>
+          </a:prstGeom>
+          <a:noFill/>
           <a:ln>
             <a:noFill/>
           </a:ln>
         </p:spPr>
-      </p:pic>
-      <p:pic>
-        <p:nvPicPr>
-          <p:cNvPr id="219" name="" descr=""/>
-          <p:cNvPicPr/>
+        <p:txBody>
+          <a:bodyPr wrap="none" lIns="0" rIns="0" tIns="0" bIns="0" anchor="ctr"/>
+          <a:p>
+            <a:pPr algn="ctr"/>
+            <a:r>
+              <a:rPr b="1" lang="en-IN" sz="3200"/>
+              <a:t>Our Solution</a:t>
+            </a:r>
+            <a:endParaRPr/>
+          </a:p>
+        </p:txBody>
+      </p:sp>
+      <p:sp>
+        <p:nvSpPr>
+          <p:cNvPr id="212" name="CustomShape 2"/>
+          <p:cNvSpPr/>
           <p:nvPr/>
-        </p:nvPicPr>
-        <p:blipFill>
-          <a:blip r:embed="rId2"/>
-          <a:stretch>
-            <a:fillRect/>
-          </a:stretch>
-        </p:blipFill>
-        <p:spPr>
-          <a:xfrm>
-            <a:off x="4781880" y="2736000"/>
-            <a:ext cx="330120" cy="360000"/>
-          </a:xfrm>
-          <a:prstGeom prst="rect">
-            <a:avLst/>
-          </a:prstGeom>
+        </p:nvSpPr>
+        <p:spPr>
+          <a:xfrm>
+            <a:off x="410760" y="2169360"/>
+            <a:ext cx="7796880" cy="3302280"/>
+          </a:xfrm>
+          <a:prstGeom prst="rect">
+            <a:avLst/>
+          </a:prstGeom>
+          <a:noFill/>
           <a:ln>
             <a:noFill/>
           </a:ln>
         </p:spPr>
-      </p:pic>
-      <p:pic>
-        <p:nvPicPr>
-          <p:cNvPr id="220" name="" descr=""/>
-          <p:cNvPicPr/>
+      </p:sp>
+      <p:sp>
+        <p:nvSpPr>
+          <p:cNvPr id="213" name="CustomShape 3"/>
+          <p:cNvSpPr/>
           <p:nvPr/>
-        </p:nvPicPr>
-        <p:blipFill>
-          <a:blip r:embed="rId3"/>
-          <a:stretch>
-            <a:fillRect/>
-          </a:stretch>
-        </p:blipFill>
-        <p:spPr>
-          <a:xfrm>
-            <a:off x="2333880" y="4680000"/>
-            <a:ext cx="330120" cy="360000"/>
-          </a:xfrm>
-          <a:prstGeom prst="rect">
-            <a:avLst/>
-          </a:prstGeom>
+        </p:nvSpPr>
+        <p:spPr>
+          <a:xfrm>
+            <a:off x="457560" y="1600560"/>
+            <a:ext cx="8228880" cy="4525200"/>
+          </a:xfrm>
+          <a:prstGeom prst="rect">
+            <a:avLst/>
+          </a:prstGeom>
+          <a:noFill/>
           <a:ln>
             <a:noFill/>
           </a:ln>
         </p:spPr>
-      </p:pic>
-      <p:pic>
-        <p:nvPicPr>
-          <p:cNvPr id="221" name="" descr=""/>
-          <p:cNvPicPr/>
-          <p:nvPr/>
-        </p:nvPicPr>
-        <p:blipFill>
-          <a:blip r:embed="rId4"/>
-          <a:stretch>
-            <a:fillRect/>
-          </a:stretch>
-        </p:blipFill>
-        <p:spPr>
-          <a:xfrm>
-            <a:off x="3989880" y="4176000"/>
-            <a:ext cx="330120" cy="360000"/>
-          </a:xfrm>
-          <a:prstGeom prst="rect">
-            <a:avLst/>
-          </a:prstGeom>
-          <a:ln>
-            <a:noFill/>
-          </a:ln>
-        </p:spPr>
-      </p:pic>
-      <p:pic>
-        <p:nvPicPr>
-          <p:cNvPr id="222" name="" descr=""/>
-          <p:cNvPicPr/>
-          <p:nvPr/>
-        </p:nvPicPr>
-        <p:blipFill>
-          <a:blip r:embed="rId5"/>
-          <a:stretch>
-            <a:fillRect/>
-          </a:stretch>
-        </p:blipFill>
-        <p:spPr>
-          <a:xfrm>
-            <a:off x="5256000" y="3888000"/>
-            <a:ext cx="330120" cy="360000"/>
-          </a:xfrm>
-          <a:prstGeom prst="rect">
-            <a:avLst/>
-          </a:prstGeom>
-          <a:ln>
-            <a:noFill/>
-          </a:ln>
-        </p:spPr>
-      </p:pic>
-      <p:pic>
-        <p:nvPicPr>
-          <p:cNvPr id="223" name="" descr=""/>
-          <p:cNvPicPr/>
-          <p:nvPr/>
-        </p:nvPicPr>
-        <p:blipFill>
-          <a:blip r:embed="rId6"/>
-          <a:stretch>
-            <a:fillRect/>
-          </a:stretch>
-        </p:blipFill>
-        <p:spPr>
-          <a:xfrm>
-            <a:off x="6581880" y="4680000"/>
-            <a:ext cx="330120" cy="360000"/>
-          </a:xfrm>
-          <a:prstGeom prst="rect">
-            <a:avLst/>
-          </a:prstGeom>
-          <a:ln>
-            <a:noFill/>
-          </a:ln>
-        </p:spPr>
-      </p:pic>
+        <p:txBody>
+          <a:bodyPr lIns="90000" rIns="90000" tIns="45000" bIns="45000"/>
+          <a:p>
+            <a:pPr>
+              <a:lnSpc>
+                <a:spcPct val="100000"/>
+              </a:lnSpc>
+              <a:buFont typeface="Arial"/>
+              <a:buChar char="•"/>
+            </a:pPr>
+            <a:r>
+              <a:rPr lang="en-IN" sz="2800">
+                <a:solidFill>
+                  <a:srgbClr val="000000"/>
+                </a:solidFill>
+                <a:latin typeface="Calibri"/>
+              </a:rPr>
+              <a:t>Create a graph data structure to store the network topology.</a:t>
+            </a:r>
+            <a:endParaRPr/>
+          </a:p>
+          <a:p>
+            <a:pPr>
+              <a:lnSpc>
+                <a:spcPct val="100000"/>
+              </a:lnSpc>
+              <a:buFont typeface="Arial"/>
+              <a:buChar char="•"/>
+            </a:pPr>
+            <a:r>
+              <a:rPr lang="en-IN" sz="2800">
+                <a:solidFill>
+                  <a:srgbClr val="000000"/>
+                </a:solidFill>
+                <a:latin typeface="Calibri"/>
+              </a:rPr>
+              <a:t>Add nodes to the graph.</a:t>
+            </a:r>
+            <a:endParaRPr/>
+          </a:p>
+          <a:p>
+            <a:pPr>
+              <a:lnSpc>
+                <a:spcPct val="100000"/>
+              </a:lnSpc>
+              <a:buFont typeface="Arial"/>
+              <a:buChar char="•"/>
+            </a:pPr>
+            <a:r>
+              <a:rPr lang="en-IN" sz="2800">
+                <a:solidFill>
+                  <a:srgbClr val="000000"/>
+                </a:solidFill>
+                <a:latin typeface="Calibri"/>
+              </a:rPr>
+              <a:t>Use breadth first search technique to traverse the tree.</a:t>
+            </a:r>
+            <a:endParaRPr/>
+          </a:p>
+          <a:p>
+            <a:pPr>
+              <a:lnSpc>
+                <a:spcPct val="100000"/>
+              </a:lnSpc>
+              <a:buFont typeface="Arial"/>
+              <a:buChar char="•"/>
+            </a:pPr>
+            <a:r>
+              <a:rPr lang="en-IN" sz="2800">
+                <a:solidFill>
+                  <a:srgbClr val="000000"/>
+                </a:solidFill>
+                <a:latin typeface="Calibri"/>
+              </a:rPr>
+              <a:t>According to the actual graph data stored, detect the active and broken links.</a:t>
+            </a:r>
+            <a:endParaRPr/>
+          </a:p>
+          <a:p>
+            <a:pPr>
+              <a:lnSpc>
+                <a:spcPct val="100000"/>
+              </a:lnSpc>
+              <a:buFont typeface="Arial"/>
+              <a:buChar char="•"/>
+            </a:pPr>
+            <a:r>
+              <a:rPr lang="en-IN" sz="2800">
+                <a:solidFill>
+                  <a:srgbClr val="000000"/>
+                </a:solidFill>
+                <a:latin typeface="Calibri"/>
+              </a:rPr>
+              <a:t>All the non-leaf nodes are either routers or servers.</a:t>
+            </a:r>
+            <a:endParaRPr/>
+          </a:p>
+          <a:p>
+            <a:pPr>
+              <a:lnSpc>
+                <a:spcPct val="100000"/>
+              </a:lnSpc>
+            </a:pPr>
+            <a:endParaRPr/>
+          </a:p>
+        </p:txBody>
+      </p:sp>
     </p:spTree>
   </p:cSld>
   <p:timing>
@@ -9351,26 +9050,34 @@
       </p:grpSpPr>
       <p:sp>
         <p:nvSpPr>
-          <p:cNvPr id="224" name="TextShape 1"/>
-          <p:cNvSpPr txBox="1"/>
+          <p:cNvPr id="214" name="CustomShape 1"/>
+          <p:cNvSpPr/>
           <p:nvPr/>
         </p:nvSpPr>
         <p:spPr>
           <a:xfrm>
-            <a:off x="457560" y="274680"/>
-            <a:ext cx="8229240" cy="1142640"/>
-          </a:xfrm>
-          <a:prstGeom prst="rect">
-            <a:avLst/>
-          </a:prstGeom>
+            <a:off x="457200" y="274680"/>
+            <a:ext cx="8228520" cy="1141920"/>
+          </a:xfrm>
+          <a:prstGeom prst="rect">
+            <a:avLst/>
+          </a:prstGeom>
+          <a:noFill/>
+          <a:ln>
+            <a:noFill/>
+          </a:ln>
         </p:spPr>
         <p:txBody>
           <a:bodyPr wrap="none" lIns="0" rIns="0" tIns="0" bIns="0" anchor="ctr"/>
           <a:p>
-            <a:pPr algn="ctr"/>
-            <a:r>
-              <a:rPr lang="en-US" sz="3200"/>
-              <a:t>Network mapped by mapper</a:t>
+            <a:pPr algn="ctr">
+              <a:lnSpc>
+                <a:spcPct val="100000"/>
+              </a:lnSpc>
+            </a:pPr>
+            <a:r>
+              <a:rPr lang="en-IN" sz="3200"/>
+              <a:t>Demo Network – with broken links</a:t>
             </a:r>
             <a:endParaRPr/>
           </a:p>
@@ -9378,7 +9085,7 @@
       </p:sp>
       <p:pic>
         <p:nvPicPr>
-          <p:cNvPr id="225" name="" descr=""/>
+          <p:cNvPr id="215" name="" descr=""/>
           <p:cNvPicPr/>
           <p:nvPr/>
         </p:nvPicPr>
@@ -9390,8 +9097,8 @@
         </p:blipFill>
         <p:spPr>
           <a:xfrm>
-            <a:off x="864000" y="1380960"/>
-            <a:ext cx="7403760" cy="5027040"/>
+            <a:off x="1080000" y="1368000"/>
+            <a:ext cx="7055280" cy="5255280"/>
           </a:xfrm>
           <a:prstGeom prst="rect">
             <a:avLst/>
@@ -9403,7 +9110,7 @@
       </p:pic>
       <p:pic>
         <p:nvPicPr>
-          <p:cNvPr id="226" name="" descr=""/>
+          <p:cNvPr id="216" name="" descr=""/>
           <p:cNvPicPr/>
           <p:nvPr/>
         </p:nvPicPr>
@@ -9415,8 +9122,8 @@
         </p:blipFill>
         <p:spPr>
           <a:xfrm>
-            <a:off x="5688000" y="2808000"/>
-            <a:ext cx="330120" cy="360000"/>
+            <a:off x="4781880" y="2736000"/>
+            <a:ext cx="329400" cy="359280"/>
           </a:xfrm>
           <a:prstGeom prst="rect">
             <a:avLst/>
@@ -9428,7 +9135,7 @@
       </p:pic>
       <p:pic>
         <p:nvPicPr>
-          <p:cNvPr id="227" name="" descr=""/>
+          <p:cNvPr id="217" name="" descr=""/>
           <p:cNvPicPr/>
           <p:nvPr/>
         </p:nvPicPr>
@@ -9440,8 +9147,8 @@
         </p:blipFill>
         <p:spPr>
           <a:xfrm>
-            <a:off x="4565880" y="4320000"/>
-            <a:ext cx="330120" cy="360000"/>
+            <a:off x="2333880" y="4680000"/>
+            <a:ext cx="329400" cy="359280"/>
           </a:xfrm>
           <a:prstGeom prst="rect">
             <a:avLst/>
@@ -9453,7 +9160,7 @@
       </p:pic>
       <p:pic>
         <p:nvPicPr>
-          <p:cNvPr id="228" name="" descr=""/>
+          <p:cNvPr id="218" name="" descr=""/>
           <p:cNvPicPr/>
           <p:nvPr/>
         </p:nvPicPr>
@@ -9465,8 +9172,58 @@
         </p:blipFill>
         <p:spPr>
           <a:xfrm>
-            <a:off x="2592000" y="4896000"/>
-            <a:ext cx="330120" cy="360000"/>
+            <a:off x="3989880" y="4176000"/>
+            <a:ext cx="329400" cy="359280"/>
+          </a:xfrm>
+          <a:prstGeom prst="rect">
+            <a:avLst/>
+          </a:prstGeom>
+          <a:ln>
+            <a:noFill/>
+          </a:ln>
+        </p:spPr>
+      </p:pic>
+      <p:pic>
+        <p:nvPicPr>
+          <p:cNvPr id="219" name="" descr=""/>
+          <p:cNvPicPr/>
+          <p:nvPr/>
+        </p:nvPicPr>
+        <p:blipFill>
+          <a:blip r:embed="rId5"/>
+          <a:stretch>
+            <a:fillRect/>
+          </a:stretch>
+        </p:blipFill>
+        <p:spPr>
+          <a:xfrm>
+            <a:off x="5256000" y="3888000"/>
+            <a:ext cx="329400" cy="359280"/>
+          </a:xfrm>
+          <a:prstGeom prst="rect">
+            <a:avLst/>
+          </a:prstGeom>
+          <a:ln>
+            <a:noFill/>
+          </a:ln>
+        </p:spPr>
+      </p:pic>
+      <p:pic>
+        <p:nvPicPr>
+          <p:cNvPr id="220" name="" descr=""/>
+          <p:cNvPicPr/>
+          <p:nvPr/>
+        </p:nvPicPr>
+        <p:blipFill>
+          <a:blip r:embed="rId6"/>
+          <a:stretch>
+            <a:fillRect/>
+          </a:stretch>
+        </p:blipFill>
+        <p:spPr>
+          <a:xfrm>
+            <a:off x="6581880" y="4680000"/>
+            <a:ext cx="329400" cy="359280"/>
           </a:xfrm>
           <a:prstGeom prst="rect">
             <a:avLst/>
@@ -9527,40 +9284,34 @@
       </p:grpSpPr>
       <p:sp>
         <p:nvSpPr>
-          <p:cNvPr id="229" name="TextShape 1"/>
-          <p:cNvSpPr txBox="1"/>
+          <p:cNvPr id="221" name="CustomShape 1"/>
+          <p:cNvSpPr/>
           <p:nvPr/>
         </p:nvSpPr>
         <p:spPr>
           <a:xfrm>
-            <a:off x="504000" y="216000"/>
-            <a:ext cx="8229240" cy="1142640"/>
-          </a:xfrm>
-          <a:prstGeom prst="rect">
-            <a:avLst/>
-          </a:prstGeom>
+            <a:off x="457560" y="274680"/>
+            <a:ext cx="8228520" cy="1141920"/>
+          </a:xfrm>
+          <a:prstGeom prst="rect">
+            <a:avLst/>
+          </a:prstGeom>
+          <a:noFill/>
+          <a:ln>
+            <a:noFill/>
+          </a:ln>
         </p:spPr>
         <p:txBody>
           <a:bodyPr wrap="none" lIns="0" rIns="0" tIns="0" bIns="0" anchor="ctr"/>
           <a:p>
-            <a:pPr algn="ctr"/>
-            <a:r>
-              <a:rPr lang="en-US" sz="2400"/>
-              <a:t>Version Control – Github</a:t>
-            </a:r>
-            <a:r>
-              <a:rPr lang="en-US" sz="2400"/>
-              <a:t>
-</a:t>
-            </a:r>
-            <a:r>
-              <a:rPr lang="en-US" sz="2400"/>
-              <a:t>
-</a:t>
-            </a:r>
-            <a:r>
-              <a:rPr lang="en-US" sz="2200"/>
-              <a:t>https://github.com/sourabh14/network-mapper</a:t>
+            <a:pPr algn="ctr">
+              <a:lnSpc>
+                <a:spcPct val="100000"/>
+              </a:lnSpc>
+            </a:pPr>
+            <a:r>
+              <a:rPr lang="en-IN" sz="3200"/>
+              <a:t>Network mapped by mapper</a:t>
             </a:r>
             <a:endParaRPr/>
           </a:p>
@@ -9568,7 +9319,7 @@
       </p:sp>
       <p:pic>
         <p:nvPicPr>
-          <p:cNvPr id="230" name="" descr=""/>
+          <p:cNvPr id="222" name="" descr=""/>
           <p:cNvPicPr/>
           <p:nvPr/>
         </p:nvPicPr>
@@ -9580,8 +9331,83 @@
         </p:blipFill>
         <p:spPr>
           <a:xfrm>
-            <a:off x="72360" y="1656000"/>
-            <a:ext cx="8783640" cy="4824000"/>
+            <a:off x="864000" y="1380960"/>
+            <a:ext cx="7403040" cy="5026320"/>
+          </a:xfrm>
+          <a:prstGeom prst="rect">
+            <a:avLst/>
+          </a:prstGeom>
+          <a:ln>
+            <a:noFill/>
+          </a:ln>
+        </p:spPr>
+      </p:pic>
+      <p:pic>
+        <p:nvPicPr>
+          <p:cNvPr id="223" name="" descr=""/>
+          <p:cNvPicPr/>
+          <p:nvPr/>
+        </p:nvPicPr>
+        <p:blipFill>
+          <a:blip r:embed="rId2"/>
+          <a:stretch>
+            <a:fillRect/>
+          </a:stretch>
+        </p:blipFill>
+        <p:spPr>
+          <a:xfrm>
+            <a:off x="5688000" y="2808000"/>
+            <a:ext cx="329400" cy="359280"/>
+          </a:xfrm>
+          <a:prstGeom prst="rect">
+            <a:avLst/>
+          </a:prstGeom>
+          <a:ln>
+            <a:noFill/>
+          </a:ln>
+        </p:spPr>
+      </p:pic>
+      <p:pic>
+        <p:nvPicPr>
+          <p:cNvPr id="224" name="" descr=""/>
+          <p:cNvPicPr/>
+          <p:nvPr/>
+        </p:nvPicPr>
+        <p:blipFill>
+          <a:blip r:embed="rId3"/>
+          <a:stretch>
+            <a:fillRect/>
+          </a:stretch>
+        </p:blipFill>
+        <p:spPr>
+          <a:xfrm>
+            <a:off x="4565880" y="4320000"/>
+            <a:ext cx="329400" cy="359280"/>
+          </a:xfrm>
+          <a:prstGeom prst="rect">
+            <a:avLst/>
+          </a:prstGeom>
+          <a:ln>
+            <a:noFill/>
+          </a:ln>
+        </p:spPr>
+      </p:pic>
+      <p:pic>
+        <p:nvPicPr>
+          <p:cNvPr id="225" name="" descr=""/>
+          <p:cNvPicPr/>
+          <p:nvPr/>
+        </p:nvPicPr>
+        <p:blipFill>
+          <a:blip r:embed="rId4"/>
+          <a:stretch>
+            <a:fillRect/>
+          </a:stretch>
+        </p:blipFill>
+        <p:spPr>
+          <a:xfrm>
+            <a:off x="2592000" y="4896000"/>
+            <a:ext cx="329400" cy="359280"/>
           </a:xfrm>
           <a:prstGeom prst="rect">
             <a:avLst/>
@@ -9640,28 +9466,57 @@
           <a:chExt cx="0" cy="0"/>
         </a:xfrm>
       </p:grpSpPr>
-      <p:sp>
-        <p:nvSpPr>
-          <p:cNvPr id="231" name="TextShape 1"/>
+      <p:pic>
+        <p:nvPicPr>
+          <p:cNvPr id="226" name="" descr=""/>
+          <p:cNvPicPr/>
+          <p:nvPr/>
+        </p:nvPicPr>
+        <p:blipFill>
+          <a:blip r:embed="rId1"/>
+          <a:stretch>
+            <a:fillRect/>
+          </a:stretch>
+        </p:blipFill>
+        <p:spPr>
+          <a:xfrm>
+            <a:off x="500760" y="1193760"/>
+            <a:ext cx="8402040" cy="5219640"/>
+          </a:xfrm>
+          <a:prstGeom prst="rect">
+            <a:avLst/>
+          </a:prstGeom>
+          <a:ln>
+            <a:noFill/>
+          </a:ln>
+        </p:spPr>
+      </p:pic>
+      <p:sp>
+        <p:nvSpPr>
+          <p:cNvPr id="227" name="TextShape 1"/>
           <p:cNvSpPr txBox="1"/>
           <p:nvPr/>
         </p:nvSpPr>
         <p:spPr>
           <a:xfrm>
-            <a:off x="504000" y="2745360"/>
-            <a:ext cx="8229240" cy="1142640"/>
-          </a:xfrm>
-          <a:prstGeom prst="rect">
-            <a:avLst/>
-          </a:prstGeom>
-        </p:spPr>
-        <p:txBody>
-          <a:bodyPr wrap="none" lIns="0" rIns="0" tIns="0" bIns="0" anchor="ctr"/>
-          <a:p>
-            <a:pPr algn="ctr"/>
-            <a:r>
-              <a:rPr lang="en-US" sz="3200"/>
-              <a:t>Thank You</a:t>
+            <a:off x="2159280" y="361800"/>
+            <a:ext cx="5435280" cy="546480"/>
+          </a:xfrm>
+          <a:prstGeom prst="rect">
+            <a:avLst/>
+          </a:prstGeom>
+        </p:spPr>
+        <p:txBody>
+          <a:bodyPr wrap="none" lIns="90000" rIns="90000" tIns="45000" bIns="45000"/>
+          <a:p>
+            <a:pPr algn="ctr">
+              <a:lnSpc>
+                <a:spcPct val="100000"/>
+              </a:lnSpc>
+            </a:pPr>
+            <a:r>
+              <a:rPr lang="en-IN" sz="3200"/>
+              <a:t>Architecture diagram</a:t>
             </a:r>
             <a:endParaRPr/>
           </a:p>
@@ -9718,25 +9573,33 @@
       </p:grpSpPr>
       <p:sp>
         <p:nvSpPr>
-          <p:cNvPr id="190" name="TextShape 1"/>
-          <p:cNvSpPr txBox="1"/>
+          <p:cNvPr id="184" name="CustomShape 1"/>
+          <p:cNvSpPr/>
           <p:nvPr/>
         </p:nvSpPr>
         <p:spPr>
           <a:xfrm>
             <a:off x="864000" y="-144000"/>
-            <a:ext cx="7772040" cy="1469520"/>
-          </a:xfrm>
-          <a:prstGeom prst="rect">
-            <a:avLst/>
-          </a:prstGeom>
+            <a:ext cx="7771320" cy="1468800"/>
+          </a:xfrm>
+          <a:prstGeom prst="rect">
+            <a:avLst/>
+          </a:prstGeom>
+          <a:noFill/>
+          <a:ln>
+            <a:noFill/>
+          </a:ln>
         </p:spPr>
         <p:txBody>
           <a:bodyPr wrap="none" lIns="0" rIns="0" tIns="0" bIns="0" anchor="ctr"/>
           <a:p>
-            <a:pPr algn="ctr"/>
-            <a:r>
-              <a:rPr lang="en-US" sz="2400" u="sng"/>
+            <a:pPr algn="ctr">
+              <a:lnSpc>
+                <a:spcPct val="100000"/>
+              </a:lnSpc>
+            </a:pPr>
+            <a:r>
+              <a:rPr lang="en-IN" sz="2800" u="sng"/>
               <a:t>Contents</a:t>
             </a:r>
             <a:endParaRPr/>
@@ -9745,21 +9608,25 @@
       </p:sp>
       <p:sp>
         <p:nvSpPr>
-          <p:cNvPr id="191" name="TextShape 2"/>
-          <p:cNvSpPr txBox="1"/>
+          <p:cNvPr id="185" name="CustomShape 2"/>
+          <p:cNvSpPr/>
           <p:nvPr/>
         </p:nvSpPr>
         <p:spPr>
           <a:xfrm>
             <a:off x="432000" y="792000"/>
-            <a:ext cx="8589240" cy="5544000"/>
-          </a:xfrm>
-          <a:prstGeom prst="rect">
-            <a:avLst/>
-          </a:prstGeom>
-        </p:spPr>
-        <p:txBody>
-          <a:bodyPr/>
+            <a:ext cx="8588520" cy="5543280"/>
+          </a:xfrm>
+          <a:prstGeom prst="rect">
+            <a:avLst/>
+          </a:prstGeom>
+          <a:noFill/>
+          <a:ln>
+            <a:noFill/>
+          </a:ln>
+        </p:spPr>
+        <p:txBody>
+          <a:bodyPr lIns="90000" rIns="90000" tIns="45000" bIns="45000"/>
           <a:p>
             <a:pPr>
               <a:lnSpc>
@@ -9769,7 +9636,7 @@
               <a:buChar char="•"/>
             </a:pPr>
             <a:r>
-              <a:rPr lang="en-US" sz="1600">
+              <a:rPr lang="en-IN" sz="2200">
                 <a:solidFill>
                   <a:srgbClr val="000000"/>
                 </a:solidFill>
@@ -9781,12 +9648,15 @@
           </a:p>
           <a:p>
             <a:pPr lvl="1">
+              <a:lnSpc>
+                <a:spcPct val="100000"/>
+              </a:lnSpc>
               <a:buSzPct val="25000"/>
               <a:buFont typeface="StarSymbol"/>
-              <a:buChar char=""/>
-            </a:pPr>
-            <a:r>
-              <a:rPr lang="en-US" sz="1600">
+              <a:buChar char="l"/>
+            </a:pPr>
+            <a:r>
+              <a:rPr lang="en-IN" sz="2200">
                 <a:solidFill>
                   <a:srgbClr val="000000"/>
                 </a:solidFill>
@@ -9798,12 +9668,15 @@
           </a:p>
           <a:p>
             <a:pPr lvl="1">
+              <a:lnSpc>
+                <a:spcPct val="100000"/>
+              </a:lnSpc>
               <a:buSzPct val="25000"/>
               <a:buFont typeface="StarSymbol"/>
-              <a:buChar char=""/>
-            </a:pPr>
-            <a:r>
-              <a:rPr lang="en-US" sz="1600">
+              <a:buChar char="l"/>
+            </a:pPr>
+            <a:r>
+              <a:rPr lang="en-IN" sz="2200">
                 <a:solidFill>
                   <a:srgbClr val="000000"/>
                 </a:solidFill>
@@ -9815,12 +9688,15 @@
           </a:p>
           <a:p>
             <a:pPr lvl="1">
+              <a:lnSpc>
+                <a:spcPct val="100000"/>
+              </a:lnSpc>
               <a:buSzPct val="25000"/>
               <a:buFont typeface="StarSymbol"/>
-              <a:buChar char=""/>
-            </a:pPr>
-            <a:r>
-              <a:rPr lang="en-US" sz="1600">
+              <a:buChar char="l"/>
+            </a:pPr>
+            <a:r>
+              <a:rPr lang="en-IN" sz="2200">
                 <a:solidFill>
                   <a:srgbClr val="000000"/>
                 </a:solidFill>
@@ -9832,12 +9708,15 @@
           </a:p>
           <a:p>
             <a:pPr lvl="1">
+              <a:lnSpc>
+                <a:spcPct val="100000"/>
+              </a:lnSpc>
               <a:buSzPct val="25000"/>
               <a:buFont typeface="StarSymbol"/>
-              <a:buChar char=""/>
-            </a:pPr>
-            <a:r>
-              <a:rPr lang="en-US" sz="1600">
+              <a:buChar char="l"/>
+            </a:pPr>
+            <a:r>
+              <a:rPr lang="en-IN" sz="2200">
                 <a:solidFill>
                   <a:srgbClr val="000000"/>
                 </a:solidFill>
@@ -9849,12 +9728,15 @@
           </a:p>
           <a:p>
             <a:pPr lvl="1">
+              <a:lnSpc>
+                <a:spcPct val="100000"/>
+              </a:lnSpc>
               <a:buSzPct val="25000"/>
               <a:buFont typeface="StarSymbol"/>
-              <a:buChar char=""/>
-            </a:pPr>
-            <a:r>
-              <a:rPr lang="en-US" sz="1600">
+              <a:buChar char="l"/>
+            </a:pPr>
+            <a:r>
+              <a:rPr lang="en-IN" sz="2200">
                 <a:solidFill>
                   <a:srgbClr val="000000"/>
                 </a:solidFill>
@@ -9873,7 +9755,7 @@
               <a:buChar char="•"/>
             </a:pPr>
             <a:r>
-              <a:rPr lang="en-US" sz="1600">
+              <a:rPr lang="en-IN" sz="2200">
                 <a:solidFill>
                   <a:srgbClr val="000000"/>
                 </a:solidFill>
@@ -9892,7 +9774,7 @@
               <a:buChar char="•"/>
             </a:pPr>
             <a:r>
-              <a:rPr lang="en-US" sz="1600">
+              <a:rPr lang="en-IN" sz="2200">
                 <a:solidFill>
                   <a:srgbClr val="000000"/>
                 </a:solidFill>
@@ -9904,12 +9786,15 @@
           </a:p>
           <a:p>
             <a:pPr lvl="1">
+              <a:lnSpc>
+                <a:spcPct val="100000"/>
+              </a:lnSpc>
               <a:buSzPct val="25000"/>
               <a:buFont typeface="StarSymbol"/>
-              <a:buChar char=""/>
-            </a:pPr>
-            <a:r>
-              <a:rPr lang="en-US" sz="1600">
+              <a:buChar char="l"/>
+            </a:pPr>
+            <a:r>
+              <a:rPr lang="en-IN" sz="2200">
                 <a:solidFill>
                   <a:srgbClr val="000000"/>
                 </a:solidFill>
@@ -9921,12 +9806,15 @@
           </a:p>
           <a:p>
             <a:pPr lvl="1">
+              <a:lnSpc>
+                <a:spcPct val="100000"/>
+              </a:lnSpc>
               <a:buSzPct val="25000"/>
               <a:buFont typeface="StarSymbol"/>
-              <a:buChar char=""/>
-            </a:pPr>
-            <a:r>
-              <a:rPr lang="en-US" sz="1600">
+              <a:buChar char="l"/>
+            </a:pPr>
+            <a:r>
+              <a:rPr lang="en-IN" sz="2200">
                 <a:solidFill>
                   <a:srgbClr val="000000"/>
                 </a:solidFill>
@@ -9945,7 +9833,7 @@
               <a:buChar char="•"/>
             </a:pPr>
             <a:r>
-              <a:rPr lang="en-US" sz="1600">
+              <a:rPr lang="en-IN" sz="2200">
                 <a:solidFill>
                   <a:srgbClr val="000000"/>
                 </a:solidFill>
@@ -9957,12 +9845,15 @@
           </a:p>
           <a:p>
             <a:pPr lvl="1">
+              <a:lnSpc>
+                <a:spcPct val="100000"/>
+              </a:lnSpc>
               <a:buSzPct val="25000"/>
               <a:buFont typeface="StarSymbol"/>
-              <a:buChar char=""/>
-            </a:pPr>
-            <a:r>
-              <a:rPr lang="en-US" sz="1600">
+              <a:buChar char="l"/>
+            </a:pPr>
+            <a:r>
+              <a:rPr lang="en-IN" sz="2200">
                 <a:solidFill>
                   <a:srgbClr val="000000"/>
                 </a:solidFill>
@@ -9974,12 +9865,15 @@
           </a:p>
           <a:p>
             <a:pPr lvl="1">
+              <a:lnSpc>
+                <a:spcPct val="100000"/>
+              </a:lnSpc>
               <a:buSzPct val="25000"/>
               <a:buFont typeface="StarSymbol"/>
-              <a:buChar char=""/>
-            </a:pPr>
-            <a:r>
-              <a:rPr lang="en-US" sz="1600">
+              <a:buChar char="l"/>
+            </a:pPr>
+            <a:r>
+              <a:rPr lang="en-IN" sz="2200">
                 <a:solidFill>
                   <a:srgbClr val="000000"/>
                 </a:solidFill>
@@ -9998,7 +9892,7 @@
               <a:buChar char="•"/>
             </a:pPr>
             <a:r>
-              <a:rPr lang="en-US" sz="1600">
+              <a:rPr lang="en-IN" sz="2200">
                 <a:solidFill>
                   <a:srgbClr val="000000"/>
                 </a:solidFill>
@@ -10017,7 +9911,7 @@
               <a:buChar char="•"/>
             </a:pPr>
             <a:r>
-              <a:rPr lang="en-US" sz="1600">
+              <a:rPr lang="en-IN" sz="2200">
                 <a:solidFill>
                   <a:srgbClr val="000000"/>
                 </a:solidFill>
@@ -10036,7 +9930,7 @@
               <a:buChar char="•"/>
             </a:pPr>
             <a:r>
-              <a:rPr lang="en-US" sz="1600">
+              <a:rPr lang="en-IN" sz="2200">
                 <a:solidFill>
                   <a:srgbClr val="000000"/>
                 </a:solidFill>
@@ -10065,6 +9959,219 @@
           <p:childTnLst>
             <p:seq>
               <p:cTn id="4" nodeType="mainSeq"/>
+              <p:prevCondLst>
+                <p:cond delay="0" evt="onPrev">
+                  <p:tgtEl>
+                    <p:sldTgt/>
+                  </p:tgtEl>
+                </p:cond>
+              </p:prevCondLst>
+              <p:nextCondLst>
+                <p:cond delay="0" evt="onNext">
+                  <p:tgtEl>
+                    <p:sldTgt/>
+                  </p:tgtEl>
+                </p:cond>
+              </p:nextCondLst>
+            </p:seq>
+          </p:childTnLst>
+        </p:cTn>
+      </p:par>
+    </p:tnLst>
+  </p:timing>
+</p:sld>
+</file>
+
+<file path=ppt/slides/slide20.xml><?xml version="1.0" encoding="utf-8"?>
+<p:sld xmlns:a="http://schemas.openxmlformats.org/drawingml/2006/main" xmlns:p="http://schemas.openxmlformats.org/presentationml/2006/main" xmlns:r="http://schemas.openxmlformats.org/officeDocument/2006/relationships">
+  <p:cSld>
+    <p:spTree>
+      <p:nvGrpSpPr>
+        <p:cNvPr id="1" name=""/>
+        <p:cNvGrpSpPr/>
+        <p:nvPr/>
+      </p:nvGrpSpPr>
+      <p:grpSpPr>
+        <a:xfrm>
+          <a:off x="0" y="0"/>
+          <a:ext cx="0" cy="0"/>
+          <a:chOff x="0" y="0"/>
+          <a:chExt cx="0" cy="0"/>
+        </a:xfrm>
+      </p:grpSpPr>
+      <p:sp>
+        <p:nvSpPr>
+          <p:cNvPr id="228" name="CustomShape 1"/>
+          <p:cNvSpPr/>
+          <p:nvPr/>
+        </p:nvSpPr>
+        <p:spPr>
+          <a:xfrm>
+            <a:off x="432000" y="216000"/>
+            <a:ext cx="8228520" cy="1141920"/>
+          </a:xfrm>
+          <a:prstGeom prst="rect">
+            <a:avLst/>
+          </a:prstGeom>
+          <a:noFill/>
+          <a:ln>
+            <a:noFill/>
+          </a:ln>
+        </p:spPr>
+        <p:txBody>
+          <a:bodyPr wrap="none" lIns="0" rIns="0" tIns="0" bIns="0" anchor="ctr"/>
+          <a:p>
+            <a:pPr algn="ctr">
+              <a:lnSpc>
+                <a:spcPct val="100000"/>
+              </a:lnSpc>
+            </a:pPr>
+            <a:r>
+              <a:rPr lang="en-IN" sz="2400"/>
+              <a:t>Version Control – Github</a:t>
+            </a:r>
+            <a:endParaRPr/>
+          </a:p>
+          <a:p>
+            <a:pPr algn="ctr">
+              <a:lnSpc>
+                <a:spcPct val="100000"/>
+              </a:lnSpc>
+            </a:pPr>
+            <a:endParaRPr/>
+          </a:p>
+          <a:p>
+            <a:pPr algn="ctr">
+              <a:lnSpc>
+                <a:spcPct val="100000"/>
+              </a:lnSpc>
+            </a:pPr>
+            <a:r>
+              <a:rPr lang="en-IN" sz="2200"/>
+              <a:t>https://github.com/sourabh14/network-mapper</a:t>
+            </a:r>
+            <a:endParaRPr/>
+          </a:p>
+        </p:txBody>
+      </p:sp>
+      <p:pic>
+        <p:nvPicPr>
+          <p:cNvPr id="229" name="" descr=""/>
+          <p:cNvPicPr/>
+          <p:nvPr/>
+        </p:nvPicPr>
+        <p:blipFill>
+          <a:blip r:embed="rId1"/>
+          <a:stretch>
+            <a:fillRect/>
+          </a:stretch>
+        </p:blipFill>
+        <p:spPr>
+          <a:xfrm>
+            <a:off x="72360" y="1656000"/>
+            <a:ext cx="8782920" cy="4823280"/>
+          </a:xfrm>
+          <a:prstGeom prst="rect">
+            <a:avLst/>
+          </a:prstGeom>
+          <a:ln>
+            <a:noFill/>
+          </a:ln>
+        </p:spPr>
+      </p:pic>
+    </p:spTree>
+  </p:cSld>
+  <p:timing>
+    <p:tnLst>
+      <p:par>
+        <p:cTn id="39" dur="indefinite" restart="never" nodeType="tmRoot">
+          <p:childTnLst>
+            <p:seq>
+              <p:cTn id="40" nodeType="mainSeq"/>
+              <p:prevCondLst>
+                <p:cond delay="0" evt="onPrev">
+                  <p:tgtEl>
+                    <p:sldTgt/>
+                  </p:tgtEl>
+                </p:cond>
+              </p:prevCondLst>
+              <p:nextCondLst>
+                <p:cond delay="0" evt="onNext">
+                  <p:tgtEl>
+                    <p:sldTgt/>
+                  </p:tgtEl>
+                </p:cond>
+              </p:nextCondLst>
+            </p:seq>
+          </p:childTnLst>
+        </p:cTn>
+      </p:par>
+    </p:tnLst>
+  </p:timing>
+</p:sld>
+</file>
+
+<file path=ppt/slides/slide21.xml><?xml version="1.0" encoding="utf-8"?>
+<p:sld xmlns:a="http://schemas.openxmlformats.org/drawingml/2006/main" xmlns:p="http://schemas.openxmlformats.org/presentationml/2006/main" xmlns:r="http://schemas.openxmlformats.org/officeDocument/2006/relationships">
+  <p:cSld>
+    <p:spTree>
+      <p:nvGrpSpPr>
+        <p:cNvPr id="1" name=""/>
+        <p:cNvGrpSpPr/>
+        <p:nvPr/>
+      </p:nvGrpSpPr>
+      <p:grpSpPr>
+        <a:xfrm>
+          <a:off x="0" y="0"/>
+          <a:ext cx="0" cy="0"/>
+          <a:chOff x="0" y="0"/>
+          <a:chExt cx="0" cy="0"/>
+        </a:xfrm>
+      </p:grpSpPr>
+      <p:sp>
+        <p:nvSpPr>
+          <p:cNvPr id="230" name="CustomShape 1"/>
+          <p:cNvSpPr/>
+          <p:nvPr/>
+        </p:nvSpPr>
+        <p:spPr>
+          <a:xfrm>
+            <a:off x="504000" y="2745360"/>
+            <a:ext cx="8228520" cy="1141920"/>
+          </a:xfrm>
+          <a:prstGeom prst="rect">
+            <a:avLst/>
+          </a:prstGeom>
+          <a:noFill/>
+          <a:ln>
+            <a:noFill/>
+          </a:ln>
+        </p:spPr>
+        <p:txBody>
+          <a:bodyPr wrap="none" lIns="0" rIns="0" tIns="0" bIns="0" anchor="ctr"/>
+          <a:p>
+            <a:pPr algn="ctr">
+              <a:lnSpc>
+                <a:spcPct val="100000"/>
+              </a:lnSpc>
+            </a:pPr>
+            <a:r>
+              <a:rPr lang="en-IN" sz="3200"/>
+              <a:t>Thank You</a:t>
+            </a:r>
+            <a:endParaRPr/>
+          </a:p>
+        </p:txBody>
+      </p:sp>
+    </p:spTree>
+  </p:cSld>
+  <p:timing>
+    <p:tnLst>
+      <p:par>
+        <p:cTn id="41" dur="indefinite" restart="never" nodeType="tmRoot">
+          <p:childTnLst>
+            <p:seq>
+              <p:cTn id="42" nodeType="mainSeq"/>
               <p:prevCondLst>
                 <p:cond delay="0" evt="onPrev">
                   <p:tgtEl>
@@ -10107,14 +10214,14 @@
       </p:grpSpPr>
       <p:sp>
         <p:nvSpPr>
-          <p:cNvPr id="192" name="CustomShape 1"/>
+          <p:cNvPr id="186" name="CustomShape 1"/>
           <p:cNvSpPr/>
           <p:nvPr/>
         </p:nvSpPr>
         <p:spPr>
           <a:xfrm>
             <a:off x="457200" y="274680"/>
-            <a:ext cx="8228160" cy="1141560"/>
+            <a:ext cx="8227440" cy="1140840"/>
           </a:xfrm>
           <a:prstGeom prst="rect">
             <a:avLst/>
@@ -10147,14 +10254,14 @@
       </p:sp>
       <p:sp>
         <p:nvSpPr>
-          <p:cNvPr id="193" name="CustomShape 2"/>
+          <p:cNvPr id="187" name="CustomShape 2"/>
           <p:cNvSpPr/>
           <p:nvPr/>
         </p:nvSpPr>
         <p:spPr>
           <a:xfrm>
             <a:off x="457200" y="1600200"/>
-            <a:ext cx="8228160" cy="4524480"/>
+            <a:ext cx="8227440" cy="4523760"/>
           </a:xfrm>
           <a:prstGeom prst="rect">
             <a:avLst/>
@@ -10189,7 +10296,7 @@
       </p:sp>
       <p:pic>
         <p:nvPicPr>
-          <p:cNvPr id="194" name="Picture 3" descr=""/>
+          <p:cNvPr id="188" name="Picture 3" descr=""/>
           <p:cNvPicPr/>
           <p:nvPr/>
         </p:nvPicPr>
@@ -10202,7 +10309,7 @@
         <p:spPr>
           <a:xfrm>
             <a:off x="1371600" y="3657600"/>
-            <a:ext cx="5379840" cy="2970360"/>
+            <a:ext cx="5379120" cy="2969640"/>
           </a:xfrm>
           <a:prstGeom prst="rect">
             <a:avLst/>
@@ -10263,14 +10370,14 @@
       </p:grpSpPr>
       <p:sp>
         <p:nvSpPr>
-          <p:cNvPr id="195" name="CustomShape 1"/>
+          <p:cNvPr id="189" name="CustomShape 1"/>
           <p:cNvSpPr/>
           <p:nvPr/>
         </p:nvSpPr>
         <p:spPr>
           <a:xfrm>
             <a:off x="457200" y="274680"/>
-            <a:ext cx="8228160" cy="1141560"/>
+            <a:ext cx="8227440" cy="1140840"/>
           </a:xfrm>
           <a:prstGeom prst="rect">
             <a:avLst/>
@@ -10303,14 +10410,14 @@
       </p:sp>
       <p:sp>
         <p:nvSpPr>
-          <p:cNvPr id="196" name="CustomShape 2"/>
+          <p:cNvPr id="190" name="CustomShape 2"/>
           <p:cNvSpPr/>
           <p:nvPr/>
         </p:nvSpPr>
         <p:spPr>
           <a:xfrm>
             <a:off x="457200" y="1600200"/>
-            <a:ext cx="8228160" cy="4524480"/>
+            <a:ext cx="8227440" cy="4523760"/>
           </a:xfrm>
           <a:prstGeom prst="rect">
             <a:avLst/>
@@ -10413,14 +10520,14 @@
       </p:grpSpPr>
       <p:sp>
         <p:nvSpPr>
-          <p:cNvPr id="197" name="CustomShape 1"/>
+          <p:cNvPr id="191" name="CustomShape 1"/>
           <p:cNvSpPr/>
           <p:nvPr/>
         </p:nvSpPr>
         <p:spPr>
           <a:xfrm>
             <a:off x="457200" y="274680"/>
-            <a:ext cx="8228160" cy="1141560"/>
+            <a:ext cx="8227440" cy="1140840"/>
           </a:xfrm>
           <a:prstGeom prst="rect">
             <a:avLst/>
@@ -10453,14 +10560,14 @@
       </p:sp>
       <p:sp>
         <p:nvSpPr>
-          <p:cNvPr id="198" name="CustomShape 2"/>
+          <p:cNvPr id="192" name="CustomShape 2"/>
           <p:cNvSpPr/>
           <p:nvPr/>
         </p:nvSpPr>
         <p:spPr>
           <a:xfrm>
             <a:off x="457200" y="1600200"/>
-            <a:ext cx="8228160" cy="4524480"/>
+            <a:ext cx="8227440" cy="4523760"/>
           </a:xfrm>
           <a:prstGeom prst="rect">
             <a:avLst/>
@@ -10609,14 +10716,14 @@
       </p:grpSpPr>
       <p:sp>
         <p:nvSpPr>
-          <p:cNvPr id="199" name="CustomShape 1"/>
+          <p:cNvPr id="193" name="CustomShape 1"/>
           <p:cNvSpPr/>
           <p:nvPr/>
         </p:nvSpPr>
         <p:spPr>
           <a:xfrm>
             <a:off x="457200" y="274680"/>
-            <a:ext cx="8228160" cy="1141560"/>
+            <a:ext cx="8227440" cy="1140840"/>
           </a:xfrm>
           <a:prstGeom prst="rect">
             <a:avLst/>
@@ -10649,14 +10756,14 @@
       </p:sp>
       <p:sp>
         <p:nvSpPr>
-          <p:cNvPr id="200" name="CustomShape 2"/>
+          <p:cNvPr id="194" name="CustomShape 2"/>
           <p:cNvSpPr/>
           <p:nvPr/>
         </p:nvSpPr>
         <p:spPr>
           <a:xfrm>
             <a:off x="457200" y="1600200"/>
-            <a:ext cx="8228160" cy="4524480"/>
+            <a:ext cx="8227440" cy="4523760"/>
           </a:xfrm>
           <a:prstGeom prst="rect">
             <a:avLst/>
@@ -10848,14 +10955,14 @@
       </p:grpSpPr>
       <p:sp>
         <p:nvSpPr>
-          <p:cNvPr id="201" name="CustomShape 1"/>
+          <p:cNvPr id="195" name="CustomShape 1"/>
           <p:cNvSpPr/>
           <p:nvPr/>
         </p:nvSpPr>
         <p:spPr>
           <a:xfrm>
             <a:off x="457200" y="274680"/>
-            <a:ext cx="8228160" cy="1141560"/>
+            <a:ext cx="8227440" cy="1140840"/>
           </a:xfrm>
           <a:prstGeom prst="rect">
             <a:avLst/>
@@ -10888,14 +10995,14 @@
       </p:sp>
       <p:sp>
         <p:nvSpPr>
-          <p:cNvPr id="202" name="CustomShape 2"/>
+          <p:cNvPr id="196" name="CustomShape 2"/>
           <p:cNvSpPr/>
           <p:nvPr/>
         </p:nvSpPr>
         <p:spPr>
           <a:xfrm>
             <a:off x="457200" y="1600200"/>
-            <a:ext cx="8228160" cy="4524480"/>
+            <a:ext cx="8227440" cy="4523760"/>
           </a:xfrm>
           <a:prstGeom prst="rect">
             <a:avLst/>
@@ -11084,14 +11191,14 @@
       </p:grpSpPr>
       <p:sp>
         <p:nvSpPr>
-          <p:cNvPr id="203" name="CustomShape 1"/>
+          <p:cNvPr id="197" name="CustomShape 1"/>
           <p:cNvSpPr/>
           <p:nvPr/>
         </p:nvSpPr>
         <p:spPr>
           <a:xfrm>
             <a:off x="457200" y="274680"/>
-            <a:ext cx="8228160" cy="1141560"/>
+            <a:ext cx="8227440" cy="1140840"/>
           </a:xfrm>
           <a:prstGeom prst="rect">
             <a:avLst/>
@@ -11124,14 +11231,14 @@
       </p:sp>
       <p:sp>
         <p:nvSpPr>
-          <p:cNvPr id="204" name="CustomShape 2"/>
+          <p:cNvPr id="198" name="CustomShape 2"/>
           <p:cNvSpPr/>
           <p:nvPr/>
         </p:nvSpPr>
         <p:spPr>
           <a:xfrm>
             <a:off x="457200" y="1600200"/>
-            <a:ext cx="8228160" cy="4524480"/>
+            <a:ext cx="8227440" cy="4523760"/>
           </a:xfrm>
           <a:prstGeom prst="rect">
             <a:avLst/>
@@ -11341,14 +11448,14 @@
       </p:grpSpPr>
       <p:sp>
         <p:nvSpPr>
-          <p:cNvPr id="205" name="CustomShape 1"/>
+          <p:cNvPr id="199" name="CustomShape 1"/>
           <p:cNvSpPr/>
           <p:nvPr/>
         </p:nvSpPr>
         <p:spPr>
           <a:xfrm>
             <a:off x="457200" y="274680"/>
-            <a:ext cx="8228160" cy="1141560"/>
+            <a:ext cx="8227440" cy="1140840"/>
           </a:xfrm>
           <a:prstGeom prst="rect">
             <a:avLst/>
@@ -11381,14 +11488,14 @@
       </p:sp>
       <p:sp>
         <p:nvSpPr>
-          <p:cNvPr id="206" name="CustomShape 2"/>
+          <p:cNvPr id="200" name="CustomShape 2"/>
           <p:cNvSpPr/>
           <p:nvPr/>
         </p:nvSpPr>
         <p:spPr>
           <a:xfrm>
             <a:off x="457200" y="1600200"/>
-            <a:ext cx="8228160" cy="4524480"/>
+            <a:ext cx="8227440" cy="4523760"/>
           </a:xfrm>
           <a:prstGeom prst="rect">
             <a:avLst/>
@@ -11472,7 +11579,7 @@
               </a:lnSpc>
               <a:buSzPct val="25000"/>
               <a:buFont typeface="StarSymbol"/>
-              <a:buChar char=""/>
+              <a:buChar char="l"/>
             </a:pPr>
             <a:r>
               <a:rPr lang="en-IN" sz="2800">
@@ -11481,7 +11588,7 @@
                 </a:solidFill>
                 <a:latin typeface="Calibri"/>
               </a:rPr>
-              <a:t>The SNMP based approach retrieves data from Router and Switch MIBs in order to build the network map.</a:t>
+              <a:t>The SNMP based approach retrieves data from Router in order to build the network map.</a:t>
             </a:r>
             <a:endParaRPr/>
           </a:p>

--- a/docs/project-presentation.pptx
+++ b/docs/project-presentation.pptx
@@ -29,7 +29,6 @@
     <p:sldId id="273" r:id="rId24"/>
     <p:sldId id="274" r:id="rId25"/>
     <p:sldId id="275" r:id="rId26"/>
-    <p:sldId id="276" r:id="rId27"/>
   </p:sldIdLst>
   <p:sldSz cx="9144000" cy="6858000"/>
   <p:notesSz cx="7559675" cy="10691812"/>
@@ -5863,7 +5862,7 @@
         <p:spPr>
           <a:xfrm>
             <a:off x="457200" y="273600"/>
-            <a:ext cx="8228880" cy="1144800"/>
+            <a:ext cx="8229240" cy="1144800"/>
           </a:xfrm>
           <a:prstGeom prst="rect">
             <a:avLst/>
@@ -5872,6 +5871,7 @@
         <p:txBody>
           <a:bodyPr wrap="none" lIns="0" rIns="0" tIns="0" bIns="0" anchor="ctr"/>
           <a:p>
+            <a:pPr algn="ctr"/>
             <a:r>
               <a:rPr lang="en-IN"/>
               <a:t>Click to edit the title text format</a:t>
@@ -5893,7 +5893,7 @@
         <p:spPr>
           <a:xfrm>
             <a:off x="457200" y="1604520"/>
-            <a:ext cx="8228880" cy="3976560"/>
+            <a:ext cx="8229240" cy="3976920"/>
           </a:xfrm>
           <a:prstGeom prst="rect">
             <a:avLst/>
@@ -6761,7 +6761,7 @@
         <p:spPr>
           <a:xfrm>
             <a:off x="864000" y="258480"/>
-            <a:ext cx="7771320" cy="1468800"/>
+            <a:ext cx="7770960" cy="1468440"/>
           </a:xfrm>
           <a:prstGeom prst="rect">
             <a:avLst/>
@@ -6808,7 +6808,7 @@
         <p:spPr>
           <a:xfrm>
             <a:off x="288000" y="4680000"/>
-            <a:ext cx="6399720" cy="2015280"/>
+            <a:ext cx="6399360" cy="2014920"/>
           </a:xfrm>
           <a:prstGeom prst="rect">
             <a:avLst/>
@@ -6862,7 +6862,7 @@
         <p:spPr>
           <a:xfrm>
             <a:off x="5760000" y="4583880"/>
-            <a:ext cx="6399720" cy="1751400"/>
+            <a:ext cx="6399360" cy="1751040"/>
           </a:xfrm>
           <a:prstGeom prst="rect">
             <a:avLst/>
@@ -6920,7 +6920,7 @@
         <p:spPr>
           <a:xfrm>
             <a:off x="1440000" y="2160000"/>
-            <a:ext cx="6399720" cy="1751400"/>
+            <a:ext cx="6399360" cy="1751040"/>
           </a:xfrm>
           <a:prstGeom prst="rect">
             <a:avLst/>
@@ -7004,7 +7004,7 @@
         <p:spPr>
           <a:xfrm>
             <a:off x="457200" y="274680"/>
-            <a:ext cx="8227440" cy="1140840"/>
+            <a:ext cx="8227080" cy="1140480"/>
           </a:xfrm>
           <a:prstGeom prst="rect">
             <a:avLst/>
@@ -7044,7 +7044,7 @@
         <p:spPr>
           <a:xfrm>
             <a:off x="457200" y="1600200"/>
-            <a:ext cx="8227440" cy="4523760"/>
+            <a:ext cx="8227080" cy="4523400"/>
           </a:xfrm>
           <a:prstGeom prst="rect">
             <a:avLst/>
@@ -7327,7 +7327,7 @@
         <p:spPr>
           <a:xfrm>
             <a:off x="457200" y="274680"/>
-            <a:ext cx="8227440" cy="1140840"/>
+            <a:ext cx="8227080" cy="1140480"/>
           </a:xfrm>
           <a:prstGeom prst="rect">
             <a:avLst/>
@@ -7367,7 +7367,7 @@
         <p:spPr>
           <a:xfrm>
             <a:off x="457200" y="1600200"/>
-            <a:ext cx="8227440" cy="4523760"/>
+            <a:ext cx="8227080" cy="4523400"/>
           </a:xfrm>
           <a:prstGeom prst="rect">
             <a:avLst/>
@@ -7493,7 +7493,7 @@
         <p:spPr>
           <a:xfrm>
             <a:off x="457200" y="274680"/>
-            <a:ext cx="8227440" cy="1140840"/>
+            <a:ext cx="8227080" cy="1140480"/>
           </a:xfrm>
           <a:prstGeom prst="rect">
             <a:avLst/>
@@ -7533,7 +7533,7 @@
         <p:spPr>
           <a:xfrm>
             <a:off x="457200" y="1600200"/>
-            <a:ext cx="8227440" cy="4523760"/>
+            <a:ext cx="8227080" cy="4523400"/>
           </a:xfrm>
           <a:prstGeom prst="rect">
             <a:avLst/>
@@ -7670,7 +7670,7 @@
         <p:spPr>
           <a:xfrm>
             <a:off x="457200" y="274680"/>
-            <a:ext cx="8227440" cy="1140840"/>
+            <a:ext cx="8227080" cy="1140480"/>
           </a:xfrm>
           <a:prstGeom prst="rect">
             <a:avLst/>
@@ -7710,7 +7710,7 @@
         <p:spPr>
           <a:xfrm>
             <a:off x="457200" y="1600200"/>
-            <a:ext cx="8227440" cy="4523760"/>
+            <a:ext cx="8227080" cy="4523400"/>
           </a:xfrm>
           <a:prstGeom prst="rect">
             <a:avLst/>
@@ -8047,7 +8047,7 @@
         <p:spPr>
           <a:xfrm>
             <a:off x="456480" y="504000"/>
-            <a:ext cx="8326080" cy="7968600"/>
+            <a:ext cx="8325720" cy="7968240"/>
           </a:xfrm>
           <a:prstGeom prst="rect">
             <a:avLst/>
@@ -8456,7 +8456,7 @@
         <p:spPr>
           <a:xfrm>
             <a:off x="0" y="70200"/>
-            <a:ext cx="9142560" cy="5472360"/>
+            <a:ext cx="9142200" cy="5472000"/>
           </a:xfrm>
           <a:prstGeom prst="rect">
             <a:avLst/>
@@ -8831,7 +8831,7 @@
         <p:spPr>
           <a:xfrm>
             <a:off x="504000" y="360000"/>
-            <a:ext cx="8228880" cy="1142280"/>
+            <a:ext cx="8228520" cy="1141920"/>
           </a:xfrm>
           <a:prstGeom prst="rect">
             <a:avLst/>
@@ -8844,7 +8844,11 @@
         <p:txBody>
           <a:bodyPr wrap="none" lIns="0" rIns="0" tIns="0" bIns="0" anchor="ctr"/>
           <a:p>
-            <a:pPr algn="ctr"/>
+            <a:pPr algn="ctr">
+              <a:lnSpc>
+                <a:spcPct val="100000"/>
+              </a:lnSpc>
+            </a:pPr>
             <a:r>
               <a:rPr b="1" lang="en-IN" sz="3200"/>
               <a:t>Our Solution</a:t>
@@ -8862,7 +8866,7 @@
         <p:spPr>
           <a:xfrm>
             <a:off x="410760" y="2169360"/>
-            <a:ext cx="7796880" cy="3302280"/>
+            <a:ext cx="7796520" cy="3301920"/>
           </a:xfrm>
           <a:prstGeom prst="rect">
             <a:avLst/>
@@ -8882,7 +8886,7 @@
         <p:spPr>
           <a:xfrm>
             <a:off x="457560" y="1600560"/>
-            <a:ext cx="8228880" cy="4525200"/>
+            <a:ext cx="8228520" cy="4524840"/>
           </a:xfrm>
           <a:prstGeom prst="rect">
             <a:avLst/>
@@ -9057,7 +9061,7 @@
         <p:spPr>
           <a:xfrm>
             <a:off x="457200" y="274680"/>
-            <a:ext cx="8228520" cy="1141920"/>
+            <a:ext cx="8228160" cy="1141560"/>
           </a:xfrm>
           <a:prstGeom prst="rect">
             <a:avLst/>
@@ -9098,7 +9102,7 @@
         <p:spPr>
           <a:xfrm>
             <a:off x="1080000" y="1368000"/>
-            <a:ext cx="7055280" cy="5255280"/>
+            <a:ext cx="7054920" cy="5254920"/>
           </a:xfrm>
           <a:prstGeom prst="rect">
             <a:avLst/>
@@ -9123,7 +9127,7 @@
         <p:spPr>
           <a:xfrm>
             <a:off x="4781880" y="2736000"/>
-            <a:ext cx="329400" cy="359280"/>
+            <a:ext cx="329040" cy="358920"/>
           </a:xfrm>
           <a:prstGeom prst="rect">
             <a:avLst/>
@@ -9148,7 +9152,7 @@
         <p:spPr>
           <a:xfrm>
             <a:off x="2333880" y="4680000"/>
-            <a:ext cx="329400" cy="359280"/>
+            <a:ext cx="329040" cy="358920"/>
           </a:xfrm>
           <a:prstGeom prst="rect">
             <a:avLst/>
@@ -9173,7 +9177,7 @@
         <p:spPr>
           <a:xfrm>
             <a:off x="3989880" y="4176000"/>
-            <a:ext cx="329400" cy="359280"/>
+            <a:ext cx="329040" cy="358920"/>
           </a:xfrm>
           <a:prstGeom prst="rect">
             <a:avLst/>
@@ -9198,7 +9202,7 @@
         <p:spPr>
           <a:xfrm>
             <a:off x="5256000" y="3888000"/>
-            <a:ext cx="329400" cy="359280"/>
+            <a:ext cx="329040" cy="358920"/>
           </a:xfrm>
           <a:prstGeom prst="rect">
             <a:avLst/>
@@ -9223,7 +9227,7 @@
         <p:spPr>
           <a:xfrm>
             <a:off x="6581880" y="4680000"/>
-            <a:ext cx="329400" cy="359280"/>
+            <a:ext cx="329040" cy="358920"/>
           </a:xfrm>
           <a:prstGeom prst="rect">
             <a:avLst/>
@@ -9291,7 +9295,7 @@
         <p:spPr>
           <a:xfrm>
             <a:off x="457560" y="274680"/>
-            <a:ext cx="8228520" cy="1141920"/>
+            <a:ext cx="8228160" cy="1141560"/>
           </a:xfrm>
           <a:prstGeom prst="rect">
             <a:avLst/>
@@ -9332,7 +9336,7 @@
         <p:spPr>
           <a:xfrm>
             <a:off x="864000" y="1380960"/>
-            <a:ext cx="7403040" cy="5026320"/>
+            <a:ext cx="7402680" cy="5025960"/>
           </a:xfrm>
           <a:prstGeom prst="rect">
             <a:avLst/>
@@ -9357,7 +9361,7 @@
         <p:spPr>
           <a:xfrm>
             <a:off x="5688000" y="2808000"/>
-            <a:ext cx="329400" cy="359280"/>
+            <a:ext cx="329040" cy="358920"/>
           </a:xfrm>
           <a:prstGeom prst="rect">
             <a:avLst/>
@@ -9382,7 +9386,7 @@
         <p:spPr>
           <a:xfrm>
             <a:off x="4565880" y="4320000"/>
-            <a:ext cx="329400" cy="359280"/>
+            <a:ext cx="329040" cy="358920"/>
           </a:xfrm>
           <a:prstGeom prst="rect">
             <a:avLst/>
@@ -9407,7 +9411,7 @@
         <p:spPr>
           <a:xfrm>
             <a:off x="2592000" y="4896000"/>
-            <a:ext cx="329400" cy="359280"/>
+            <a:ext cx="329040" cy="358920"/>
           </a:xfrm>
           <a:prstGeom prst="rect">
             <a:avLst/>
@@ -9466,9 +9470,64 @@
           <a:chExt cx="0" cy="0"/>
         </a:xfrm>
       </p:grpSpPr>
+      <p:sp>
+        <p:nvSpPr>
+          <p:cNvPr id="226" name="CustomShape 1"/>
+          <p:cNvSpPr/>
+          <p:nvPr/>
+        </p:nvSpPr>
+        <p:spPr>
+          <a:xfrm>
+            <a:off x="432000" y="216000"/>
+            <a:ext cx="8228160" cy="1141560"/>
+          </a:xfrm>
+          <a:prstGeom prst="rect">
+            <a:avLst/>
+          </a:prstGeom>
+          <a:noFill/>
+          <a:ln>
+            <a:noFill/>
+          </a:ln>
+        </p:spPr>
+        <p:txBody>
+          <a:bodyPr wrap="none" lIns="0" rIns="0" tIns="0" bIns="0" anchor="ctr"/>
+          <a:p>
+            <a:pPr algn="ctr">
+              <a:lnSpc>
+                <a:spcPct val="100000"/>
+              </a:lnSpc>
+            </a:pPr>
+            <a:r>
+              <a:rPr lang="en-IN" sz="2400"/>
+              <a:t>Version Control – Github</a:t>
+            </a:r>
+            <a:endParaRPr/>
+          </a:p>
+          <a:p>
+            <a:pPr algn="ctr">
+              <a:lnSpc>
+                <a:spcPct val="100000"/>
+              </a:lnSpc>
+            </a:pPr>
+            <a:endParaRPr/>
+          </a:p>
+          <a:p>
+            <a:pPr algn="ctr">
+              <a:lnSpc>
+                <a:spcPct val="100000"/>
+              </a:lnSpc>
+            </a:pPr>
+            <a:r>
+              <a:rPr lang="en-IN" sz="2200"/>
+              <a:t>https://github.com/sourabh14/network-mapper</a:t>
+            </a:r>
+            <a:endParaRPr/>
+          </a:p>
+        </p:txBody>
+      </p:sp>
       <p:pic>
         <p:nvPicPr>
-          <p:cNvPr id="226" name="" descr=""/>
+          <p:cNvPr id="227" name="" descr=""/>
           <p:cNvPicPr/>
           <p:nvPr/>
         </p:nvPicPr>
@@ -9480,8 +9539,8 @@
         </p:blipFill>
         <p:spPr>
           <a:xfrm>
-            <a:off x="500760" y="1193760"/>
-            <a:ext cx="8402040" cy="5219640"/>
+            <a:off x="72360" y="1656000"/>
+            <a:ext cx="8782560" cy="4822920"/>
           </a:xfrm>
           <a:prstGeom prst="rect">
             <a:avLst/>
@@ -9491,37 +9550,6 @@
           </a:ln>
         </p:spPr>
       </p:pic>
-      <p:sp>
-        <p:nvSpPr>
-          <p:cNvPr id="227" name="TextShape 1"/>
-          <p:cNvSpPr txBox="1"/>
-          <p:nvPr/>
-        </p:nvSpPr>
-        <p:spPr>
-          <a:xfrm>
-            <a:off x="2159280" y="361800"/>
-            <a:ext cx="5435280" cy="546480"/>
-          </a:xfrm>
-          <a:prstGeom prst="rect">
-            <a:avLst/>
-          </a:prstGeom>
-        </p:spPr>
-        <p:txBody>
-          <a:bodyPr wrap="none" lIns="90000" rIns="90000" tIns="45000" bIns="45000"/>
-          <a:p>
-            <a:pPr algn="ctr">
-              <a:lnSpc>
-                <a:spcPct val="100000"/>
-              </a:lnSpc>
-            </a:pPr>
-            <a:r>
-              <a:rPr lang="en-IN" sz="3200"/>
-              <a:t>Architecture diagram</a:t>
-            </a:r>
-            <a:endParaRPr/>
-          </a:p>
-        </p:txBody>
-      </p:sp>
     </p:spTree>
   </p:cSld>
   <p:timing>
@@ -9580,7 +9608,7 @@
         <p:spPr>
           <a:xfrm>
             <a:off x="864000" y="-144000"/>
-            <a:ext cx="7771320" cy="1468800"/>
+            <a:ext cx="7770960" cy="1468440"/>
           </a:xfrm>
           <a:prstGeom prst="rect">
             <a:avLst/>
@@ -9615,7 +9643,7 @@
         <p:spPr>
           <a:xfrm>
             <a:off x="432000" y="792000"/>
-            <a:ext cx="8588520" cy="5543280"/>
+            <a:ext cx="8588160" cy="5542920"/>
           </a:xfrm>
           <a:prstGeom prst="rect">
             <a:avLst/>
@@ -10007,8 +10035,8 @@
         </p:nvSpPr>
         <p:spPr>
           <a:xfrm>
-            <a:off x="432000" y="216000"/>
-            <a:ext cx="8228520" cy="1141920"/>
+            <a:off x="504000" y="2745360"/>
+            <a:ext cx="8228160" cy="1141560"/>
           </a:xfrm>
           <a:prstGeom prst="rect">
             <a:avLst/>
@@ -10027,58 +10055,13 @@
               </a:lnSpc>
             </a:pPr>
             <a:r>
-              <a:rPr lang="en-IN" sz="2400"/>
-              <a:t>Version Control – Github</a:t>
-            </a:r>
-            <a:endParaRPr/>
-          </a:p>
-          <a:p>
-            <a:pPr algn="ctr">
-              <a:lnSpc>
-                <a:spcPct val="100000"/>
-              </a:lnSpc>
-            </a:pPr>
-            <a:endParaRPr/>
-          </a:p>
-          <a:p>
-            <a:pPr algn="ctr">
-              <a:lnSpc>
-                <a:spcPct val="100000"/>
-              </a:lnSpc>
-            </a:pPr>
-            <a:r>
-              <a:rPr lang="en-IN" sz="2200"/>
-              <a:t>https://github.com/sourabh14/network-mapper</a:t>
-            </a:r>
-            <a:endParaRPr/>
-          </a:p>
-        </p:txBody>
-      </p:sp>
-      <p:pic>
-        <p:nvPicPr>
-          <p:cNvPr id="229" name="" descr=""/>
-          <p:cNvPicPr/>
-          <p:nvPr/>
-        </p:nvPicPr>
-        <p:blipFill>
-          <a:blip r:embed="rId1"/>
-          <a:stretch>
-            <a:fillRect/>
-          </a:stretch>
-        </p:blipFill>
-        <p:spPr>
-          <a:xfrm>
-            <a:off x="72360" y="1656000"/>
-            <a:ext cx="8782920" cy="4823280"/>
-          </a:xfrm>
-          <a:prstGeom prst="rect">
-            <a:avLst/>
-          </a:prstGeom>
-          <a:ln>
-            <a:noFill/>
-          </a:ln>
-        </p:spPr>
-      </p:pic>
+              <a:rPr lang="en-IN" sz="3200"/>
+              <a:t>Thank You</a:t>
+            </a:r>
+            <a:endParaRPr/>
+          </a:p>
+        </p:txBody>
+      </p:sp>
     </p:spTree>
   </p:cSld>
   <p:timing>
@@ -10088,90 +10071,6 @@
           <p:childTnLst>
             <p:seq>
               <p:cTn id="40" nodeType="mainSeq"/>
-              <p:prevCondLst>
-                <p:cond delay="0" evt="onPrev">
-                  <p:tgtEl>
-                    <p:sldTgt/>
-                  </p:tgtEl>
-                </p:cond>
-              </p:prevCondLst>
-              <p:nextCondLst>
-                <p:cond delay="0" evt="onNext">
-                  <p:tgtEl>
-                    <p:sldTgt/>
-                  </p:tgtEl>
-                </p:cond>
-              </p:nextCondLst>
-            </p:seq>
-          </p:childTnLst>
-        </p:cTn>
-      </p:par>
-    </p:tnLst>
-  </p:timing>
-</p:sld>
-</file>
-
-<file path=ppt/slides/slide21.xml><?xml version="1.0" encoding="utf-8"?>
-<p:sld xmlns:a="http://schemas.openxmlformats.org/drawingml/2006/main" xmlns:p="http://schemas.openxmlformats.org/presentationml/2006/main" xmlns:r="http://schemas.openxmlformats.org/officeDocument/2006/relationships">
-  <p:cSld>
-    <p:spTree>
-      <p:nvGrpSpPr>
-        <p:cNvPr id="1" name=""/>
-        <p:cNvGrpSpPr/>
-        <p:nvPr/>
-      </p:nvGrpSpPr>
-      <p:grpSpPr>
-        <a:xfrm>
-          <a:off x="0" y="0"/>
-          <a:ext cx="0" cy="0"/>
-          <a:chOff x="0" y="0"/>
-          <a:chExt cx="0" cy="0"/>
-        </a:xfrm>
-      </p:grpSpPr>
-      <p:sp>
-        <p:nvSpPr>
-          <p:cNvPr id="230" name="CustomShape 1"/>
-          <p:cNvSpPr/>
-          <p:nvPr/>
-        </p:nvSpPr>
-        <p:spPr>
-          <a:xfrm>
-            <a:off x="504000" y="2745360"/>
-            <a:ext cx="8228520" cy="1141920"/>
-          </a:xfrm>
-          <a:prstGeom prst="rect">
-            <a:avLst/>
-          </a:prstGeom>
-          <a:noFill/>
-          <a:ln>
-            <a:noFill/>
-          </a:ln>
-        </p:spPr>
-        <p:txBody>
-          <a:bodyPr wrap="none" lIns="0" rIns="0" tIns="0" bIns="0" anchor="ctr"/>
-          <a:p>
-            <a:pPr algn="ctr">
-              <a:lnSpc>
-                <a:spcPct val="100000"/>
-              </a:lnSpc>
-            </a:pPr>
-            <a:r>
-              <a:rPr lang="en-IN" sz="3200"/>
-              <a:t>Thank You</a:t>
-            </a:r>
-            <a:endParaRPr/>
-          </a:p>
-        </p:txBody>
-      </p:sp>
-    </p:spTree>
-  </p:cSld>
-  <p:timing>
-    <p:tnLst>
-      <p:par>
-        <p:cTn id="41" dur="indefinite" restart="never" nodeType="tmRoot">
-          <p:childTnLst>
-            <p:seq>
-              <p:cTn id="42" nodeType="mainSeq"/>
               <p:prevCondLst>
                 <p:cond delay="0" evt="onPrev">
                   <p:tgtEl>
@@ -10221,7 +10120,7 @@
         <p:spPr>
           <a:xfrm>
             <a:off x="457200" y="274680"/>
-            <a:ext cx="8227440" cy="1140840"/>
+            <a:ext cx="8227080" cy="1140480"/>
           </a:xfrm>
           <a:prstGeom prst="rect">
             <a:avLst/>
@@ -10261,7 +10160,7 @@
         <p:spPr>
           <a:xfrm>
             <a:off x="457200" y="1600200"/>
-            <a:ext cx="8227440" cy="4523760"/>
+            <a:ext cx="8227080" cy="4523400"/>
           </a:xfrm>
           <a:prstGeom prst="rect">
             <a:avLst/>
@@ -10309,7 +10208,7 @@
         <p:spPr>
           <a:xfrm>
             <a:off x="1371600" y="3657600"/>
-            <a:ext cx="5379120" cy="2969640"/>
+            <a:ext cx="5378760" cy="2969280"/>
           </a:xfrm>
           <a:prstGeom prst="rect">
             <a:avLst/>
@@ -10377,7 +10276,7 @@
         <p:spPr>
           <a:xfrm>
             <a:off x="457200" y="274680"/>
-            <a:ext cx="8227440" cy="1140840"/>
+            <a:ext cx="8227080" cy="1140480"/>
           </a:xfrm>
           <a:prstGeom prst="rect">
             <a:avLst/>
@@ -10417,7 +10316,7 @@
         <p:spPr>
           <a:xfrm>
             <a:off x="457200" y="1600200"/>
-            <a:ext cx="8227440" cy="4523760"/>
+            <a:ext cx="8227080" cy="4523400"/>
           </a:xfrm>
           <a:prstGeom prst="rect">
             <a:avLst/>
@@ -10527,7 +10426,7 @@
         <p:spPr>
           <a:xfrm>
             <a:off x="457200" y="274680"/>
-            <a:ext cx="8227440" cy="1140840"/>
+            <a:ext cx="8227080" cy="1140480"/>
           </a:xfrm>
           <a:prstGeom prst="rect">
             <a:avLst/>
@@ -10567,7 +10466,7 @@
         <p:spPr>
           <a:xfrm>
             <a:off x="457200" y="1600200"/>
-            <a:ext cx="8227440" cy="4523760"/>
+            <a:ext cx="8227080" cy="4523400"/>
           </a:xfrm>
           <a:prstGeom prst="rect">
             <a:avLst/>
@@ -10723,7 +10622,7 @@
         <p:spPr>
           <a:xfrm>
             <a:off x="457200" y="274680"/>
-            <a:ext cx="8227440" cy="1140840"/>
+            <a:ext cx="8227080" cy="1140480"/>
           </a:xfrm>
           <a:prstGeom prst="rect">
             <a:avLst/>
@@ -10763,7 +10662,7 @@
         <p:spPr>
           <a:xfrm>
             <a:off x="457200" y="1600200"/>
-            <a:ext cx="8227440" cy="4523760"/>
+            <a:ext cx="8227080" cy="4523400"/>
           </a:xfrm>
           <a:prstGeom prst="rect">
             <a:avLst/>
@@ -10962,7 +10861,7 @@
         <p:spPr>
           <a:xfrm>
             <a:off x="457200" y="274680"/>
-            <a:ext cx="8227440" cy="1140840"/>
+            <a:ext cx="8227080" cy="1140480"/>
           </a:xfrm>
           <a:prstGeom prst="rect">
             <a:avLst/>
@@ -11002,7 +10901,7 @@
         <p:spPr>
           <a:xfrm>
             <a:off x="457200" y="1600200"/>
-            <a:ext cx="8227440" cy="4523760"/>
+            <a:ext cx="8227080" cy="4523400"/>
           </a:xfrm>
           <a:prstGeom prst="rect">
             <a:avLst/>
@@ -11198,7 +11097,7 @@
         <p:spPr>
           <a:xfrm>
             <a:off x="457200" y="274680"/>
-            <a:ext cx="8227440" cy="1140840"/>
+            <a:ext cx="8227080" cy="1140480"/>
           </a:xfrm>
           <a:prstGeom prst="rect">
             <a:avLst/>
@@ -11238,7 +11137,7 @@
         <p:spPr>
           <a:xfrm>
             <a:off x="457200" y="1600200"/>
-            <a:ext cx="8227440" cy="4523760"/>
+            <a:ext cx="8227080" cy="4523400"/>
           </a:xfrm>
           <a:prstGeom prst="rect">
             <a:avLst/>
@@ -11455,7 +11354,7 @@
         <p:spPr>
           <a:xfrm>
             <a:off x="457200" y="274680"/>
-            <a:ext cx="8227440" cy="1140840"/>
+            <a:ext cx="8227080" cy="1140480"/>
           </a:xfrm>
           <a:prstGeom prst="rect">
             <a:avLst/>
@@ -11495,7 +11394,7 @@
         <p:spPr>
           <a:xfrm>
             <a:off x="457200" y="1600200"/>
-            <a:ext cx="8227440" cy="4523760"/>
+            <a:ext cx="8227080" cy="4523400"/>
           </a:xfrm>
           <a:prstGeom prst="rect">
             <a:avLst/>
